--- a/data_report.pptx
+++ b/data_report.pptx
@@ -1,37 +1,52 @@
 
 <file path=ppt/presentation.xml><?xml version="1.0" encoding="utf-8"?>
-<p:presentation xmlns:a="http://schemas.openxmlformats.org/drawingml/2006/main" xmlns:p="http://schemas.openxmlformats.org/presentationml/2006/main" xmlns:r="http://schemas.openxmlformats.org/officeDocument/2006/relationships" autoCompressPictures="0" saveSubsetFonts="1">
+<p:presentation xmlns:a="http://schemas.openxmlformats.org/drawingml/2006/main" xmlns:r="http://schemas.openxmlformats.org/officeDocument/2006/relationships" xmlns:p="http://schemas.openxmlformats.org/presentationml/2006/main" xmlns:m="http://schemas.openxmlformats.org/officeDocument/2006/math" xmlns:w="http://schemas.openxmlformats.org/wordprocessingml/2006/main" autoCompressPictures="0" saveSubsetFonts="1">
   <p:sldMasterIdLst>
     <p:sldMasterId id="2147483648" r:id="rId1"/>
   </p:sldMasterIdLst>
   <p:sldIdLst>
-    <p:sldId id="256" r:id="rId2"/>
-    <p:sldId id="257" r:id="rId3"/>
-    <p:sldId id="258" r:id="rId4"/>
-    <p:sldId id="259" r:id="rId5"/>
-    <p:sldId id="260" r:id="rId6"/>
-    <p:sldId id="261" r:id="rId7"/>
-    <p:sldId id="262" r:id="rId8"/>
-    <p:sldId id="263" r:id="rId9"/>
-    <p:sldId id="264" r:id="rId10"/>
-    <p:sldId id="265" r:id="rId11"/>
-    <p:sldId id="266" r:id="rId12"/>
-    <p:sldId id="267" r:id="rId13"/>
-    <p:sldId id="268" r:id="rId14"/>
-    <p:sldId id="269" r:id="rId15"/>
-    <p:sldId id="270" r:id="rId16"/>
-    <p:sldId id="271" r:id="rId17"/>
-    <p:sldId id="272" r:id="rId18"/>
-    <p:sldId id="273" r:id="rId19"/>
+    <p:sldId id="256" r:id="rId3"/>
+    <p:sldId id="257" r:id="rId4"/>
+    <p:sldId id="258" r:id="rId5"/>
+    <p:sldId id="259" r:id="rId6"/>
+    <p:sldId id="260" r:id="rId7"/>
+    <p:sldId id="261" r:id="rId8"/>
+    <p:sldId id="262" r:id="rId9"/>
+    <p:sldId id="263" r:id="rId10"/>
+    <p:sldId id="264" r:id="rId11"/>
+    <p:sldId id="265" r:id="rId12"/>
+    <p:sldId id="266" r:id="rId13"/>
+    <p:sldId id="267" r:id="rId14"/>
+    <p:sldId id="268" r:id="rId15"/>
+    <p:sldId id="269" r:id="rId16"/>
+    <p:sldId id="270" r:id="rId17"/>
+    <p:sldId id="271" r:id="rId18"/>
+    <p:sldId id="272" r:id="rId19"/>
+    <p:sldId id="273" r:id="rId20"/>
+    <p:sldId id="274" r:id="rId21"/>
+    <p:sldId id="275" r:id="rId22"/>
+    <p:sldId id="276" r:id="rId23"/>
+    <p:sldId id="277" r:id="rId24"/>
+    <p:sldId id="278" r:id="rId25"/>
+    <p:sldId id="279" r:id="rId26"/>
+    <p:sldId id="280" r:id="rId27"/>
+    <p:sldId id="281" r:id="rId28"/>
+    <p:sldId id="282" r:id="rId29"/>
+    <p:sldId id="283" r:id="rId30"/>
+    <p:sldId id="284" r:id="rId31"/>
+    <p:sldId id="285" r:id="rId32"/>
+    <p:sldId id="286" r:id="rId33"/>
+    <p:sldId id="287" r:id="rId34"/>
+    <p:sldId id="288" r:id="rId35"/>
   </p:sldIdLst>
   <p:sldSz cx="9144000" cy="5143500" type="screen16x9"/>
-  <p:notesSz cx="6858000" cy="9144000"/>
+  <p:notesSz cx="9144000" cy="5143500"/>
   <p:defaultTextStyle>
     <a:defPPr>
       <a:defRPr lang="en-US"/>
     </a:defPPr>
-    <a:lvl1pPr algn="l" defTabSz="457200" eaLnBrk="1" hangingPunct="1" latinLnBrk="0" marL="0" rtl="0">
-      <a:defRPr kern="1200" sz="1800">
+    <a:lvl1pPr marL="0" algn="l" defTabSz="457200">
+      <a:defRPr sz="1800">
         <a:solidFill>
           <a:schemeClr val="tx1"/>
         </a:solidFill>
@@ -40,8 +55,8 @@
         <a:cs typeface="+mn-cs"/>
       </a:defRPr>
     </a:lvl1pPr>
-    <a:lvl2pPr algn="l" defTabSz="457200" eaLnBrk="1" hangingPunct="1" latinLnBrk="0" marL="457200" rtl="0">
-      <a:defRPr kern="1200" sz="1800">
+    <a:lvl2pPr marL="457200" algn="l" defTabSz="457200">
+      <a:defRPr sz="1800">
         <a:solidFill>
           <a:schemeClr val="tx1"/>
         </a:solidFill>
@@ -50,8 +65,8 @@
         <a:cs typeface="+mn-cs"/>
       </a:defRPr>
     </a:lvl2pPr>
-    <a:lvl3pPr algn="l" defTabSz="457200" eaLnBrk="1" hangingPunct="1" latinLnBrk="0" marL="914400" rtl="0">
-      <a:defRPr kern="1200" sz="1800">
+    <a:lvl3pPr marL="914400" algn="l" defTabSz="457200">
+      <a:defRPr sz="1800">
         <a:solidFill>
           <a:schemeClr val="tx1"/>
         </a:solidFill>
@@ -60,8 +75,8 @@
         <a:cs typeface="+mn-cs"/>
       </a:defRPr>
     </a:lvl3pPr>
-    <a:lvl4pPr algn="l" defTabSz="457200" eaLnBrk="1" hangingPunct="1" latinLnBrk="0" marL="1371600" rtl="0">
-      <a:defRPr kern="1200" sz="1800">
+    <a:lvl4pPr marL="1371600" algn="l" defTabSz="457200">
+      <a:defRPr sz="1800">
         <a:solidFill>
           <a:schemeClr val="tx1"/>
         </a:solidFill>
@@ -70,8 +85,8 @@
         <a:cs typeface="+mn-cs"/>
       </a:defRPr>
     </a:lvl4pPr>
-    <a:lvl5pPr algn="l" defTabSz="457200" eaLnBrk="1" hangingPunct="1" latinLnBrk="0" marL="1828800" rtl="0">
-      <a:defRPr kern="1200" sz="1800">
+    <a:lvl5pPr marL="1828800" algn="l" defTabSz="457200">
+      <a:defRPr sz="1800">
         <a:solidFill>
           <a:schemeClr val="tx1"/>
         </a:solidFill>
@@ -80,8 +95,8 @@
         <a:cs typeface="+mn-cs"/>
       </a:defRPr>
     </a:lvl5pPr>
-    <a:lvl6pPr algn="l" defTabSz="457200" eaLnBrk="1" hangingPunct="1" latinLnBrk="0" marL="2286000" rtl="0">
-      <a:defRPr kern="1200" sz="1800">
+    <a:lvl6pPr marL="2286000" algn="l" defTabSz="457200">
+      <a:defRPr sz="1800">
         <a:solidFill>
           <a:schemeClr val="tx1"/>
         </a:solidFill>
@@ -90,8 +105,8 @@
         <a:cs typeface="+mn-cs"/>
       </a:defRPr>
     </a:lvl6pPr>
-    <a:lvl7pPr algn="l" defTabSz="457200" eaLnBrk="1" hangingPunct="1" latinLnBrk="0" marL="2743200" rtl="0">
-      <a:defRPr kern="1200" sz="1800">
+    <a:lvl7pPr marL="2743200" algn="l" defTabSz="457200">
+      <a:defRPr sz="1800">
         <a:solidFill>
           <a:schemeClr val="tx1"/>
         </a:solidFill>
@@ -100,8 +115,8 @@
         <a:cs typeface="+mn-cs"/>
       </a:defRPr>
     </a:lvl7pPr>
-    <a:lvl8pPr algn="l" defTabSz="457200" eaLnBrk="1" hangingPunct="1" latinLnBrk="0" marL="3200400" rtl="0">
-      <a:defRPr kern="1200" sz="1800">
+    <a:lvl8pPr marL="3200400" algn="l" defTabSz="457200">
+      <a:defRPr sz="1800">
         <a:solidFill>
           <a:schemeClr val="tx1"/>
         </a:solidFill>
@@ -110,8 +125,8 @@
         <a:cs typeface="+mn-cs"/>
       </a:defRPr>
     </a:lvl8pPr>
-    <a:lvl9pPr algn="l" defTabSz="457200" eaLnBrk="1" hangingPunct="1" latinLnBrk="0" marL="3657600" rtl="0">
-      <a:defRPr kern="1200" sz="1800">
+    <a:lvl9pPr marL="3657600" algn="l" defTabSz="457200">
+      <a:defRPr sz="1800">
         <a:solidFill>
           <a:schemeClr val="tx1"/>
         </a:solidFill>
@@ -121,27 +136,11 @@
       </a:defRPr>
     </a:lvl9pPr>
   </p:defaultTextStyle>
-  <p:extLst>
-    <p:ext uri="{EFAFB233-063F-42B5-8137-9DF3F51BA10A}">
-      <p15:sldGuideLst xmlns:p15="http://schemas.microsoft.com/office/powerpoint/2012/main">
-        <p15:guide id="1" orient="horz" pos="1620" userDrawn="1">
-          <p15:clr>
-            <a:srgbClr val="A4A3A4"/>
-          </p15:clr>
-        </p15:guide>
-        <p15:guide id="2" pos="2880" userDrawn="1">
-          <p15:clr>
-            <a:srgbClr val="A4A3A4"/>
-          </p15:clr>
-        </p15:guide>
-      </p15:sldGuideLst>
-    </p:ext>
-  </p:extLst>
 </p:presentation>
 </file>
 
 <file path=ppt/slideLayouts/slideLayout1.xml><?xml version="1.0" encoding="utf-8"?>
-<p:sldLayout xmlns:a="http://schemas.openxmlformats.org/drawingml/2006/main" xmlns:r="http://schemas.openxmlformats.org/officeDocument/2006/relationships" xmlns:p="http://schemas.openxmlformats.org/presentationml/2006/main" type="title" preserve="1">
+<p:sldLayout xmlns:a="http://schemas.openxmlformats.org/drawingml/2006/main" xmlns:r="http://schemas.openxmlformats.org/officeDocument/2006/relationships" xmlns:p="http://schemas.openxmlformats.org/presentationml/2006/main" xmlns:m="http://schemas.openxmlformats.org/officeDocument/2006/math" xmlns:w="http://schemas.openxmlformats.org/wordprocessingml/2006/main" matchingName="" preserve="1" showMasterPhAnim="0" type="title" userDrawn="1">
   <p:cSld name="Title Slide">
     <p:spTree>
       <p:nvGrpSpPr>
@@ -149,7 +148,7 @@
         <p:cNvGrpSpPr/>
         <p:nvPr/>
       </p:nvGrpSpPr>
-      <p:grpSpPr>
+      <p:grpSpPr bwMode="auto">
         <a:xfrm>
           <a:off x="0" y="0"/>
           <a:ext cx="0" cy="0"/>
@@ -167,7 +166,7 @@
             <p:ph type="ctrTitle"/>
           </p:nvPr>
         </p:nvSpPr>
-        <p:spPr>
+        <p:spPr bwMode="auto">
           <a:xfrm>
             <a:off x="685800" y="1597819"/>
             <a:ext cx="7772400" cy="1102519"/>
@@ -177,10 +176,14 @@
           <a:bodyPr/>
           <a:lstStyle/>
           <a:p>
+            <a:pPr>
+              <a:defRPr/>
+            </a:pPr>
             <a:r>
               <a:rPr lang="en-US"/>
               <a:t>Click to edit Master title style</a:t>
             </a:r>
+            <a:endParaRPr/>
           </a:p>
         </p:txBody>
       </p:sp>
@@ -194,7 +197,7 @@
             <p:ph type="subTitle" idx="1"/>
           </p:nvPr>
         </p:nvSpPr>
-        <p:spPr>
+        <p:spPr bwMode="auto">
           <a:xfrm>
             <a:off x="1371600" y="2914650"/>
             <a:ext cx="6400800" cy="1314450"/>
@@ -295,10 +298,14 @@
             </a:lvl9pPr>
           </a:lstStyle>
           <a:p>
+            <a:pPr>
+              <a:defRPr/>
+            </a:pPr>
             <a:r>
               <a:rPr lang="en-US"/>
               <a:t>Click to edit Master subtitle style</a:t>
             </a:r>
+            <a:endParaRPr/>
           </a:p>
         </p:txBody>
       </p:sp>
@@ -312,14 +319,17 @@
             <p:ph type="dt" sz="half" idx="10"/>
           </p:nvPr>
         </p:nvSpPr>
-        <p:spPr/>
-        <p:txBody>
-          <a:bodyPr/>
-          <a:lstStyle/>
-          <a:p>
+        <p:spPr bwMode="auto"/>
+        <p:txBody>
+          <a:bodyPr/>
+          <a:lstStyle/>
+          <a:p>
+            <a:pPr>
+              <a:defRPr/>
+            </a:pPr>
             <a:fld id="{241EB5C9-1307-BA42-ABA2-0BC069CD8E7F}" type="datetimeFigureOut">
-              <a:rPr lang="en-US" smtClean="0"/>
-              <a:t>1/2/22</a:t>
+              <a:rPr lang="en-US"/>
+              <a:t/>
             </a:fld>
             <a:endParaRPr lang="en-US"/>
           </a:p>
@@ -335,11 +345,14 @@
             <p:ph type="ftr" sz="quarter" idx="11"/>
           </p:nvPr>
         </p:nvSpPr>
-        <p:spPr/>
-        <p:txBody>
-          <a:bodyPr/>
-          <a:lstStyle/>
-          <a:p>
+        <p:spPr bwMode="auto"/>
+        <p:txBody>
+          <a:bodyPr/>
+          <a:lstStyle/>
+          <a:p>
+            <a:pPr>
+              <a:defRPr/>
+            </a:pPr>
             <a:endParaRPr lang="en-US"/>
           </a:p>
         </p:txBody>
@@ -354,25 +367,23 @@
             <p:ph type="sldNum" sz="quarter" idx="12"/>
           </p:nvPr>
         </p:nvSpPr>
-        <p:spPr/>
-        <p:txBody>
-          <a:bodyPr/>
-          <a:lstStyle/>
-          <a:p>
+        <p:spPr bwMode="auto"/>
+        <p:txBody>
+          <a:bodyPr/>
+          <a:lstStyle/>
+          <a:p>
+            <a:pPr>
+              <a:defRPr/>
+            </a:pPr>
             <a:fld id="{C5EF2332-01BF-834F-8236-50238282D533}" type="slidenum">
-              <a:rPr lang="en-US" smtClean="0"/>
-              <a:t>‹#›</a:t>
+              <a:rPr lang="en-US"/>
+              <a:t/>
             </a:fld>
             <a:endParaRPr lang="en-US"/>
           </a:p>
         </p:txBody>
       </p:sp>
     </p:spTree>
-    <p:extLst>
-      <p:ext uri="{BB962C8B-B14F-4D97-AF65-F5344CB8AC3E}">
-        <p14:creationId xmlns:p14="http://schemas.microsoft.com/office/powerpoint/2010/main" val="1444357513"/>
-      </p:ext>
-    </p:extLst>
   </p:cSld>
   <p:clrMapOvr>
     <a:masterClrMapping/>
@@ -381,7 +392,7 @@
 </file>
 
 <file path=ppt/slideLayouts/slideLayout10.xml><?xml version="1.0" encoding="utf-8"?>
-<p:sldLayout xmlns:a="http://schemas.openxmlformats.org/drawingml/2006/main" xmlns:r="http://schemas.openxmlformats.org/officeDocument/2006/relationships" xmlns:p="http://schemas.openxmlformats.org/presentationml/2006/main" type="vertTx" preserve="1">
+<p:sldLayout xmlns:a="http://schemas.openxmlformats.org/drawingml/2006/main" xmlns:r="http://schemas.openxmlformats.org/officeDocument/2006/relationships" xmlns:p="http://schemas.openxmlformats.org/presentationml/2006/main" xmlns:m="http://schemas.openxmlformats.org/officeDocument/2006/math" xmlns:w="http://schemas.openxmlformats.org/wordprocessingml/2006/main" matchingName="" preserve="1" showMasterPhAnim="0" type="vertTx" userDrawn="1">
   <p:cSld name="Title and Vertical Text">
     <p:spTree>
       <p:nvGrpSpPr>
@@ -389,7 +400,7 @@
         <p:cNvGrpSpPr/>
         <p:nvPr/>
       </p:nvGrpSpPr>
-      <p:grpSpPr>
+      <p:grpSpPr bwMode="auto">
         <a:xfrm>
           <a:off x="0" y="0"/>
           <a:ext cx="0" cy="0"/>
@@ -407,15 +418,19 @@
             <p:ph type="title"/>
           </p:nvPr>
         </p:nvSpPr>
-        <p:spPr/>
-        <p:txBody>
-          <a:bodyPr/>
-          <a:lstStyle/>
-          <a:p>
+        <p:spPr bwMode="auto"/>
+        <p:txBody>
+          <a:bodyPr/>
+          <a:lstStyle/>
+          <a:p>
+            <a:pPr>
+              <a:defRPr/>
+            </a:pPr>
             <a:r>
               <a:rPr lang="en-US"/>
               <a:t>Click to edit Master title style</a:t>
             </a:r>
+            <a:endParaRPr/>
           </a:p>
         </p:txBody>
       </p:sp>
@@ -429,44 +444,59 @@
             <p:ph type="body" orient="vert" idx="1"/>
           </p:nvPr>
         </p:nvSpPr>
-        <p:spPr/>
+        <p:spPr bwMode="auto"/>
         <p:txBody>
           <a:bodyPr vert="eaVert"/>
           <a:lstStyle/>
           <a:p>
-            <a:pPr lvl="0"/>
+            <a:pPr lvl="0">
+              <a:defRPr/>
+            </a:pPr>
             <a:r>
               <a:rPr lang="en-US"/>
               <a:t>Click to edit Master text styles</a:t>
             </a:r>
-          </a:p>
-          <a:p>
-            <a:pPr lvl="1"/>
+            <a:endParaRPr/>
+          </a:p>
+          <a:p>
+            <a:pPr lvl="1">
+              <a:defRPr/>
+            </a:pPr>
             <a:r>
               <a:rPr lang="en-US"/>
               <a:t>Second level</a:t>
             </a:r>
-          </a:p>
-          <a:p>
-            <a:pPr lvl="2"/>
+            <a:endParaRPr/>
+          </a:p>
+          <a:p>
+            <a:pPr lvl="2">
+              <a:defRPr/>
+            </a:pPr>
             <a:r>
               <a:rPr lang="en-US"/>
               <a:t>Third level</a:t>
             </a:r>
-          </a:p>
-          <a:p>
-            <a:pPr lvl="3"/>
+            <a:endParaRPr/>
+          </a:p>
+          <a:p>
+            <a:pPr lvl="3">
+              <a:defRPr/>
+            </a:pPr>
             <a:r>
               <a:rPr lang="en-US"/>
               <a:t>Fourth level</a:t>
             </a:r>
-          </a:p>
-          <a:p>
-            <a:pPr lvl="4"/>
+            <a:endParaRPr/>
+          </a:p>
+          <a:p>
+            <a:pPr lvl="4">
+              <a:defRPr/>
+            </a:pPr>
             <a:r>
               <a:rPr lang="en-US"/>
               <a:t>Fifth level</a:t>
             </a:r>
+            <a:endParaRPr/>
           </a:p>
         </p:txBody>
       </p:sp>
@@ -480,14 +510,17 @@
             <p:ph type="dt" sz="half" idx="10"/>
           </p:nvPr>
         </p:nvSpPr>
-        <p:spPr/>
-        <p:txBody>
-          <a:bodyPr/>
-          <a:lstStyle/>
-          <a:p>
+        <p:spPr bwMode="auto"/>
+        <p:txBody>
+          <a:bodyPr/>
+          <a:lstStyle/>
+          <a:p>
+            <a:pPr>
+              <a:defRPr/>
+            </a:pPr>
             <a:fld id="{241EB5C9-1307-BA42-ABA2-0BC069CD8E7F}" type="datetimeFigureOut">
-              <a:rPr lang="en-US" smtClean="0"/>
-              <a:t>1/2/22</a:t>
+              <a:rPr lang="en-US"/>
+              <a:t/>
             </a:fld>
             <a:endParaRPr lang="en-US"/>
           </a:p>
@@ -503,11 +536,14 @@
             <p:ph type="ftr" sz="quarter" idx="11"/>
           </p:nvPr>
         </p:nvSpPr>
-        <p:spPr/>
-        <p:txBody>
-          <a:bodyPr/>
-          <a:lstStyle/>
-          <a:p>
+        <p:spPr bwMode="auto"/>
+        <p:txBody>
+          <a:bodyPr/>
+          <a:lstStyle/>
+          <a:p>
+            <a:pPr>
+              <a:defRPr/>
+            </a:pPr>
             <a:endParaRPr lang="en-US"/>
           </a:p>
         </p:txBody>
@@ -522,25 +558,23 @@
             <p:ph type="sldNum" sz="quarter" idx="12"/>
           </p:nvPr>
         </p:nvSpPr>
-        <p:spPr/>
-        <p:txBody>
-          <a:bodyPr/>
-          <a:lstStyle/>
-          <a:p>
+        <p:spPr bwMode="auto"/>
+        <p:txBody>
+          <a:bodyPr/>
+          <a:lstStyle/>
+          <a:p>
+            <a:pPr>
+              <a:defRPr/>
+            </a:pPr>
             <a:fld id="{C5EF2332-01BF-834F-8236-50238282D533}" type="slidenum">
-              <a:rPr lang="en-US" smtClean="0"/>
-              <a:t>‹#›</a:t>
+              <a:rPr lang="en-US"/>
+              <a:t/>
             </a:fld>
             <a:endParaRPr lang="en-US"/>
           </a:p>
         </p:txBody>
       </p:sp>
     </p:spTree>
-    <p:extLst>
-      <p:ext uri="{BB962C8B-B14F-4D97-AF65-F5344CB8AC3E}">
-        <p14:creationId xmlns:p14="http://schemas.microsoft.com/office/powerpoint/2010/main" val="313914798"/>
-      </p:ext>
-    </p:extLst>
   </p:cSld>
   <p:clrMapOvr>
     <a:masterClrMapping/>
@@ -549,7 +583,7 @@
 </file>
 
 <file path=ppt/slideLayouts/slideLayout11.xml><?xml version="1.0" encoding="utf-8"?>
-<p:sldLayout xmlns:a="http://schemas.openxmlformats.org/drawingml/2006/main" xmlns:r="http://schemas.openxmlformats.org/officeDocument/2006/relationships" xmlns:p="http://schemas.openxmlformats.org/presentationml/2006/main" type="vertTitleAndTx" preserve="1">
+<p:sldLayout xmlns:a="http://schemas.openxmlformats.org/drawingml/2006/main" xmlns:r="http://schemas.openxmlformats.org/officeDocument/2006/relationships" xmlns:p="http://schemas.openxmlformats.org/presentationml/2006/main" xmlns:m="http://schemas.openxmlformats.org/officeDocument/2006/math" xmlns:w="http://schemas.openxmlformats.org/wordprocessingml/2006/main" matchingName="" preserve="1" showMasterPhAnim="0" type="vertTitleAndTx" userDrawn="1">
   <p:cSld name="Vertical Title and Text">
     <p:spTree>
       <p:nvGrpSpPr>
@@ -557,7 +591,7 @@
         <p:cNvGrpSpPr/>
         <p:nvPr/>
       </p:nvGrpSpPr>
-      <p:grpSpPr>
+      <p:grpSpPr bwMode="auto">
         <a:xfrm>
           <a:off x="0" y="0"/>
           <a:ext cx="0" cy="0"/>
@@ -575,7 +609,7 @@
             <p:ph type="title" orient="vert"/>
           </p:nvPr>
         </p:nvSpPr>
-        <p:spPr>
+        <p:spPr bwMode="auto">
           <a:xfrm>
             <a:off x="6629400" y="205979"/>
             <a:ext cx="2057400" cy="4388644"/>
@@ -585,10 +619,14 @@
           <a:bodyPr vert="eaVert"/>
           <a:lstStyle/>
           <a:p>
+            <a:pPr>
+              <a:defRPr/>
+            </a:pPr>
             <a:r>
               <a:rPr lang="en-US"/>
               <a:t>Click to edit Master title style</a:t>
             </a:r>
+            <a:endParaRPr/>
           </a:p>
         </p:txBody>
       </p:sp>
@@ -602,7 +640,7 @@
             <p:ph type="body" orient="vert" idx="1"/>
           </p:nvPr>
         </p:nvSpPr>
-        <p:spPr>
+        <p:spPr bwMode="auto">
           <a:xfrm>
             <a:off x="457200" y="205979"/>
             <a:ext cx="6019800" cy="4388644"/>
@@ -612,39 +650,54 @@
           <a:bodyPr vert="eaVert"/>
           <a:lstStyle/>
           <a:p>
-            <a:pPr lvl="0"/>
+            <a:pPr lvl="0">
+              <a:defRPr/>
+            </a:pPr>
             <a:r>
               <a:rPr lang="en-US"/>
               <a:t>Click to edit Master text styles</a:t>
             </a:r>
-          </a:p>
-          <a:p>
-            <a:pPr lvl="1"/>
+            <a:endParaRPr/>
+          </a:p>
+          <a:p>
+            <a:pPr lvl="1">
+              <a:defRPr/>
+            </a:pPr>
             <a:r>
               <a:rPr lang="en-US"/>
               <a:t>Second level</a:t>
             </a:r>
-          </a:p>
-          <a:p>
-            <a:pPr lvl="2"/>
+            <a:endParaRPr/>
+          </a:p>
+          <a:p>
+            <a:pPr lvl="2">
+              <a:defRPr/>
+            </a:pPr>
             <a:r>
               <a:rPr lang="en-US"/>
               <a:t>Third level</a:t>
             </a:r>
-          </a:p>
-          <a:p>
-            <a:pPr lvl="3"/>
+            <a:endParaRPr/>
+          </a:p>
+          <a:p>
+            <a:pPr lvl="3">
+              <a:defRPr/>
+            </a:pPr>
             <a:r>
               <a:rPr lang="en-US"/>
               <a:t>Fourth level</a:t>
             </a:r>
-          </a:p>
-          <a:p>
-            <a:pPr lvl="4"/>
+            <a:endParaRPr/>
+          </a:p>
+          <a:p>
+            <a:pPr lvl="4">
+              <a:defRPr/>
+            </a:pPr>
             <a:r>
               <a:rPr lang="en-US"/>
               <a:t>Fifth level</a:t>
             </a:r>
+            <a:endParaRPr/>
           </a:p>
         </p:txBody>
       </p:sp>
@@ -658,14 +711,17 @@
             <p:ph type="dt" sz="half" idx="10"/>
           </p:nvPr>
         </p:nvSpPr>
-        <p:spPr/>
-        <p:txBody>
-          <a:bodyPr/>
-          <a:lstStyle/>
-          <a:p>
+        <p:spPr bwMode="auto"/>
+        <p:txBody>
+          <a:bodyPr/>
+          <a:lstStyle/>
+          <a:p>
+            <a:pPr>
+              <a:defRPr/>
+            </a:pPr>
             <a:fld id="{241EB5C9-1307-BA42-ABA2-0BC069CD8E7F}" type="datetimeFigureOut">
-              <a:rPr lang="en-US" smtClean="0"/>
-              <a:t>1/2/22</a:t>
+              <a:rPr lang="en-US"/>
+              <a:t/>
             </a:fld>
             <a:endParaRPr lang="en-US"/>
           </a:p>
@@ -681,11 +737,14 @@
             <p:ph type="ftr" sz="quarter" idx="11"/>
           </p:nvPr>
         </p:nvSpPr>
-        <p:spPr/>
-        <p:txBody>
-          <a:bodyPr/>
-          <a:lstStyle/>
-          <a:p>
+        <p:spPr bwMode="auto"/>
+        <p:txBody>
+          <a:bodyPr/>
+          <a:lstStyle/>
+          <a:p>
+            <a:pPr>
+              <a:defRPr/>
+            </a:pPr>
             <a:endParaRPr lang="en-US"/>
           </a:p>
         </p:txBody>
@@ -700,25 +759,23 @@
             <p:ph type="sldNum" sz="quarter" idx="12"/>
           </p:nvPr>
         </p:nvSpPr>
-        <p:spPr/>
-        <p:txBody>
-          <a:bodyPr/>
-          <a:lstStyle/>
-          <a:p>
+        <p:spPr bwMode="auto"/>
+        <p:txBody>
+          <a:bodyPr/>
+          <a:lstStyle/>
+          <a:p>
+            <a:pPr>
+              <a:defRPr/>
+            </a:pPr>
             <a:fld id="{C5EF2332-01BF-834F-8236-50238282D533}" type="slidenum">
-              <a:rPr lang="en-US" smtClean="0"/>
-              <a:t>‹#›</a:t>
+              <a:rPr lang="en-US"/>
+              <a:t/>
             </a:fld>
             <a:endParaRPr lang="en-US"/>
           </a:p>
         </p:txBody>
       </p:sp>
     </p:spTree>
-    <p:extLst>
-      <p:ext uri="{BB962C8B-B14F-4D97-AF65-F5344CB8AC3E}">
-        <p14:creationId xmlns:p14="http://schemas.microsoft.com/office/powerpoint/2010/main" val="2581529045"/>
-      </p:ext>
-    </p:extLst>
   </p:cSld>
   <p:clrMapOvr>
     <a:masterClrMapping/>
@@ -727,7 +784,7 @@
 </file>
 
 <file path=ppt/slideLayouts/slideLayout2.xml><?xml version="1.0" encoding="utf-8"?>
-<p:sldLayout xmlns:a="http://schemas.openxmlformats.org/drawingml/2006/main" xmlns:r="http://schemas.openxmlformats.org/officeDocument/2006/relationships" xmlns:p="http://schemas.openxmlformats.org/presentationml/2006/main" type="obj" preserve="1">
+<p:sldLayout xmlns:a="http://schemas.openxmlformats.org/drawingml/2006/main" xmlns:r="http://schemas.openxmlformats.org/officeDocument/2006/relationships" xmlns:p="http://schemas.openxmlformats.org/presentationml/2006/main" xmlns:m="http://schemas.openxmlformats.org/officeDocument/2006/math" xmlns:w="http://schemas.openxmlformats.org/wordprocessingml/2006/main" matchingName="" preserve="1" showMasterPhAnim="0" type="obj" userDrawn="1">
   <p:cSld name="Title and Content">
     <p:spTree>
       <p:nvGrpSpPr>
@@ -735,7 +792,7 @@
         <p:cNvGrpSpPr/>
         <p:nvPr/>
       </p:nvGrpSpPr>
-      <p:grpSpPr>
+      <p:grpSpPr bwMode="auto">
         <a:xfrm>
           <a:off x="0" y="0"/>
           <a:ext cx="0" cy="0"/>
@@ -753,15 +810,19 @@
             <p:ph type="title"/>
           </p:nvPr>
         </p:nvSpPr>
-        <p:spPr/>
-        <p:txBody>
-          <a:bodyPr/>
-          <a:lstStyle/>
-          <a:p>
+        <p:spPr bwMode="auto"/>
+        <p:txBody>
+          <a:bodyPr/>
+          <a:lstStyle/>
+          <a:p>
+            <a:pPr>
+              <a:defRPr/>
+            </a:pPr>
             <a:r>
               <a:rPr lang="en-US"/>
               <a:t>Click to edit Master title style</a:t>
             </a:r>
+            <a:endParaRPr/>
           </a:p>
         </p:txBody>
       </p:sp>
@@ -775,44 +836,59 @@
             <p:ph idx="1"/>
           </p:nvPr>
         </p:nvSpPr>
-        <p:spPr/>
-        <p:txBody>
-          <a:bodyPr/>
-          <a:lstStyle/>
-          <a:p>
-            <a:pPr lvl="0"/>
+        <p:spPr bwMode="auto"/>
+        <p:txBody>
+          <a:bodyPr/>
+          <a:lstStyle/>
+          <a:p>
+            <a:pPr lvl="0">
+              <a:defRPr/>
+            </a:pPr>
             <a:r>
               <a:rPr lang="en-US"/>
               <a:t>Click to edit Master text styles</a:t>
             </a:r>
-          </a:p>
-          <a:p>
-            <a:pPr lvl="1"/>
+            <a:endParaRPr/>
+          </a:p>
+          <a:p>
+            <a:pPr lvl="1">
+              <a:defRPr/>
+            </a:pPr>
             <a:r>
               <a:rPr lang="en-US"/>
               <a:t>Second level</a:t>
             </a:r>
-          </a:p>
-          <a:p>
-            <a:pPr lvl="2"/>
+            <a:endParaRPr/>
+          </a:p>
+          <a:p>
+            <a:pPr lvl="2">
+              <a:defRPr/>
+            </a:pPr>
             <a:r>
               <a:rPr lang="en-US"/>
               <a:t>Third level</a:t>
             </a:r>
-          </a:p>
-          <a:p>
-            <a:pPr lvl="3"/>
+            <a:endParaRPr/>
+          </a:p>
+          <a:p>
+            <a:pPr lvl="3">
+              <a:defRPr/>
+            </a:pPr>
             <a:r>
               <a:rPr lang="en-US"/>
               <a:t>Fourth level</a:t>
             </a:r>
-          </a:p>
-          <a:p>
-            <a:pPr lvl="4"/>
+            <a:endParaRPr/>
+          </a:p>
+          <a:p>
+            <a:pPr lvl="4">
+              <a:defRPr/>
+            </a:pPr>
             <a:r>
               <a:rPr lang="en-US"/>
               <a:t>Fifth level</a:t>
             </a:r>
+            <a:endParaRPr/>
           </a:p>
         </p:txBody>
       </p:sp>
@@ -826,14 +902,17 @@
             <p:ph type="dt" sz="half" idx="10"/>
           </p:nvPr>
         </p:nvSpPr>
-        <p:spPr/>
-        <p:txBody>
-          <a:bodyPr/>
-          <a:lstStyle/>
-          <a:p>
+        <p:spPr bwMode="auto"/>
+        <p:txBody>
+          <a:bodyPr/>
+          <a:lstStyle/>
+          <a:p>
+            <a:pPr>
+              <a:defRPr/>
+            </a:pPr>
             <a:fld id="{241EB5C9-1307-BA42-ABA2-0BC069CD8E7F}" type="datetimeFigureOut">
-              <a:rPr lang="en-US" smtClean="0"/>
-              <a:t>1/2/22</a:t>
+              <a:rPr lang="en-US"/>
+              <a:t/>
             </a:fld>
             <a:endParaRPr lang="en-US"/>
           </a:p>
@@ -849,11 +928,14 @@
             <p:ph type="ftr" sz="quarter" idx="11"/>
           </p:nvPr>
         </p:nvSpPr>
-        <p:spPr/>
-        <p:txBody>
-          <a:bodyPr/>
-          <a:lstStyle/>
-          <a:p>
+        <p:spPr bwMode="auto"/>
+        <p:txBody>
+          <a:bodyPr/>
+          <a:lstStyle/>
+          <a:p>
+            <a:pPr>
+              <a:defRPr/>
+            </a:pPr>
             <a:endParaRPr lang="en-US"/>
           </a:p>
         </p:txBody>
@@ -868,25 +950,23 @@
             <p:ph type="sldNum" sz="quarter" idx="12"/>
           </p:nvPr>
         </p:nvSpPr>
-        <p:spPr/>
-        <p:txBody>
-          <a:bodyPr/>
-          <a:lstStyle/>
-          <a:p>
+        <p:spPr bwMode="auto"/>
+        <p:txBody>
+          <a:bodyPr/>
+          <a:lstStyle/>
+          <a:p>
+            <a:pPr>
+              <a:defRPr/>
+            </a:pPr>
             <a:fld id="{C5EF2332-01BF-834F-8236-50238282D533}" type="slidenum">
-              <a:rPr lang="en-US" smtClean="0"/>
-              <a:t>‹#›</a:t>
+              <a:rPr lang="en-US"/>
+              <a:t/>
             </a:fld>
             <a:endParaRPr lang="en-US"/>
           </a:p>
         </p:txBody>
       </p:sp>
     </p:spTree>
-    <p:extLst>
-      <p:ext uri="{BB962C8B-B14F-4D97-AF65-F5344CB8AC3E}">
-        <p14:creationId xmlns:p14="http://schemas.microsoft.com/office/powerpoint/2010/main" val="338346009"/>
-      </p:ext>
-    </p:extLst>
   </p:cSld>
   <p:clrMapOvr>
     <a:masterClrMapping/>
@@ -895,7 +975,7 @@
 </file>
 
 <file path=ppt/slideLayouts/slideLayout3.xml><?xml version="1.0" encoding="utf-8"?>
-<p:sldLayout xmlns:a="http://schemas.openxmlformats.org/drawingml/2006/main" xmlns:r="http://schemas.openxmlformats.org/officeDocument/2006/relationships" xmlns:p="http://schemas.openxmlformats.org/presentationml/2006/main" type="secHead" preserve="1">
+<p:sldLayout xmlns:a="http://schemas.openxmlformats.org/drawingml/2006/main" xmlns:r="http://schemas.openxmlformats.org/officeDocument/2006/relationships" xmlns:p="http://schemas.openxmlformats.org/presentationml/2006/main" xmlns:m="http://schemas.openxmlformats.org/officeDocument/2006/math" xmlns:w="http://schemas.openxmlformats.org/wordprocessingml/2006/main" matchingName="" preserve="1" showMasterPhAnim="0" type="secHead" userDrawn="1">
   <p:cSld name="Section Header">
     <p:spTree>
       <p:nvGrpSpPr>
@@ -903,7 +983,7 @@
         <p:cNvGrpSpPr/>
         <p:nvPr/>
       </p:nvGrpSpPr>
-      <p:grpSpPr>
+      <p:grpSpPr bwMode="auto">
         <a:xfrm>
           <a:off x="0" y="0"/>
           <a:ext cx="0" cy="0"/>
@@ -921,7 +1001,7 @@
             <p:ph type="title"/>
           </p:nvPr>
         </p:nvSpPr>
-        <p:spPr>
+        <p:spPr bwMode="auto">
           <a:xfrm>
             <a:off x="722313" y="3305176"/>
             <a:ext cx="7772400" cy="1021556"/>
@@ -935,10 +1015,14 @@
             </a:lvl1pPr>
           </a:lstStyle>
           <a:p>
+            <a:pPr>
+              <a:defRPr/>
+            </a:pPr>
             <a:r>
               <a:rPr lang="en-US"/>
               <a:t>Click to edit Master title style</a:t>
             </a:r>
+            <a:endParaRPr/>
           </a:p>
         </p:txBody>
       </p:sp>
@@ -952,7 +1036,7 @@
             <p:ph type="body" idx="1"/>
           </p:nvPr>
         </p:nvSpPr>
-        <p:spPr>
+        <p:spPr bwMode="auto">
           <a:xfrm>
             <a:off x="722313" y="2180035"/>
             <a:ext cx="7772400" cy="1125140"/>
@@ -1053,11 +1137,14 @@
             </a:lvl9pPr>
           </a:lstStyle>
           <a:p>
-            <a:pPr lvl="0"/>
+            <a:pPr lvl="0">
+              <a:defRPr/>
+            </a:pPr>
             <a:r>
               <a:rPr lang="en-US"/>
               <a:t>Click to edit Master text styles</a:t>
             </a:r>
+            <a:endParaRPr/>
           </a:p>
         </p:txBody>
       </p:sp>
@@ -1071,14 +1158,17 @@
             <p:ph type="dt" sz="half" idx="10"/>
           </p:nvPr>
         </p:nvSpPr>
-        <p:spPr/>
-        <p:txBody>
-          <a:bodyPr/>
-          <a:lstStyle/>
-          <a:p>
+        <p:spPr bwMode="auto"/>
+        <p:txBody>
+          <a:bodyPr/>
+          <a:lstStyle/>
+          <a:p>
+            <a:pPr>
+              <a:defRPr/>
+            </a:pPr>
             <a:fld id="{241EB5C9-1307-BA42-ABA2-0BC069CD8E7F}" type="datetimeFigureOut">
-              <a:rPr lang="en-US" smtClean="0"/>
-              <a:t>1/2/22</a:t>
+              <a:rPr lang="en-US"/>
+              <a:t/>
             </a:fld>
             <a:endParaRPr lang="en-US"/>
           </a:p>
@@ -1094,11 +1184,14 @@
             <p:ph type="ftr" sz="quarter" idx="11"/>
           </p:nvPr>
         </p:nvSpPr>
-        <p:spPr/>
-        <p:txBody>
-          <a:bodyPr/>
-          <a:lstStyle/>
-          <a:p>
+        <p:spPr bwMode="auto"/>
+        <p:txBody>
+          <a:bodyPr/>
+          <a:lstStyle/>
+          <a:p>
+            <a:pPr>
+              <a:defRPr/>
+            </a:pPr>
             <a:endParaRPr lang="en-US"/>
           </a:p>
         </p:txBody>
@@ -1113,25 +1206,23 @@
             <p:ph type="sldNum" sz="quarter" idx="12"/>
           </p:nvPr>
         </p:nvSpPr>
-        <p:spPr/>
-        <p:txBody>
-          <a:bodyPr/>
-          <a:lstStyle/>
-          <a:p>
+        <p:spPr bwMode="auto"/>
+        <p:txBody>
+          <a:bodyPr/>
+          <a:lstStyle/>
+          <a:p>
+            <a:pPr>
+              <a:defRPr/>
+            </a:pPr>
             <a:fld id="{C5EF2332-01BF-834F-8236-50238282D533}" type="slidenum">
-              <a:rPr lang="en-US" smtClean="0"/>
-              <a:t>‹#›</a:t>
+              <a:rPr lang="en-US"/>
+              <a:t/>
             </a:fld>
             <a:endParaRPr lang="en-US"/>
           </a:p>
         </p:txBody>
       </p:sp>
     </p:spTree>
-    <p:extLst>
-      <p:ext uri="{BB962C8B-B14F-4D97-AF65-F5344CB8AC3E}">
-        <p14:creationId xmlns:p14="http://schemas.microsoft.com/office/powerpoint/2010/main" val="1073069076"/>
-      </p:ext>
-    </p:extLst>
   </p:cSld>
   <p:clrMapOvr>
     <a:masterClrMapping/>
@@ -1140,7 +1231,7 @@
 </file>
 
 <file path=ppt/slideLayouts/slideLayout4.xml><?xml version="1.0" encoding="utf-8"?>
-<p:sldLayout xmlns:a="http://schemas.openxmlformats.org/drawingml/2006/main" xmlns:r="http://schemas.openxmlformats.org/officeDocument/2006/relationships" xmlns:p="http://schemas.openxmlformats.org/presentationml/2006/main" type="twoObj" preserve="1">
+<p:sldLayout xmlns:a="http://schemas.openxmlformats.org/drawingml/2006/main" xmlns:r="http://schemas.openxmlformats.org/officeDocument/2006/relationships" xmlns:p="http://schemas.openxmlformats.org/presentationml/2006/main" xmlns:m="http://schemas.openxmlformats.org/officeDocument/2006/math" xmlns:w="http://schemas.openxmlformats.org/wordprocessingml/2006/main" matchingName="" preserve="1" showMasterPhAnim="0" type="twoObj" userDrawn="1">
   <p:cSld name="Two Content">
     <p:spTree>
       <p:nvGrpSpPr>
@@ -1148,7 +1239,7 @@
         <p:cNvGrpSpPr/>
         <p:nvPr/>
       </p:nvGrpSpPr>
-      <p:grpSpPr>
+      <p:grpSpPr bwMode="auto">
         <a:xfrm>
           <a:off x="0" y="0"/>
           <a:ext cx="0" cy="0"/>
@@ -1166,15 +1257,19 @@
             <p:ph type="title"/>
           </p:nvPr>
         </p:nvSpPr>
-        <p:spPr/>
-        <p:txBody>
-          <a:bodyPr/>
-          <a:lstStyle/>
-          <a:p>
+        <p:spPr bwMode="auto"/>
+        <p:txBody>
+          <a:bodyPr/>
+          <a:lstStyle/>
+          <a:p>
+            <a:pPr>
+              <a:defRPr/>
+            </a:pPr>
             <a:r>
               <a:rPr lang="en-US"/>
               <a:t>Click to edit Master title style</a:t>
             </a:r>
+            <a:endParaRPr/>
           </a:p>
         </p:txBody>
       </p:sp>
@@ -1188,7 +1283,7 @@
             <p:ph sz="half" idx="1"/>
           </p:nvPr>
         </p:nvSpPr>
-        <p:spPr>
+        <p:spPr bwMode="auto">
           <a:xfrm>
             <a:off x="457200" y="1200151"/>
             <a:ext cx="4038600" cy="3394472"/>
@@ -1226,39 +1321,54 @@
             </a:lvl9pPr>
           </a:lstStyle>
           <a:p>
-            <a:pPr lvl="0"/>
+            <a:pPr lvl="0">
+              <a:defRPr/>
+            </a:pPr>
             <a:r>
               <a:rPr lang="en-US"/>
               <a:t>Click to edit Master text styles</a:t>
             </a:r>
-          </a:p>
-          <a:p>
-            <a:pPr lvl="1"/>
+            <a:endParaRPr/>
+          </a:p>
+          <a:p>
+            <a:pPr lvl="1">
+              <a:defRPr/>
+            </a:pPr>
             <a:r>
               <a:rPr lang="en-US"/>
               <a:t>Second level</a:t>
             </a:r>
-          </a:p>
-          <a:p>
-            <a:pPr lvl="2"/>
+            <a:endParaRPr/>
+          </a:p>
+          <a:p>
+            <a:pPr lvl="2">
+              <a:defRPr/>
+            </a:pPr>
             <a:r>
               <a:rPr lang="en-US"/>
               <a:t>Third level</a:t>
             </a:r>
-          </a:p>
-          <a:p>
-            <a:pPr lvl="3"/>
+            <a:endParaRPr/>
+          </a:p>
+          <a:p>
+            <a:pPr lvl="3">
+              <a:defRPr/>
+            </a:pPr>
             <a:r>
               <a:rPr lang="en-US"/>
               <a:t>Fourth level</a:t>
             </a:r>
-          </a:p>
-          <a:p>
-            <a:pPr lvl="4"/>
+            <a:endParaRPr/>
+          </a:p>
+          <a:p>
+            <a:pPr lvl="4">
+              <a:defRPr/>
+            </a:pPr>
             <a:r>
               <a:rPr lang="en-US"/>
               <a:t>Fifth level</a:t>
             </a:r>
+            <a:endParaRPr/>
           </a:p>
         </p:txBody>
       </p:sp>
@@ -1272,7 +1382,7 @@
             <p:ph sz="half" idx="2"/>
           </p:nvPr>
         </p:nvSpPr>
-        <p:spPr>
+        <p:spPr bwMode="auto">
           <a:xfrm>
             <a:off x="4648200" y="1200151"/>
             <a:ext cx="4038600" cy="3394472"/>
@@ -1310,39 +1420,54 @@
             </a:lvl9pPr>
           </a:lstStyle>
           <a:p>
-            <a:pPr lvl="0"/>
+            <a:pPr lvl="0">
+              <a:defRPr/>
+            </a:pPr>
             <a:r>
               <a:rPr lang="en-US"/>
               <a:t>Click to edit Master text styles</a:t>
             </a:r>
-          </a:p>
-          <a:p>
-            <a:pPr lvl="1"/>
+            <a:endParaRPr/>
+          </a:p>
+          <a:p>
+            <a:pPr lvl="1">
+              <a:defRPr/>
+            </a:pPr>
             <a:r>
               <a:rPr lang="en-US"/>
               <a:t>Second level</a:t>
             </a:r>
-          </a:p>
-          <a:p>
-            <a:pPr lvl="2"/>
+            <a:endParaRPr/>
+          </a:p>
+          <a:p>
+            <a:pPr lvl="2">
+              <a:defRPr/>
+            </a:pPr>
             <a:r>
               <a:rPr lang="en-US"/>
               <a:t>Third level</a:t>
             </a:r>
-          </a:p>
-          <a:p>
-            <a:pPr lvl="3"/>
+            <a:endParaRPr/>
+          </a:p>
+          <a:p>
+            <a:pPr lvl="3">
+              <a:defRPr/>
+            </a:pPr>
             <a:r>
               <a:rPr lang="en-US"/>
               <a:t>Fourth level</a:t>
             </a:r>
-          </a:p>
-          <a:p>
-            <a:pPr lvl="4"/>
+            <a:endParaRPr/>
+          </a:p>
+          <a:p>
+            <a:pPr lvl="4">
+              <a:defRPr/>
+            </a:pPr>
             <a:r>
               <a:rPr lang="en-US"/>
               <a:t>Fifth level</a:t>
             </a:r>
+            <a:endParaRPr/>
           </a:p>
         </p:txBody>
       </p:sp>
@@ -1356,14 +1481,17 @@
             <p:ph type="dt" sz="half" idx="10"/>
           </p:nvPr>
         </p:nvSpPr>
-        <p:spPr/>
-        <p:txBody>
-          <a:bodyPr/>
-          <a:lstStyle/>
-          <a:p>
+        <p:spPr bwMode="auto"/>
+        <p:txBody>
+          <a:bodyPr/>
+          <a:lstStyle/>
+          <a:p>
+            <a:pPr>
+              <a:defRPr/>
+            </a:pPr>
             <a:fld id="{241EB5C9-1307-BA42-ABA2-0BC069CD8E7F}" type="datetimeFigureOut">
-              <a:rPr lang="en-US" smtClean="0"/>
-              <a:t>1/2/22</a:t>
+              <a:rPr lang="en-US"/>
+              <a:t/>
             </a:fld>
             <a:endParaRPr lang="en-US"/>
           </a:p>
@@ -1379,11 +1507,14 @@
             <p:ph type="ftr" sz="quarter" idx="11"/>
           </p:nvPr>
         </p:nvSpPr>
-        <p:spPr/>
-        <p:txBody>
-          <a:bodyPr/>
-          <a:lstStyle/>
-          <a:p>
+        <p:spPr bwMode="auto"/>
+        <p:txBody>
+          <a:bodyPr/>
+          <a:lstStyle/>
+          <a:p>
+            <a:pPr>
+              <a:defRPr/>
+            </a:pPr>
             <a:endParaRPr lang="en-US"/>
           </a:p>
         </p:txBody>
@@ -1398,25 +1529,23 @@
             <p:ph type="sldNum" sz="quarter" idx="12"/>
           </p:nvPr>
         </p:nvSpPr>
-        <p:spPr/>
-        <p:txBody>
-          <a:bodyPr/>
-          <a:lstStyle/>
-          <a:p>
+        <p:spPr bwMode="auto"/>
+        <p:txBody>
+          <a:bodyPr/>
+          <a:lstStyle/>
+          <a:p>
+            <a:pPr>
+              <a:defRPr/>
+            </a:pPr>
             <a:fld id="{C5EF2332-01BF-834F-8236-50238282D533}" type="slidenum">
-              <a:rPr lang="en-US" smtClean="0"/>
-              <a:t>‹#›</a:t>
+              <a:rPr lang="en-US"/>
+              <a:t/>
             </a:fld>
             <a:endParaRPr lang="en-US"/>
           </a:p>
         </p:txBody>
       </p:sp>
     </p:spTree>
-    <p:extLst>
-      <p:ext uri="{BB962C8B-B14F-4D97-AF65-F5344CB8AC3E}">
-        <p14:creationId xmlns:p14="http://schemas.microsoft.com/office/powerpoint/2010/main" val="2619886245"/>
-      </p:ext>
-    </p:extLst>
   </p:cSld>
   <p:clrMapOvr>
     <a:masterClrMapping/>
@@ -1425,7 +1554,7 @@
 </file>
 
 <file path=ppt/slideLayouts/slideLayout5.xml><?xml version="1.0" encoding="utf-8"?>
-<p:sldLayout xmlns:a="http://schemas.openxmlformats.org/drawingml/2006/main" xmlns:r="http://schemas.openxmlformats.org/officeDocument/2006/relationships" xmlns:p="http://schemas.openxmlformats.org/presentationml/2006/main" type="twoTxTwoObj" preserve="1">
+<p:sldLayout xmlns:a="http://schemas.openxmlformats.org/drawingml/2006/main" xmlns:r="http://schemas.openxmlformats.org/officeDocument/2006/relationships" xmlns:p="http://schemas.openxmlformats.org/presentationml/2006/main" xmlns:m="http://schemas.openxmlformats.org/officeDocument/2006/math" xmlns:w="http://schemas.openxmlformats.org/wordprocessingml/2006/main" matchingName="" preserve="1" showMasterPhAnim="0" type="twoTxTwoObj" userDrawn="1">
   <p:cSld name="Comparison">
     <p:spTree>
       <p:nvGrpSpPr>
@@ -1433,7 +1562,7 @@
         <p:cNvGrpSpPr/>
         <p:nvPr/>
       </p:nvGrpSpPr>
-      <p:grpSpPr>
+      <p:grpSpPr bwMode="auto">
         <a:xfrm>
           <a:off x="0" y="0"/>
           <a:ext cx="0" cy="0"/>
@@ -1451,7 +1580,7 @@
             <p:ph type="title"/>
           </p:nvPr>
         </p:nvSpPr>
-        <p:spPr/>
+        <p:spPr bwMode="auto"/>
         <p:txBody>
           <a:bodyPr/>
           <a:lstStyle>
@@ -1460,10 +1589,14 @@
             </a:lvl1pPr>
           </a:lstStyle>
           <a:p>
+            <a:pPr>
+              <a:defRPr/>
+            </a:pPr>
             <a:r>
               <a:rPr lang="en-US"/>
               <a:t>Click to edit Master title style</a:t>
             </a:r>
+            <a:endParaRPr/>
           </a:p>
         </p:txBody>
       </p:sp>
@@ -1477,7 +1610,7 @@
             <p:ph type="body" idx="1"/>
           </p:nvPr>
         </p:nvSpPr>
-        <p:spPr>
+        <p:spPr bwMode="auto">
           <a:xfrm>
             <a:off x="457200" y="1151335"/>
             <a:ext cx="4040188" cy="479822"/>
@@ -1524,11 +1657,14 @@
             </a:lvl9pPr>
           </a:lstStyle>
           <a:p>
-            <a:pPr lvl="0"/>
+            <a:pPr lvl="0">
+              <a:defRPr/>
+            </a:pPr>
             <a:r>
               <a:rPr lang="en-US"/>
               <a:t>Click to edit Master text styles</a:t>
             </a:r>
+            <a:endParaRPr/>
           </a:p>
         </p:txBody>
       </p:sp>
@@ -1542,7 +1678,7 @@
             <p:ph sz="half" idx="2"/>
           </p:nvPr>
         </p:nvSpPr>
-        <p:spPr>
+        <p:spPr bwMode="auto">
           <a:xfrm>
             <a:off x="457200" y="1631156"/>
             <a:ext cx="4040188" cy="2963466"/>
@@ -1580,39 +1716,54 @@
             </a:lvl9pPr>
           </a:lstStyle>
           <a:p>
-            <a:pPr lvl="0"/>
+            <a:pPr lvl="0">
+              <a:defRPr/>
+            </a:pPr>
             <a:r>
               <a:rPr lang="en-US"/>
               <a:t>Click to edit Master text styles</a:t>
             </a:r>
-          </a:p>
-          <a:p>
-            <a:pPr lvl="1"/>
+            <a:endParaRPr/>
+          </a:p>
+          <a:p>
+            <a:pPr lvl="1">
+              <a:defRPr/>
+            </a:pPr>
             <a:r>
               <a:rPr lang="en-US"/>
               <a:t>Second level</a:t>
             </a:r>
-          </a:p>
-          <a:p>
-            <a:pPr lvl="2"/>
+            <a:endParaRPr/>
+          </a:p>
+          <a:p>
+            <a:pPr lvl="2">
+              <a:defRPr/>
+            </a:pPr>
             <a:r>
               <a:rPr lang="en-US"/>
               <a:t>Third level</a:t>
             </a:r>
-          </a:p>
-          <a:p>
-            <a:pPr lvl="3"/>
+            <a:endParaRPr/>
+          </a:p>
+          <a:p>
+            <a:pPr lvl="3">
+              <a:defRPr/>
+            </a:pPr>
             <a:r>
               <a:rPr lang="en-US"/>
               <a:t>Fourth level</a:t>
             </a:r>
-          </a:p>
-          <a:p>
-            <a:pPr lvl="4"/>
+            <a:endParaRPr/>
+          </a:p>
+          <a:p>
+            <a:pPr lvl="4">
+              <a:defRPr/>
+            </a:pPr>
             <a:r>
               <a:rPr lang="en-US"/>
               <a:t>Fifth level</a:t>
             </a:r>
+            <a:endParaRPr/>
           </a:p>
         </p:txBody>
       </p:sp>
@@ -1626,7 +1777,7 @@
             <p:ph type="body" sz="quarter" idx="3"/>
           </p:nvPr>
         </p:nvSpPr>
-        <p:spPr>
+        <p:spPr bwMode="auto">
           <a:xfrm>
             <a:off x="4645026" y="1151335"/>
             <a:ext cx="4041775" cy="479822"/>
@@ -1673,11 +1824,14 @@
             </a:lvl9pPr>
           </a:lstStyle>
           <a:p>
-            <a:pPr lvl="0"/>
+            <a:pPr lvl="0">
+              <a:defRPr/>
+            </a:pPr>
             <a:r>
               <a:rPr lang="en-US"/>
               <a:t>Click to edit Master text styles</a:t>
             </a:r>
+            <a:endParaRPr/>
           </a:p>
         </p:txBody>
       </p:sp>
@@ -1691,7 +1845,7 @@
             <p:ph sz="quarter" idx="4"/>
           </p:nvPr>
         </p:nvSpPr>
-        <p:spPr>
+        <p:spPr bwMode="auto">
           <a:xfrm>
             <a:off x="4645026" y="1631156"/>
             <a:ext cx="4041775" cy="2963466"/>
@@ -1729,39 +1883,54 @@
             </a:lvl9pPr>
           </a:lstStyle>
           <a:p>
-            <a:pPr lvl="0"/>
+            <a:pPr lvl="0">
+              <a:defRPr/>
+            </a:pPr>
             <a:r>
               <a:rPr lang="en-US"/>
               <a:t>Click to edit Master text styles</a:t>
             </a:r>
-          </a:p>
-          <a:p>
-            <a:pPr lvl="1"/>
+            <a:endParaRPr/>
+          </a:p>
+          <a:p>
+            <a:pPr lvl="1">
+              <a:defRPr/>
+            </a:pPr>
             <a:r>
               <a:rPr lang="en-US"/>
               <a:t>Second level</a:t>
             </a:r>
-          </a:p>
-          <a:p>
-            <a:pPr lvl="2"/>
+            <a:endParaRPr/>
+          </a:p>
+          <a:p>
+            <a:pPr lvl="2">
+              <a:defRPr/>
+            </a:pPr>
             <a:r>
               <a:rPr lang="en-US"/>
               <a:t>Third level</a:t>
             </a:r>
-          </a:p>
-          <a:p>
-            <a:pPr lvl="3"/>
+            <a:endParaRPr/>
+          </a:p>
+          <a:p>
+            <a:pPr lvl="3">
+              <a:defRPr/>
+            </a:pPr>
             <a:r>
               <a:rPr lang="en-US"/>
               <a:t>Fourth level</a:t>
             </a:r>
-          </a:p>
-          <a:p>
-            <a:pPr lvl="4"/>
+            <a:endParaRPr/>
+          </a:p>
+          <a:p>
+            <a:pPr lvl="4">
+              <a:defRPr/>
+            </a:pPr>
             <a:r>
               <a:rPr lang="en-US"/>
               <a:t>Fifth level</a:t>
             </a:r>
+            <a:endParaRPr/>
           </a:p>
         </p:txBody>
       </p:sp>
@@ -1775,14 +1944,17 @@
             <p:ph type="dt" sz="half" idx="10"/>
           </p:nvPr>
         </p:nvSpPr>
-        <p:spPr/>
-        <p:txBody>
-          <a:bodyPr/>
-          <a:lstStyle/>
-          <a:p>
+        <p:spPr bwMode="auto"/>
+        <p:txBody>
+          <a:bodyPr/>
+          <a:lstStyle/>
+          <a:p>
+            <a:pPr>
+              <a:defRPr/>
+            </a:pPr>
             <a:fld id="{241EB5C9-1307-BA42-ABA2-0BC069CD8E7F}" type="datetimeFigureOut">
-              <a:rPr lang="en-US" smtClean="0"/>
-              <a:t>1/2/22</a:t>
+              <a:rPr lang="en-US"/>
+              <a:t/>
             </a:fld>
             <a:endParaRPr lang="en-US"/>
           </a:p>
@@ -1798,11 +1970,14 @@
             <p:ph type="ftr" sz="quarter" idx="11"/>
           </p:nvPr>
         </p:nvSpPr>
-        <p:spPr/>
-        <p:txBody>
-          <a:bodyPr/>
-          <a:lstStyle/>
-          <a:p>
+        <p:spPr bwMode="auto"/>
+        <p:txBody>
+          <a:bodyPr/>
+          <a:lstStyle/>
+          <a:p>
+            <a:pPr>
+              <a:defRPr/>
+            </a:pPr>
             <a:endParaRPr lang="en-US"/>
           </a:p>
         </p:txBody>
@@ -1817,25 +1992,23 @@
             <p:ph type="sldNum" sz="quarter" idx="12"/>
           </p:nvPr>
         </p:nvSpPr>
-        <p:spPr/>
-        <p:txBody>
-          <a:bodyPr/>
-          <a:lstStyle/>
-          <a:p>
+        <p:spPr bwMode="auto"/>
+        <p:txBody>
+          <a:bodyPr/>
+          <a:lstStyle/>
+          <a:p>
+            <a:pPr>
+              <a:defRPr/>
+            </a:pPr>
             <a:fld id="{C5EF2332-01BF-834F-8236-50238282D533}" type="slidenum">
-              <a:rPr lang="en-US" smtClean="0"/>
-              <a:t>‹#›</a:t>
+              <a:rPr lang="en-US"/>
+              <a:t/>
             </a:fld>
             <a:endParaRPr lang="en-US"/>
           </a:p>
         </p:txBody>
       </p:sp>
     </p:spTree>
-    <p:extLst>
-      <p:ext uri="{BB962C8B-B14F-4D97-AF65-F5344CB8AC3E}">
-        <p14:creationId xmlns:p14="http://schemas.microsoft.com/office/powerpoint/2010/main" val="2535793967"/>
-      </p:ext>
-    </p:extLst>
   </p:cSld>
   <p:clrMapOvr>
     <a:masterClrMapping/>
@@ -1844,7 +2017,7 @@
 </file>
 
 <file path=ppt/slideLayouts/slideLayout6.xml><?xml version="1.0" encoding="utf-8"?>
-<p:sldLayout xmlns:a="http://schemas.openxmlformats.org/drawingml/2006/main" xmlns:r="http://schemas.openxmlformats.org/officeDocument/2006/relationships" xmlns:p="http://schemas.openxmlformats.org/presentationml/2006/main" type="titleOnly" preserve="1">
+<p:sldLayout xmlns:a="http://schemas.openxmlformats.org/drawingml/2006/main" xmlns:r="http://schemas.openxmlformats.org/officeDocument/2006/relationships" xmlns:p="http://schemas.openxmlformats.org/presentationml/2006/main" xmlns:m="http://schemas.openxmlformats.org/officeDocument/2006/math" xmlns:w="http://schemas.openxmlformats.org/wordprocessingml/2006/main" matchingName="" preserve="1" showMasterPhAnim="0" type="titleOnly" userDrawn="1">
   <p:cSld name="Title Only">
     <p:spTree>
       <p:nvGrpSpPr>
@@ -1852,7 +2025,7 @@
         <p:cNvGrpSpPr/>
         <p:nvPr/>
       </p:nvGrpSpPr>
-      <p:grpSpPr>
+      <p:grpSpPr bwMode="auto">
         <a:xfrm>
           <a:off x="0" y="0"/>
           <a:ext cx="0" cy="0"/>
@@ -1870,15 +2043,19 @@
             <p:ph type="title"/>
           </p:nvPr>
         </p:nvSpPr>
-        <p:spPr/>
-        <p:txBody>
-          <a:bodyPr/>
-          <a:lstStyle/>
-          <a:p>
+        <p:spPr bwMode="auto"/>
+        <p:txBody>
+          <a:bodyPr/>
+          <a:lstStyle/>
+          <a:p>
+            <a:pPr>
+              <a:defRPr/>
+            </a:pPr>
             <a:r>
               <a:rPr lang="en-US"/>
               <a:t>Click to edit Master title style</a:t>
             </a:r>
+            <a:endParaRPr/>
           </a:p>
         </p:txBody>
       </p:sp>
@@ -1892,14 +2069,17 @@
             <p:ph type="dt" sz="half" idx="10"/>
           </p:nvPr>
         </p:nvSpPr>
-        <p:spPr/>
-        <p:txBody>
-          <a:bodyPr/>
-          <a:lstStyle/>
-          <a:p>
+        <p:spPr bwMode="auto"/>
+        <p:txBody>
+          <a:bodyPr/>
+          <a:lstStyle/>
+          <a:p>
+            <a:pPr>
+              <a:defRPr/>
+            </a:pPr>
             <a:fld id="{241EB5C9-1307-BA42-ABA2-0BC069CD8E7F}" type="datetimeFigureOut">
-              <a:rPr lang="en-US" smtClean="0"/>
-              <a:t>1/2/22</a:t>
+              <a:rPr lang="en-US"/>
+              <a:t/>
             </a:fld>
             <a:endParaRPr lang="en-US"/>
           </a:p>
@@ -1915,11 +2095,14 @@
             <p:ph type="ftr" sz="quarter" idx="11"/>
           </p:nvPr>
         </p:nvSpPr>
-        <p:spPr/>
-        <p:txBody>
-          <a:bodyPr/>
-          <a:lstStyle/>
-          <a:p>
+        <p:spPr bwMode="auto"/>
+        <p:txBody>
+          <a:bodyPr/>
+          <a:lstStyle/>
+          <a:p>
+            <a:pPr>
+              <a:defRPr/>
+            </a:pPr>
             <a:endParaRPr lang="en-US"/>
           </a:p>
         </p:txBody>
@@ -1934,25 +2117,23 @@
             <p:ph type="sldNum" sz="quarter" idx="12"/>
           </p:nvPr>
         </p:nvSpPr>
-        <p:spPr/>
-        <p:txBody>
-          <a:bodyPr/>
-          <a:lstStyle/>
-          <a:p>
+        <p:spPr bwMode="auto"/>
+        <p:txBody>
+          <a:bodyPr/>
+          <a:lstStyle/>
+          <a:p>
+            <a:pPr>
+              <a:defRPr/>
+            </a:pPr>
             <a:fld id="{C5EF2332-01BF-834F-8236-50238282D533}" type="slidenum">
-              <a:rPr lang="en-US" smtClean="0"/>
-              <a:t>‹#›</a:t>
+              <a:rPr lang="en-US"/>
+              <a:t/>
             </a:fld>
             <a:endParaRPr lang="en-US"/>
           </a:p>
         </p:txBody>
       </p:sp>
     </p:spTree>
-    <p:extLst>
-      <p:ext uri="{BB962C8B-B14F-4D97-AF65-F5344CB8AC3E}">
-        <p14:creationId xmlns:p14="http://schemas.microsoft.com/office/powerpoint/2010/main" val="3472721253"/>
-      </p:ext>
-    </p:extLst>
   </p:cSld>
   <p:clrMapOvr>
     <a:masterClrMapping/>
@@ -1961,7 +2142,7 @@
 </file>
 
 <file path=ppt/slideLayouts/slideLayout7.xml><?xml version="1.0" encoding="utf-8"?>
-<p:sldLayout xmlns:a="http://schemas.openxmlformats.org/drawingml/2006/main" xmlns:r="http://schemas.openxmlformats.org/officeDocument/2006/relationships" xmlns:p="http://schemas.openxmlformats.org/presentationml/2006/main" type="blank" preserve="1">
+<p:sldLayout xmlns:a="http://schemas.openxmlformats.org/drawingml/2006/main" xmlns:r="http://schemas.openxmlformats.org/officeDocument/2006/relationships" xmlns:p="http://schemas.openxmlformats.org/presentationml/2006/main" xmlns:m="http://schemas.openxmlformats.org/officeDocument/2006/math" xmlns:w="http://schemas.openxmlformats.org/wordprocessingml/2006/main" matchingName="" preserve="1" showMasterPhAnim="0" type="blank" userDrawn="1">
   <p:cSld name="Blank">
     <p:spTree>
       <p:nvGrpSpPr>
@@ -1969,7 +2150,7 @@
         <p:cNvGrpSpPr/>
         <p:nvPr/>
       </p:nvGrpSpPr>
-      <p:grpSpPr>
+      <p:grpSpPr bwMode="auto">
         <a:xfrm>
           <a:off x="0" y="0"/>
           <a:ext cx="0" cy="0"/>
@@ -1987,14 +2168,17 @@
             <p:ph type="dt" sz="half" idx="10"/>
           </p:nvPr>
         </p:nvSpPr>
-        <p:spPr/>
-        <p:txBody>
-          <a:bodyPr/>
-          <a:lstStyle/>
-          <a:p>
+        <p:spPr bwMode="auto"/>
+        <p:txBody>
+          <a:bodyPr/>
+          <a:lstStyle/>
+          <a:p>
+            <a:pPr>
+              <a:defRPr/>
+            </a:pPr>
             <a:fld id="{241EB5C9-1307-BA42-ABA2-0BC069CD8E7F}" type="datetimeFigureOut">
-              <a:rPr lang="en-US" smtClean="0"/>
-              <a:t>1/2/22</a:t>
+              <a:rPr lang="en-US"/>
+              <a:t/>
             </a:fld>
             <a:endParaRPr lang="en-US"/>
           </a:p>
@@ -2010,11 +2194,14 @@
             <p:ph type="ftr" sz="quarter" idx="11"/>
           </p:nvPr>
         </p:nvSpPr>
-        <p:spPr/>
-        <p:txBody>
-          <a:bodyPr/>
-          <a:lstStyle/>
-          <a:p>
+        <p:spPr bwMode="auto"/>
+        <p:txBody>
+          <a:bodyPr/>
+          <a:lstStyle/>
+          <a:p>
+            <a:pPr>
+              <a:defRPr/>
+            </a:pPr>
             <a:endParaRPr lang="en-US"/>
           </a:p>
         </p:txBody>
@@ -2029,25 +2216,23 @@
             <p:ph type="sldNum" sz="quarter" idx="12"/>
           </p:nvPr>
         </p:nvSpPr>
-        <p:spPr/>
-        <p:txBody>
-          <a:bodyPr/>
-          <a:lstStyle/>
-          <a:p>
+        <p:spPr bwMode="auto"/>
+        <p:txBody>
+          <a:bodyPr/>
+          <a:lstStyle/>
+          <a:p>
+            <a:pPr>
+              <a:defRPr/>
+            </a:pPr>
             <a:fld id="{C5EF2332-01BF-834F-8236-50238282D533}" type="slidenum">
-              <a:rPr lang="en-US" smtClean="0"/>
-              <a:t>‹#›</a:t>
+              <a:rPr lang="en-US"/>
+              <a:t/>
             </a:fld>
             <a:endParaRPr lang="en-US"/>
           </a:p>
         </p:txBody>
       </p:sp>
     </p:spTree>
-    <p:extLst>
-      <p:ext uri="{BB962C8B-B14F-4D97-AF65-F5344CB8AC3E}">
-        <p14:creationId xmlns:p14="http://schemas.microsoft.com/office/powerpoint/2010/main" val="2130901097"/>
-      </p:ext>
-    </p:extLst>
   </p:cSld>
   <p:clrMapOvr>
     <a:masterClrMapping/>
@@ -2056,7 +2241,7 @@
 </file>
 
 <file path=ppt/slideLayouts/slideLayout8.xml><?xml version="1.0" encoding="utf-8"?>
-<p:sldLayout xmlns:a="http://schemas.openxmlformats.org/drawingml/2006/main" xmlns:r="http://schemas.openxmlformats.org/officeDocument/2006/relationships" xmlns:p="http://schemas.openxmlformats.org/presentationml/2006/main" type="objTx" preserve="1">
+<p:sldLayout xmlns:a="http://schemas.openxmlformats.org/drawingml/2006/main" xmlns:r="http://schemas.openxmlformats.org/officeDocument/2006/relationships" xmlns:p="http://schemas.openxmlformats.org/presentationml/2006/main" xmlns:m="http://schemas.openxmlformats.org/officeDocument/2006/math" xmlns:w="http://schemas.openxmlformats.org/wordprocessingml/2006/main" matchingName="" preserve="1" showMasterPhAnim="0" type="objTx" userDrawn="1">
   <p:cSld name="Content with Caption">
     <p:spTree>
       <p:nvGrpSpPr>
@@ -2064,7 +2249,7 @@
         <p:cNvGrpSpPr/>
         <p:nvPr/>
       </p:nvGrpSpPr>
-      <p:grpSpPr>
+      <p:grpSpPr bwMode="auto">
         <a:xfrm>
           <a:off x="0" y="0"/>
           <a:ext cx="0" cy="0"/>
@@ -2082,7 +2267,7 @@
             <p:ph type="title"/>
           </p:nvPr>
         </p:nvSpPr>
-        <p:spPr>
+        <p:spPr bwMode="auto">
           <a:xfrm>
             <a:off x="457201" y="204787"/>
             <a:ext cx="3008313" cy="871538"/>
@@ -2096,10 +2281,14 @@
             </a:lvl1pPr>
           </a:lstStyle>
           <a:p>
+            <a:pPr>
+              <a:defRPr/>
+            </a:pPr>
             <a:r>
               <a:rPr lang="en-US"/>
               <a:t>Click to edit Master title style</a:t>
             </a:r>
+            <a:endParaRPr/>
           </a:p>
         </p:txBody>
       </p:sp>
@@ -2113,7 +2302,7 @@
             <p:ph idx="1"/>
           </p:nvPr>
         </p:nvSpPr>
-        <p:spPr>
+        <p:spPr bwMode="auto">
           <a:xfrm>
             <a:off x="3575050" y="204788"/>
             <a:ext cx="5111750" cy="4389835"/>
@@ -2151,39 +2340,54 @@
             </a:lvl9pPr>
           </a:lstStyle>
           <a:p>
-            <a:pPr lvl="0"/>
+            <a:pPr lvl="0">
+              <a:defRPr/>
+            </a:pPr>
             <a:r>
               <a:rPr lang="en-US"/>
               <a:t>Click to edit Master text styles</a:t>
             </a:r>
-          </a:p>
-          <a:p>
-            <a:pPr lvl="1"/>
+            <a:endParaRPr/>
+          </a:p>
+          <a:p>
+            <a:pPr lvl="1">
+              <a:defRPr/>
+            </a:pPr>
             <a:r>
               <a:rPr lang="en-US"/>
               <a:t>Second level</a:t>
             </a:r>
-          </a:p>
-          <a:p>
-            <a:pPr lvl="2"/>
+            <a:endParaRPr/>
+          </a:p>
+          <a:p>
+            <a:pPr lvl="2">
+              <a:defRPr/>
+            </a:pPr>
             <a:r>
               <a:rPr lang="en-US"/>
               <a:t>Third level</a:t>
             </a:r>
-          </a:p>
-          <a:p>
-            <a:pPr lvl="3"/>
+            <a:endParaRPr/>
+          </a:p>
+          <a:p>
+            <a:pPr lvl="3">
+              <a:defRPr/>
+            </a:pPr>
             <a:r>
               <a:rPr lang="en-US"/>
               <a:t>Fourth level</a:t>
             </a:r>
-          </a:p>
-          <a:p>
-            <a:pPr lvl="4"/>
+            <a:endParaRPr/>
+          </a:p>
+          <a:p>
+            <a:pPr lvl="4">
+              <a:defRPr/>
+            </a:pPr>
             <a:r>
               <a:rPr lang="en-US"/>
               <a:t>Fifth level</a:t>
             </a:r>
+            <a:endParaRPr/>
           </a:p>
         </p:txBody>
       </p:sp>
@@ -2197,7 +2401,7 @@
             <p:ph type="body" sz="half" idx="2"/>
           </p:nvPr>
         </p:nvSpPr>
-        <p:spPr>
+        <p:spPr bwMode="auto">
           <a:xfrm>
             <a:off x="457201" y="1076326"/>
             <a:ext cx="3008313" cy="3518297"/>
@@ -2220,35 +2424,38 @@
             </a:lvl3pPr>
             <a:lvl4pPr marL="1028700" indent="0">
               <a:buNone/>
-              <a:defRPr sz="675"/>
+              <a:defRPr sz="700"/>
             </a:lvl4pPr>
             <a:lvl5pPr marL="1371600" indent="0">
               <a:buNone/>
-              <a:defRPr sz="675"/>
+              <a:defRPr sz="700"/>
             </a:lvl5pPr>
             <a:lvl6pPr marL="1714500" indent="0">
               <a:buNone/>
-              <a:defRPr sz="675"/>
+              <a:defRPr sz="700"/>
             </a:lvl6pPr>
             <a:lvl7pPr marL="2057400" indent="0">
               <a:buNone/>
-              <a:defRPr sz="675"/>
+              <a:defRPr sz="700"/>
             </a:lvl7pPr>
             <a:lvl8pPr marL="2400300" indent="0">
               <a:buNone/>
-              <a:defRPr sz="675"/>
+              <a:defRPr sz="700"/>
             </a:lvl8pPr>
             <a:lvl9pPr marL="2743200" indent="0">
               <a:buNone/>
-              <a:defRPr sz="675"/>
+              <a:defRPr sz="700"/>
             </a:lvl9pPr>
           </a:lstStyle>
           <a:p>
-            <a:pPr lvl="0"/>
+            <a:pPr lvl="0">
+              <a:defRPr/>
+            </a:pPr>
             <a:r>
               <a:rPr lang="en-US"/>
               <a:t>Click to edit Master text styles</a:t>
             </a:r>
+            <a:endParaRPr/>
           </a:p>
         </p:txBody>
       </p:sp>
@@ -2262,14 +2469,17 @@
             <p:ph type="dt" sz="half" idx="10"/>
           </p:nvPr>
         </p:nvSpPr>
-        <p:spPr/>
-        <p:txBody>
-          <a:bodyPr/>
-          <a:lstStyle/>
-          <a:p>
+        <p:spPr bwMode="auto"/>
+        <p:txBody>
+          <a:bodyPr/>
+          <a:lstStyle/>
+          <a:p>
+            <a:pPr>
+              <a:defRPr/>
+            </a:pPr>
             <a:fld id="{241EB5C9-1307-BA42-ABA2-0BC069CD8E7F}" type="datetimeFigureOut">
-              <a:rPr lang="en-US" smtClean="0"/>
-              <a:t>1/2/22</a:t>
+              <a:rPr lang="en-US"/>
+              <a:t/>
             </a:fld>
             <a:endParaRPr lang="en-US"/>
           </a:p>
@@ -2285,11 +2495,14 @@
             <p:ph type="ftr" sz="quarter" idx="11"/>
           </p:nvPr>
         </p:nvSpPr>
-        <p:spPr/>
-        <p:txBody>
-          <a:bodyPr/>
-          <a:lstStyle/>
-          <a:p>
+        <p:spPr bwMode="auto"/>
+        <p:txBody>
+          <a:bodyPr/>
+          <a:lstStyle/>
+          <a:p>
+            <a:pPr>
+              <a:defRPr/>
+            </a:pPr>
             <a:endParaRPr lang="en-US"/>
           </a:p>
         </p:txBody>
@@ -2304,25 +2517,23 @@
             <p:ph type="sldNum" sz="quarter" idx="12"/>
           </p:nvPr>
         </p:nvSpPr>
-        <p:spPr/>
-        <p:txBody>
-          <a:bodyPr/>
-          <a:lstStyle/>
-          <a:p>
+        <p:spPr bwMode="auto"/>
+        <p:txBody>
+          <a:bodyPr/>
+          <a:lstStyle/>
+          <a:p>
+            <a:pPr>
+              <a:defRPr/>
+            </a:pPr>
             <a:fld id="{C5EF2332-01BF-834F-8236-50238282D533}" type="slidenum">
-              <a:rPr lang="en-US" smtClean="0"/>
-              <a:t>‹#›</a:t>
+              <a:rPr lang="en-US"/>
+              <a:t/>
             </a:fld>
             <a:endParaRPr lang="en-US"/>
           </a:p>
         </p:txBody>
       </p:sp>
     </p:spTree>
-    <p:extLst>
-      <p:ext uri="{BB962C8B-B14F-4D97-AF65-F5344CB8AC3E}">
-        <p14:creationId xmlns:p14="http://schemas.microsoft.com/office/powerpoint/2010/main" val="3540895647"/>
-      </p:ext>
-    </p:extLst>
   </p:cSld>
   <p:clrMapOvr>
     <a:masterClrMapping/>
@@ -2331,7 +2542,7 @@
 </file>
 
 <file path=ppt/slideLayouts/slideLayout9.xml><?xml version="1.0" encoding="utf-8"?>
-<p:sldLayout xmlns:a="http://schemas.openxmlformats.org/drawingml/2006/main" xmlns:r="http://schemas.openxmlformats.org/officeDocument/2006/relationships" xmlns:p="http://schemas.openxmlformats.org/presentationml/2006/main" type="picTx" preserve="1">
+<p:sldLayout xmlns:a="http://schemas.openxmlformats.org/drawingml/2006/main" xmlns:r="http://schemas.openxmlformats.org/officeDocument/2006/relationships" xmlns:p="http://schemas.openxmlformats.org/presentationml/2006/main" xmlns:m="http://schemas.openxmlformats.org/officeDocument/2006/math" xmlns:w="http://schemas.openxmlformats.org/wordprocessingml/2006/main" matchingName="" preserve="1" showMasterPhAnim="0" type="picTx" userDrawn="1">
   <p:cSld name="Picture with Caption">
     <p:spTree>
       <p:nvGrpSpPr>
@@ -2339,7 +2550,7 @@
         <p:cNvGrpSpPr/>
         <p:nvPr/>
       </p:nvGrpSpPr>
-      <p:grpSpPr>
+      <p:grpSpPr bwMode="auto">
         <a:xfrm>
           <a:off x="0" y="0"/>
           <a:ext cx="0" cy="0"/>
@@ -2357,7 +2568,7 @@
             <p:ph type="title"/>
           </p:nvPr>
         </p:nvSpPr>
-        <p:spPr>
+        <p:spPr bwMode="auto">
           <a:xfrm>
             <a:off x="1792288" y="3600450"/>
             <a:ext cx="5486400" cy="425054"/>
@@ -2371,10 +2582,14 @@
             </a:lvl1pPr>
           </a:lstStyle>
           <a:p>
+            <a:pPr>
+              <a:defRPr/>
+            </a:pPr>
             <a:r>
               <a:rPr lang="en-US"/>
               <a:t>Click to edit Master title style</a:t>
             </a:r>
+            <a:endParaRPr/>
           </a:p>
         </p:txBody>
       </p:sp>
@@ -2388,7 +2603,7 @@
             <p:ph type="pic" idx="1"/>
           </p:nvPr>
         </p:nvSpPr>
-        <p:spPr>
+        <p:spPr bwMode="auto">
           <a:xfrm>
             <a:off x="1792288" y="459581"/>
             <a:ext cx="5486400" cy="3086100"/>
@@ -2435,6 +2650,9 @@
             </a:lvl9pPr>
           </a:lstStyle>
           <a:p>
+            <a:pPr>
+              <a:defRPr/>
+            </a:pPr>
             <a:endParaRPr lang="en-US"/>
           </a:p>
         </p:txBody>
@@ -2449,7 +2667,7 @@
             <p:ph type="body" sz="half" idx="2"/>
           </p:nvPr>
         </p:nvSpPr>
-        <p:spPr>
+        <p:spPr bwMode="auto">
           <a:xfrm>
             <a:off x="1792288" y="4025503"/>
             <a:ext cx="5486400" cy="603647"/>
@@ -2472,35 +2690,38 @@
             </a:lvl3pPr>
             <a:lvl4pPr marL="1028700" indent="0">
               <a:buNone/>
-              <a:defRPr sz="675"/>
+              <a:defRPr sz="700"/>
             </a:lvl4pPr>
             <a:lvl5pPr marL="1371600" indent="0">
               <a:buNone/>
-              <a:defRPr sz="675"/>
+              <a:defRPr sz="700"/>
             </a:lvl5pPr>
             <a:lvl6pPr marL="1714500" indent="0">
               <a:buNone/>
-              <a:defRPr sz="675"/>
+              <a:defRPr sz="700"/>
             </a:lvl6pPr>
             <a:lvl7pPr marL="2057400" indent="0">
               <a:buNone/>
-              <a:defRPr sz="675"/>
+              <a:defRPr sz="700"/>
             </a:lvl7pPr>
             <a:lvl8pPr marL="2400300" indent="0">
               <a:buNone/>
-              <a:defRPr sz="675"/>
+              <a:defRPr sz="700"/>
             </a:lvl8pPr>
             <a:lvl9pPr marL="2743200" indent="0">
               <a:buNone/>
-              <a:defRPr sz="675"/>
+              <a:defRPr sz="700"/>
             </a:lvl9pPr>
           </a:lstStyle>
           <a:p>
-            <a:pPr lvl="0"/>
+            <a:pPr lvl="0">
+              <a:defRPr/>
+            </a:pPr>
             <a:r>
               <a:rPr lang="en-US"/>
               <a:t>Click to edit Master text styles</a:t>
             </a:r>
+            <a:endParaRPr/>
           </a:p>
         </p:txBody>
       </p:sp>
@@ -2514,14 +2735,17 @@
             <p:ph type="dt" sz="half" idx="10"/>
           </p:nvPr>
         </p:nvSpPr>
-        <p:spPr/>
-        <p:txBody>
-          <a:bodyPr/>
-          <a:lstStyle/>
-          <a:p>
+        <p:spPr bwMode="auto"/>
+        <p:txBody>
+          <a:bodyPr/>
+          <a:lstStyle/>
+          <a:p>
+            <a:pPr>
+              <a:defRPr/>
+            </a:pPr>
             <a:fld id="{241EB5C9-1307-BA42-ABA2-0BC069CD8E7F}" type="datetimeFigureOut">
-              <a:rPr lang="en-US" smtClean="0"/>
-              <a:t>1/2/22</a:t>
+              <a:rPr lang="en-US"/>
+              <a:t/>
             </a:fld>
             <a:endParaRPr lang="en-US"/>
           </a:p>
@@ -2537,11 +2761,14 @@
             <p:ph type="ftr" sz="quarter" idx="11"/>
           </p:nvPr>
         </p:nvSpPr>
-        <p:spPr/>
-        <p:txBody>
-          <a:bodyPr/>
-          <a:lstStyle/>
-          <a:p>
+        <p:spPr bwMode="auto"/>
+        <p:txBody>
+          <a:bodyPr/>
+          <a:lstStyle/>
+          <a:p>
+            <a:pPr>
+              <a:defRPr/>
+            </a:pPr>
             <a:endParaRPr lang="en-US"/>
           </a:p>
         </p:txBody>
@@ -2556,25 +2783,23 @@
             <p:ph type="sldNum" sz="quarter" idx="12"/>
           </p:nvPr>
         </p:nvSpPr>
-        <p:spPr/>
-        <p:txBody>
-          <a:bodyPr/>
-          <a:lstStyle/>
-          <a:p>
+        <p:spPr bwMode="auto"/>
+        <p:txBody>
+          <a:bodyPr/>
+          <a:lstStyle/>
+          <a:p>
+            <a:pPr>
+              <a:defRPr/>
+            </a:pPr>
             <a:fld id="{C5EF2332-01BF-834F-8236-50238282D533}" type="slidenum">
-              <a:rPr lang="en-US" smtClean="0"/>
-              <a:t>‹#›</a:t>
+              <a:rPr lang="en-US"/>
+              <a:t/>
             </a:fld>
             <a:endParaRPr lang="en-US"/>
           </a:p>
         </p:txBody>
       </p:sp>
     </p:spTree>
-    <p:extLst>
-      <p:ext uri="{BB962C8B-B14F-4D97-AF65-F5344CB8AC3E}">
-        <p14:creationId xmlns:p14="http://schemas.microsoft.com/office/powerpoint/2010/main" val="3566899855"/>
-      </p:ext>
-    </p:extLst>
   </p:cSld>
   <p:clrMapOvr>
     <a:masterClrMapping/>
@@ -2583,8 +2808,8 @@
 </file>
 
 <file path=ppt/slideMasters/slideMaster1.xml><?xml version="1.0" encoding="utf-8"?>
-<p:sldMaster xmlns:a="http://schemas.openxmlformats.org/drawingml/2006/main" xmlns:p="http://schemas.openxmlformats.org/presentationml/2006/main" xmlns:r="http://schemas.openxmlformats.org/officeDocument/2006/relationships">
-  <p:cSld>
+<p:sldMaster xmlns:a="http://schemas.openxmlformats.org/drawingml/2006/main" xmlns:r="http://schemas.openxmlformats.org/officeDocument/2006/relationships" xmlns:p="http://schemas.openxmlformats.org/presentationml/2006/main" xmlns:m="http://schemas.openxmlformats.org/officeDocument/2006/math" xmlns:w="http://schemas.openxmlformats.org/wordprocessingml/2006/main" preserve="0">
+  <p:cSld name="">
     <p:bg>
       <p:bgRef idx="1001">
         <a:schemeClr val="bg1"/>
@@ -2596,7 +2821,7 @@
         <p:cNvGrpSpPr/>
         <p:nvPr/>
       </p:nvGrpSpPr>
-      <p:grpSpPr>
+      <p:grpSpPr bwMode="auto">
         <a:xfrm>
           <a:off x="0" y="0"/>
           <a:ext cx="0" cy="0"/>
@@ -2614,7 +2839,7 @@
             <p:ph type="title"/>
           </p:nvPr>
         </p:nvSpPr>
-        <p:spPr>
+        <p:spPr bwMode="auto">
           <a:xfrm>
             <a:off x="457200" y="205979"/>
             <a:ext cx="8229600" cy="857250"/>
@@ -2624,15 +2849,19 @@
           </a:prstGeom>
         </p:spPr>
         <p:txBody>
-          <a:bodyPr anchor="ctr" bIns="45720" lIns="91440" rIns="91440" rtlCol="0" tIns="45720" vert="horz">
+          <a:bodyPr vert="horz" lIns="91440" tIns="45720" rIns="91440" bIns="45720" rtlCol="0" anchor="ctr">
             <a:normAutofit/>
           </a:bodyPr>
           <a:lstStyle/>
           <a:p>
+            <a:pPr>
+              <a:defRPr/>
+            </a:pPr>
             <a:r>
               <a:rPr lang="en-US"/>
               <a:t>Click to edit Master title style</a:t>
             </a:r>
+            <a:endParaRPr/>
           </a:p>
         </p:txBody>
       </p:sp>
@@ -2643,10 +2872,10 @@
             <a:spLocks noGrp="1"/>
           </p:cNvSpPr>
           <p:nvPr>
-            <p:ph idx="1" type="body"/>
-          </p:nvPr>
-        </p:nvSpPr>
-        <p:spPr>
+            <p:ph type="body" idx="1"/>
+          </p:nvPr>
+        </p:nvSpPr>
+        <p:spPr bwMode="auto">
           <a:xfrm>
             <a:off x="457200" y="1200151"/>
             <a:ext cx="8229600" cy="3394472"/>
@@ -2656,44 +2885,59 @@
           </a:prstGeom>
         </p:spPr>
         <p:txBody>
-          <a:bodyPr bIns="45720" lIns="91440" rIns="91440" rtlCol="0" tIns="45720" vert="horz">
+          <a:bodyPr vert="horz" lIns="91440" tIns="45720" rIns="91440" bIns="45720" rtlCol="0">
             <a:normAutofit/>
           </a:bodyPr>
           <a:lstStyle/>
           <a:p>
-            <a:pPr lvl="0"/>
+            <a:pPr lvl="0">
+              <a:defRPr/>
+            </a:pPr>
             <a:r>
               <a:rPr lang="en-US"/>
               <a:t>Click to edit Master text styles</a:t>
             </a:r>
-          </a:p>
-          <a:p>
-            <a:pPr lvl="1"/>
+            <a:endParaRPr/>
+          </a:p>
+          <a:p>
+            <a:pPr lvl="1">
+              <a:defRPr/>
+            </a:pPr>
             <a:r>
               <a:rPr lang="en-US"/>
               <a:t>Second level</a:t>
             </a:r>
-          </a:p>
-          <a:p>
-            <a:pPr lvl="2"/>
+            <a:endParaRPr/>
+          </a:p>
+          <a:p>
+            <a:pPr lvl="2">
+              <a:defRPr/>
+            </a:pPr>
             <a:r>
               <a:rPr lang="en-US"/>
               <a:t>Third level</a:t>
             </a:r>
-          </a:p>
-          <a:p>
-            <a:pPr lvl="3"/>
+            <a:endParaRPr/>
+          </a:p>
+          <a:p>
+            <a:pPr lvl="3">
+              <a:defRPr/>
+            </a:pPr>
             <a:r>
               <a:rPr lang="en-US"/>
               <a:t>Fourth level</a:t>
             </a:r>
-          </a:p>
-          <a:p>
-            <a:pPr lvl="4"/>
+            <a:endParaRPr/>
+          </a:p>
+          <a:p>
+            <a:pPr lvl="4">
+              <a:defRPr/>
+            </a:pPr>
             <a:r>
               <a:rPr lang="en-US"/>
               <a:t>Fifth level</a:t>
             </a:r>
+            <a:endParaRPr/>
           </a:p>
         </p:txBody>
       </p:sp>
@@ -2704,10 +2948,10 @@
             <a:spLocks noGrp="1"/>
           </p:cNvSpPr>
           <p:nvPr>
-            <p:ph idx="2" sz="half" type="dt"/>
-          </p:nvPr>
-        </p:nvSpPr>
-        <p:spPr>
+            <p:ph type="dt" sz="half" idx="2"/>
+          </p:nvPr>
+        </p:nvSpPr>
+        <p:spPr bwMode="auto">
           <a:xfrm>
             <a:off x="457200" y="4767263"/>
             <a:ext cx="2133600" cy="273844"/>
@@ -2717,7 +2961,7 @@
           </a:prstGeom>
         </p:spPr>
         <p:txBody>
-          <a:bodyPr anchor="ctr" bIns="45720" lIns="91440" rIns="91440" rtlCol="0" tIns="45720" vert="horz"/>
+          <a:bodyPr vert="horz" lIns="91440" tIns="45720" rIns="91440" bIns="45720" rtlCol="0" anchor="ctr"/>
           <a:lstStyle>
             <a:lvl1pPr algn="l">
               <a:defRPr sz="900">
@@ -2730,9 +2974,12 @@
             </a:lvl1pPr>
           </a:lstStyle>
           <a:p>
+            <a:pPr>
+              <a:defRPr/>
+            </a:pPr>
             <a:fld id="{241EB5C9-1307-BA42-ABA2-0BC069CD8E7F}" type="datetimeFigureOut">
-              <a:rPr lang="en-US" smtClean="0"/>
-              <a:t>1/2/22</a:t>
+              <a:rPr lang="en-US"/>
+              <a:t/>
             </a:fld>
             <a:endParaRPr lang="en-US"/>
           </a:p>
@@ -2745,10 +2992,10 @@
             <a:spLocks noGrp="1"/>
           </p:cNvSpPr>
           <p:nvPr>
-            <p:ph idx="3" sz="quarter" type="ftr"/>
-          </p:nvPr>
-        </p:nvSpPr>
-        <p:spPr>
+            <p:ph type="ftr" sz="quarter" idx="3"/>
+          </p:nvPr>
+        </p:nvSpPr>
+        <p:spPr bwMode="auto">
           <a:xfrm>
             <a:off x="3124200" y="4767263"/>
             <a:ext cx="2895600" cy="273844"/>
@@ -2758,7 +3005,7 @@
           </a:prstGeom>
         </p:spPr>
         <p:txBody>
-          <a:bodyPr anchor="ctr" bIns="45720" lIns="91440" rIns="91440" rtlCol="0" tIns="45720" vert="horz"/>
+          <a:bodyPr vert="horz" lIns="91440" tIns="45720" rIns="91440" bIns="45720" rtlCol="0" anchor="ctr"/>
           <a:lstStyle>
             <a:lvl1pPr algn="ctr">
               <a:defRPr sz="900">
@@ -2771,6 +3018,9 @@
             </a:lvl1pPr>
           </a:lstStyle>
           <a:p>
+            <a:pPr>
+              <a:defRPr/>
+            </a:pPr>
             <a:endParaRPr lang="en-US"/>
           </a:p>
         </p:txBody>
@@ -2782,10 +3032,10 @@
             <a:spLocks noGrp="1"/>
           </p:cNvSpPr>
           <p:nvPr>
-            <p:ph idx="4" sz="quarter" type="sldNum"/>
-          </p:nvPr>
-        </p:nvSpPr>
-        <p:spPr>
+            <p:ph type="sldNum" sz="quarter" idx="4"/>
+          </p:nvPr>
+        </p:nvSpPr>
+        <p:spPr bwMode="auto">
           <a:xfrm>
             <a:off x="6553200" y="4767263"/>
             <a:ext cx="2133600" cy="273844"/>
@@ -2795,7 +3045,7 @@
           </a:prstGeom>
         </p:spPr>
         <p:txBody>
-          <a:bodyPr anchor="ctr" bIns="45720" lIns="91440" rIns="91440" rtlCol="0" tIns="45720" vert="horz"/>
+          <a:bodyPr vert="horz" lIns="91440" tIns="45720" rIns="91440" bIns="45720" rtlCol="0" anchor="ctr"/>
           <a:lstStyle>
             <a:lvl1pPr algn="r">
               <a:defRPr sz="900">
@@ -2808,22 +3058,20 @@
             </a:lvl1pPr>
           </a:lstStyle>
           <a:p>
+            <a:pPr>
+              <a:defRPr/>
+            </a:pPr>
             <a:fld id="{C5EF2332-01BF-834F-8236-50238282D533}" type="slidenum">
-              <a:rPr lang="en-US" smtClean="0"/>
-              <a:t>‹#›</a:t>
+              <a:rPr lang="en-US"/>
+              <a:t/>
             </a:fld>
             <a:endParaRPr lang="en-US"/>
           </a:p>
         </p:txBody>
       </p:sp>
     </p:spTree>
-    <p:extLst>
-      <p:ext uri="{BB962C8B-B14F-4D97-AF65-F5344CB8AC3E}">
-        <p14:creationId xmlns:p14="http://schemas.microsoft.com/office/powerpoint/2010/main" val="3676200875"/>
-      </p:ext>
-    </p:extLst>
   </p:cSld>
-  <p:clrMap accent1="accent1" accent2="accent2" accent3="accent3" accent4="accent4" accent5="accent5" accent6="accent6" bg1="lt1" bg2="lt2" folHlink="folHlink" hlink="hlink" tx1="dk1" tx2="dk2"/>
+  <p:clrMap bg1="lt1" tx1="dk1" bg2="lt2" tx2="dk2" accent1="accent1" accent2="accent2" accent3="accent3" accent4="accent4" accent5="accent5" accent6="accent6" hlink="hlink" folHlink="folHlink"/>
   <p:sldLayoutIdLst>
     <p:sldLayoutId id="2147483649" r:id="rId1"/>
     <p:sldLayoutId id="2147483650" r:id="rId2"/>
@@ -2839,12 +3087,12 @@
   </p:sldLayoutIdLst>
   <p:txStyles>
     <p:titleStyle>
-      <a:lvl1pPr algn="ctr" defTabSz="342900" eaLnBrk="1" hangingPunct="1" latinLnBrk="0" rtl="0">
+      <a:lvl1pPr algn="ctr" defTabSz="342900">
         <a:spcBef>
-          <a:spcPct val="0"/>
+          <a:spcPts val="0"/>
         </a:spcBef>
         <a:buNone/>
-        <a:defRPr kern="1200" sz="3300">
+        <a:defRPr sz="3300">
           <a:solidFill>
             <a:schemeClr val="tx1"/>
           </a:solidFill>
@@ -2855,13 +3103,13 @@
       </a:lvl1pPr>
     </p:titleStyle>
     <p:bodyStyle>
-      <a:lvl1pPr algn="l" defTabSz="342900" eaLnBrk="1" hangingPunct="1" indent="-342900" latinLnBrk="0" marL="342900" rtl="0">
+      <a:lvl1pPr marL="342900" indent="-342900" algn="l" defTabSz="342900">
         <a:spcBef>
-          <a:spcPct val="20000"/>
+          <a:spcPts val="0"/>
         </a:spcBef>
         <a:buFont typeface="Arial"/>
         <a:buChar char="•"/>
-        <a:defRPr kern="1200" sz="2400">
+        <a:defRPr sz="2400">
           <a:solidFill>
             <a:schemeClr val="tx1"/>
           </a:solidFill>
@@ -2870,13 +3118,13 @@
           <a:cs typeface="+mn-cs"/>
         </a:defRPr>
       </a:lvl1pPr>
-      <a:lvl2pPr algn="l" defTabSz="342900" eaLnBrk="1" hangingPunct="1" indent="-342900" latinLnBrk="0" marL="685800" rtl="0">
+      <a:lvl2pPr marL="685800" indent="-342900" algn="l" defTabSz="342900">
         <a:spcBef>
-          <a:spcPct val="20000"/>
+          <a:spcPts val="0"/>
         </a:spcBef>
         <a:buFont typeface="Arial"/>
         <a:buChar char="–"/>
-        <a:defRPr kern="1200" sz="2100">
+        <a:defRPr sz="2100">
           <a:solidFill>
             <a:schemeClr val="tx1"/>
           </a:solidFill>
@@ -2885,13 +3133,13 @@
           <a:cs typeface="+mn-cs"/>
         </a:defRPr>
       </a:lvl2pPr>
-      <a:lvl3pPr algn="l" defTabSz="342900" eaLnBrk="1" hangingPunct="1" indent="-342900" latinLnBrk="0" marL="1028700" rtl="0">
+      <a:lvl3pPr marL="1028700" indent="-342900" algn="l" defTabSz="342900">
         <a:spcBef>
-          <a:spcPct val="20000"/>
+          <a:spcPts val="0"/>
         </a:spcBef>
         <a:buFont typeface="Arial"/>
         <a:buChar char="•"/>
-        <a:defRPr kern="1200" sz="1800">
+        <a:defRPr sz="1800">
           <a:solidFill>
             <a:schemeClr val="tx1"/>
           </a:solidFill>
@@ -2900,13 +3148,13 @@
           <a:cs typeface="+mn-cs"/>
         </a:defRPr>
       </a:lvl3pPr>
-      <a:lvl4pPr algn="l" defTabSz="342900" eaLnBrk="1" hangingPunct="1" indent="-342900" latinLnBrk="0" marL="1371600" rtl="0">
+      <a:lvl4pPr marL="1371600" indent="-342900" algn="l" defTabSz="342900">
         <a:spcBef>
-          <a:spcPct val="20000"/>
+          <a:spcPts val="0"/>
         </a:spcBef>
         <a:buFont typeface="Arial"/>
         <a:buChar char="–"/>
-        <a:defRPr kern="1200" sz="1500">
+        <a:defRPr sz="1500">
           <a:solidFill>
             <a:schemeClr val="tx1"/>
           </a:solidFill>
@@ -2915,13 +3163,13 @@
           <a:cs typeface="+mn-cs"/>
         </a:defRPr>
       </a:lvl4pPr>
-      <a:lvl5pPr algn="l" defTabSz="342900" eaLnBrk="1" hangingPunct="1" indent="-342900" latinLnBrk="0" marL="1714500" rtl="0">
+      <a:lvl5pPr marL="1714500" indent="-342900" algn="l" defTabSz="342900">
         <a:spcBef>
-          <a:spcPct val="20000"/>
+          <a:spcPts val="0"/>
         </a:spcBef>
         <a:buFont typeface="Arial"/>
         <a:buChar char="»"/>
-        <a:defRPr kern="1200" sz="1500">
+        <a:defRPr sz="1500">
           <a:solidFill>
             <a:schemeClr val="tx1"/>
           </a:solidFill>
@@ -2930,13 +3178,13 @@
           <a:cs typeface="+mn-cs"/>
         </a:defRPr>
       </a:lvl5pPr>
-      <a:lvl6pPr algn="l" defTabSz="342900" eaLnBrk="1" hangingPunct="1" indent="-342900" latinLnBrk="0" marL="2057400" rtl="0">
+      <a:lvl6pPr marL="2057400" indent="-342900" algn="l" defTabSz="342900">
         <a:spcBef>
-          <a:spcPct val="20000"/>
+          <a:spcPts val="0"/>
         </a:spcBef>
         <a:buFont typeface="Arial"/>
         <a:buChar char="•"/>
-        <a:defRPr kern="1200" sz="1500">
+        <a:defRPr sz="1500">
           <a:solidFill>
             <a:schemeClr val="tx1"/>
           </a:solidFill>
@@ -2945,13 +3193,13 @@
           <a:cs typeface="+mn-cs"/>
         </a:defRPr>
       </a:lvl6pPr>
-      <a:lvl7pPr algn="l" defTabSz="342900" eaLnBrk="1" hangingPunct="1" indent="-342900" latinLnBrk="0" marL="2400300" rtl="0">
+      <a:lvl7pPr marL="2400300" indent="-342900" algn="l" defTabSz="342900">
         <a:spcBef>
-          <a:spcPct val="20000"/>
+          <a:spcPts val="0"/>
         </a:spcBef>
         <a:buFont typeface="Arial"/>
         <a:buChar char="•"/>
-        <a:defRPr kern="1200" sz="1500">
+        <a:defRPr sz="1500">
           <a:solidFill>
             <a:schemeClr val="tx1"/>
           </a:solidFill>
@@ -2960,13 +3208,13 @@
           <a:cs typeface="+mn-cs"/>
         </a:defRPr>
       </a:lvl7pPr>
-      <a:lvl8pPr algn="l" defTabSz="342900" eaLnBrk="1" hangingPunct="1" indent="-342900" latinLnBrk="0" marL="2743200" rtl="0">
+      <a:lvl8pPr marL="2743200" indent="-342900" algn="l" defTabSz="342900">
         <a:spcBef>
-          <a:spcPct val="20000"/>
+          <a:spcPts val="0"/>
         </a:spcBef>
         <a:buFont typeface="Arial"/>
         <a:buChar char="•"/>
-        <a:defRPr kern="1200" sz="1500">
+        <a:defRPr sz="1500">
           <a:solidFill>
             <a:schemeClr val="tx1"/>
           </a:solidFill>
@@ -2975,13 +3223,13 @@
           <a:cs typeface="+mn-cs"/>
         </a:defRPr>
       </a:lvl8pPr>
-      <a:lvl9pPr algn="l" defTabSz="342900" eaLnBrk="1" hangingPunct="1" indent="-342900" latinLnBrk="0" marL="3086100" rtl="0">
+      <a:lvl9pPr marL="3086100" indent="-342900" algn="l" defTabSz="342900">
         <a:spcBef>
-          <a:spcPct val="20000"/>
+          <a:spcPts val="0"/>
         </a:spcBef>
         <a:buFont typeface="Arial"/>
         <a:buChar char="•"/>
-        <a:defRPr kern="1200" sz="1500">
+        <a:defRPr sz="1500">
           <a:solidFill>
             <a:schemeClr val="tx1"/>
           </a:solidFill>
@@ -2995,8 +3243,8 @@
       <a:defPPr>
         <a:defRPr lang="en-US"/>
       </a:defPPr>
-      <a:lvl1pPr algn="l" defTabSz="342900" eaLnBrk="1" hangingPunct="1" latinLnBrk="0" marL="0" rtl="0">
-        <a:defRPr kern="1200" sz="1350">
+      <a:lvl1pPr marL="0" algn="l" defTabSz="342900">
+        <a:defRPr sz="1350">
           <a:solidFill>
             <a:schemeClr val="tx1"/>
           </a:solidFill>
@@ -3005,8 +3253,8 @@
           <a:cs typeface="+mn-cs"/>
         </a:defRPr>
       </a:lvl1pPr>
-      <a:lvl2pPr algn="l" defTabSz="342900" eaLnBrk="1" hangingPunct="1" latinLnBrk="0" marL="342900" rtl="0">
-        <a:defRPr kern="1200" sz="1350">
+      <a:lvl2pPr marL="342900" algn="l" defTabSz="342900">
+        <a:defRPr sz="1350">
           <a:solidFill>
             <a:schemeClr val="tx1"/>
           </a:solidFill>
@@ -3015,8 +3263,8 @@
           <a:cs typeface="+mn-cs"/>
         </a:defRPr>
       </a:lvl2pPr>
-      <a:lvl3pPr algn="l" defTabSz="342900" eaLnBrk="1" hangingPunct="1" latinLnBrk="0" marL="685800" rtl="0">
-        <a:defRPr kern="1200" sz="1350">
+      <a:lvl3pPr marL="685800" algn="l" defTabSz="342900">
+        <a:defRPr sz="1350">
           <a:solidFill>
             <a:schemeClr val="tx1"/>
           </a:solidFill>
@@ -3025,8 +3273,8 @@
           <a:cs typeface="+mn-cs"/>
         </a:defRPr>
       </a:lvl3pPr>
-      <a:lvl4pPr algn="l" defTabSz="342900" eaLnBrk="1" hangingPunct="1" latinLnBrk="0" marL="1028700" rtl="0">
-        <a:defRPr kern="1200" sz="1350">
+      <a:lvl4pPr marL="1028700" algn="l" defTabSz="342900">
+        <a:defRPr sz="1350">
           <a:solidFill>
             <a:schemeClr val="tx1"/>
           </a:solidFill>
@@ -3035,8 +3283,8 @@
           <a:cs typeface="+mn-cs"/>
         </a:defRPr>
       </a:lvl4pPr>
-      <a:lvl5pPr algn="l" defTabSz="342900" eaLnBrk="1" hangingPunct="1" latinLnBrk="0" marL="1371600" rtl="0">
-        <a:defRPr kern="1200" sz="1350">
+      <a:lvl5pPr marL="1371600" algn="l" defTabSz="342900">
+        <a:defRPr sz="1350">
           <a:solidFill>
             <a:schemeClr val="tx1"/>
           </a:solidFill>
@@ -3045,8 +3293,8 @@
           <a:cs typeface="+mn-cs"/>
         </a:defRPr>
       </a:lvl5pPr>
-      <a:lvl6pPr algn="l" defTabSz="342900" eaLnBrk="1" hangingPunct="1" latinLnBrk="0" marL="1714500" rtl="0">
-        <a:defRPr kern="1200" sz="1350">
+      <a:lvl6pPr marL="1714500" algn="l" defTabSz="342900">
+        <a:defRPr sz="1350">
           <a:solidFill>
             <a:schemeClr val="tx1"/>
           </a:solidFill>
@@ -3055,8 +3303,8 @@
           <a:cs typeface="+mn-cs"/>
         </a:defRPr>
       </a:lvl6pPr>
-      <a:lvl7pPr algn="l" defTabSz="342900" eaLnBrk="1" hangingPunct="1" latinLnBrk="0" marL="2057400" rtl="0">
-        <a:defRPr kern="1200" sz="1350">
+      <a:lvl7pPr marL="2057400" algn="l" defTabSz="342900">
+        <a:defRPr sz="1350">
           <a:solidFill>
             <a:schemeClr val="tx1"/>
           </a:solidFill>
@@ -3065,8 +3313,8 @@
           <a:cs typeface="+mn-cs"/>
         </a:defRPr>
       </a:lvl7pPr>
-      <a:lvl8pPr algn="l" defTabSz="342900" eaLnBrk="1" hangingPunct="1" latinLnBrk="0" marL="2400300" rtl="0">
-        <a:defRPr kern="1200" sz="1350">
+      <a:lvl8pPr marL="2400300" algn="l" defTabSz="342900">
+        <a:defRPr sz="1350">
           <a:solidFill>
             <a:schemeClr val="tx1"/>
           </a:solidFill>
@@ -3075,8 +3323,8 @@
           <a:cs typeface="+mn-cs"/>
         </a:defRPr>
       </a:lvl8pPr>
-      <a:lvl9pPr algn="l" defTabSz="342900" eaLnBrk="1" hangingPunct="1" latinLnBrk="0" marL="2743200" rtl="0">
-        <a:defRPr kern="1200" sz="1350">
+      <a:lvl9pPr marL="2743200" algn="l" defTabSz="342900">
+        <a:defRPr sz="1350">
           <a:solidFill>
             <a:schemeClr val="tx1"/>
           </a:solidFill>
@@ -3091,15 +3339,15 @@
 </file>
 
 <file path=ppt/slides/slide1.xml><?xml version="1.0" encoding="utf-8"?>
-<p:sld xmlns:a="http://schemas.openxmlformats.org/drawingml/2006/main" xmlns:r="http://schemas.openxmlformats.org/officeDocument/2006/relationships" xmlns:p="http://schemas.openxmlformats.org/presentationml/2006/main">
-  <p:cSld>
+<p:sld xmlns:a="http://schemas.openxmlformats.org/drawingml/2006/main" xmlns:r="http://schemas.openxmlformats.org/officeDocument/2006/relationships" xmlns:p="http://schemas.openxmlformats.org/presentationml/2006/main" xmlns:m="http://schemas.openxmlformats.org/officeDocument/2006/math" xmlns:w="http://schemas.openxmlformats.org/wordprocessingml/2006/main" showMasterPhAnim="0" show="1">
+  <p:cSld name="">
     <p:spTree>
       <p:nvGrpSpPr>
         <p:cNvPr id="1" name=""/>
         <p:cNvGrpSpPr/>
         <p:nvPr/>
       </p:nvGrpSpPr>
-      <p:grpSpPr>
+      <p:grpSpPr bwMode="auto">
         <a:xfrm>
           <a:off x="0" y="0"/>
           <a:ext cx="0" cy="0"/>
@@ -3117,7 +3365,7 @@
             <p:ph type="ctrTitle"/>
           </p:nvPr>
         </p:nvSpPr>
-        <p:spPr>
+        <p:spPr bwMode="auto">
           <a:xfrm>
             <a:off x="685800" y="1597819"/>
             <a:ext cx="7772400" cy="1102519"/>
@@ -3127,13 +3375,15 @@
           <a:bodyPr/>
           <a:lstStyle/>
           <a:p>
-            <a:pPr lvl="0" indent="0" marL="0">
-              <a:buNone/>
+            <a:pPr marL="0" lvl="0" indent="0">
+              <a:buNone/>
+              <a:defRPr/>
             </a:pPr>
             <a:r>
               <a:rPr/>
-              <a:t>Data Report</a:t>
-            </a:r>
+              <a:t>A DATA ANALYSIS REPORT ON REFRESHER TRAINING, STUDENTS’ RECORD SECTION, UNIVERSITY OF CAPE COAST</a:t>
+            </a:r>
+            <a:endParaRPr/>
           </a:p>
         </p:txBody>
       </p:sp>
@@ -3144,10 +3394,10 @@
             <a:spLocks noGrp="1"/>
           </p:cNvSpPr>
           <p:nvPr>
-            <p:ph idx="1" type="subTitle"/>
-          </p:nvPr>
-        </p:nvSpPr>
-        <p:spPr>
+            <p:ph type="subTitle" idx="1"/>
+          </p:nvPr>
+        </p:nvSpPr>
+        <p:spPr bwMode="auto">
           <a:xfrm>
             <a:off x="1371600" y="2914650"/>
             <a:ext cx="6400800" cy="1314450"/>
@@ -3157,15 +3407,21 @@
           <a:bodyPr/>
           <a:lstStyle/>
           <a:p>
-            <a:pPr lvl="0" indent="0" marL="0">
-              <a:buNone/>
-            </a:pPr>
-            <a:br/>
-            <a:br/>
+            <a:pPr marL="0" lvl="0" indent="0">
+              <a:buNone/>
+              <a:defRPr/>
+            </a:pPr>
+            <a:br>
+              <a:rPr/>
+            </a:br>
+            <a:br>
+              <a:rPr/>
+            </a:br>
             <a:r>
               <a:rPr/>
               <a:t>JOSEPH HARRY MENSAH</a:t>
             </a:r>
+            <a:endParaRPr/>
           </a:p>
         </p:txBody>
       </p:sp>
@@ -3176,39 +3432,52 @@
             <a:spLocks noGrp="1"/>
           </p:cNvSpPr>
           <p:nvPr>
-            <p:ph idx="10" sz="half" type="dt"/>
-          </p:nvPr>
-        </p:nvSpPr>
-        <p:spPr/>
-        <p:txBody>
-          <a:bodyPr/>
-          <a:lstStyle/>
-          <a:p>
-            <a:pPr lvl="0" indent="0" marL="0">
-              <a:buNone/>
+            <p:ph type="dt" sz="half" idx="10"/>
+          </p:nvPr>
+        </p:nvSpPr>
+        <p:spPr bwMode="auto"/>
+        <p:txBody>
+          <a:bodyPr/>
+          <a:lstStyle/>
+          <a:p>
+            <a:pPr marL="0" lvl="0" indent="0">
+              <a:buNone/>
+              <a:defRPr/>
             </a:pPr>
             <a:r>
               <a:rPr/>
-              <a:t>2022-11-08</a:t>
-            </a:r>
+              <a:t>August,2022</a:t>
+            </a:r>
+            <a:endParaRPr/>
           </a:p>
         </p:txBody>
       </p:sp>
     </p:spTree>
   </p:cSld>
+  <p:clrMapOvr>
+    <a:masterClrMapping/>
+  </p:clrMapOvr>
+  <mc:AlternateContent xmlns:mc="http://schemas.openxmlformats.org/markup-compatibility/2006">
+    <mc:Choice xmlns:p14="http://schemas.microsoft.com/office/powerpoint/2010/main" Requires="p14">
+      <p:transition p14:dur="2000" advClick="1"/>
+    </mc:Choice>
+    <mc:Fallback>
+      <p:transition advClick="1"/>
+    </mc:Fallback>
+  </mc:AlternateContent>
 </p:sld>
 </file>
 
 <file path=ppt/slides/slide10.xml><?xml version="1.0" encoding="utf-8"?>
-<p:sld xmlns:a="http://schemas.openxmlformats.org/drawingml/2006/main" xmlns:r="http://schemas.openxmlformats.org/officeDocument/2006/relationships" xmlns:p="http://schemas.openxmlformats.org/presentationml/2006/main">
-  <p:cSld>
+<p:sld xmlns:a="http://schemas.openxmlformats.org/drawingml/2006/main" xmlns:r="http://schemas.openxmlformats.org/officeDocument/2006/relationships" xmlns:p="http://schemas.openxmlformats.org/presentationml/2006/main" xmlns:m="http://schemas.openxmlformats.org/officeDocument/2006/math" xmlns:w="http://schemas.openxmlformats.org/wordprocessingml/2006/main" showMasterPhAnim="0" show="1">
+  <p:cSld name="">
     <p:spTree>
       <p:nvGrpSpPr>
         <p:cNvPr id="1" name=""/>
         <p:cNvGrpSpPr/>
         <p:nvPr/>
       </p:nvGrpSpPr>
-      <p:grpSpPr>
+      <p:grpSpPr bwMode="auto">
         <a:xfrm>
           <a:off x="0" y="0"/>
           <a:ext cx="0" cy="0"/>
@@ -3226,34 +3495,34 @@
             <p:ph type="title"/>
           </p:nvPr>
         </p:nvSpPr>
-        <p:spPr/>
-        <p:txBody>
-          <a:bodyPr/>
-          <a:lstStyle/>
-          <a:p>
-            <a:pPr lvl="0" indent="0" marL="0">
-              <a:buNone/>
+        <p:spPr bwMode="auto"/>
+        <p:txBody>
+          <a:bodyPr/>
+          <a:lstStyle/>
+          <a:p>
+            <a:pPr marL="0" lvl="0" indent="0">
+              <a:buNone/>
+              <a:defRPr/>
             </a:pPr>
             <a:r>
               <a:rPr/>
-              <a:t>Comparison</a:t>
-            </a:r>
+              <a:t>Comparison: The training will impact positively on my work</a:t>
+            </a:r>
+            <a:endParaRPr/>
           </a:p>
         </p:txBody>
       </p:sp>
       <p:pic>
         <p:nvPicPr>
-          <p:cNvPr descr="data_report_files/figure-pptx/summary1-1.png" id="0" name="Picture 1"/>
+          <p:cNvPr id="0" name="Picture 1" descr="data_report_files/figure-pptx/summary1-1.png"/>
           <p:cNvPicPr>
-            <a:picLocks noGrp="1" noChangeAspect="1"/>
+            <a:picLocks noChangeAspect="1" noGrp="1"/>
           </p:cNvPicPr>
           <p:nvPr/>
         </p:nvPicPr>
         <p:blipFill>
           <a:blip r:embed="rId2"/>
-          <a:stretch>
-            <a:fillRect/>
-          </a:stretch>
+          <a:stretch/>
         </p:blipFill>
         <p:spPr bwMode="auto">
           <a:xfrm>
@@ -3273,19 +3542,30 @@
       </p:pic>
     </p:spTree>
   </p:cSld>
+  <p:clrMapOvr>
+    <a:masterClrMapping/>
+  </p:clrMapOvr>
+  <mc:AlternateContent xmlns:mc="http://schemas.openxmlformats.org/markup-compatibility/2006">
+    <mc:Choice xmlns:p14="http://schemas.microsoft.com/office/powerpoint/2010/main" Requires="p14">
+      <p:transition p14:dur="2000" advClick="1"/>
+    </mc:Choice>
+    <mc:Fallback>
+      <p:transition advClick="1"/>
+    </mc:Fallback>
+  </mc:AlternateContent>
 </p:sld>
 </file>
 
 <file path=ppt/slides/slide11.xml><?xml version="1.0" encoding="utf-8"?>
-<p:sld xmlns:a="http://schemas.openxmlformats.org/drawingml/2006/main" xmlns:r="http://schemas.openxmlformats.org/officeDocument/2006/relationships" xmlns:p="http://schemas.openxmlformats.org/presentationml/2006/main">
-  <p:cSld>
+<p:sld xmlns:a="http://schemas.openxmlformats.org/drawingml/2006/main" xmlns:r="http://schemas.openxmlformats.org/officeDocument/2006/relationships" xmlns:p="http://schemas.openxmlformats.org/presentationml/2006/main" xmlns:m="http://schemas.openxmlformats.org/officeDocument/2006/math" xmlns:w="http://schemas.openxmlformats.org/wordprocessingml/2006/main" showMasterPhAnim="0" show="1">
+  <p:cSld name="">
     <p:spTree>
       <p:nvGrpSpPr>
         <p:cNvPr id="1" name=""/>
         <p:cNvGrpSpPr/>
         <p:nvPr/>
       </p:nvGrpSpPr>
-      <p:grpSpPr>
+      <p:grpSpPr bwMode="auto">
         <a:xfrm>
           <a:off x="0" y="0"/>
           <a:ext cx="0" cy="0"/>
@@ -3303,36 +3583,49 @@
             <p:ph type="title"/>
           </p:nvPr>
         </p:nvSpPr>
-        <p:spPr/>
-        <p:txBody>
-          <a:bodyPr/>
-          <a:lstStyle/>
-          <a:p>
-            <a:pPr lvl="0" indent="0" marL="0">
-              <a:buNone/>
+        <p:spPr bwMode="auto"/>
+        <p:txBody>
+          <a:bodyPr/>
+          <a:lstStyle/>
+          <a:p>
+            <a:pPr marL="0" lvl="0" indent="0">
+              <a:buNone/>
+              <a:defRPr/>
             </a:pPr>
             <a:r>
               <a:rPr/>
               <a:t>Question: I need such training regularly</a:t>
             </a:r>
+            <a:endParaRPr/>
           </a:p>
         </p:txBody>
       </p:sp>
     </p:spTree>
   </p:cSld>
+  <p:clrMapOvr>
+    <a:masterClrMapping/>
+  </p:clrMapOvr>
+  <mc:AlternateContent xmlns:mc="http://schemas.openxmlformats.org/markup-compatibility/2006">
+    <mc:Choice xmlns:p14="http://schemas.microsoft.com/office/powerpoint/2010/main" Requires="p14">
+      <p:transition p14:dur="2000" advClick="1"/>
+    </mc:Choice>
+    <mc:Fallback>
+      <p:transition advClick="1"/>
+    </mc:Fallback>
+  </mc:AlternateContent>
 </p:sld>
 </file>
 
 <file path=ppt/slides/slide12.xml><?xml version="1.0" encoding="utf-8"?>
-<p:sld xmlns:a="http://schemas.openxmlformats.org/drawingml/2006/main" xmlns:r="http://schemas.openxmlformats.org/officeDocument/2006/relationships" xmlns:p="http://schemas.openxmlformats.org/presentationml/2006/main">
-  <p:cSld>
+<p:sld xmlns:a="http://schemas.openxmlformats.org/drawingml/2006/main" xmlns:r="http://schemas.openxmlformats.org/officeDocument/2006/relationships" xmlns:p="http://schemas.openxmlformats.org/presentationml/2006/main" xmlns:m="http://schemas.openxmlformats.org/officeDocument/2006/math" xmlns:w="http://schemas.openxmlformats.org/wordprocessingml/2006/main" showMasterPhAnim="0" show="1">
+  <p:cSld name="">
     <p:spTree>
       <p:nvGrpSpPr>
         <p:cNvPr id="1" name=""/>
         <p:cNvGrpSpPr/>
         <p:nvPr/>
       </p:nvGrpSpPr>
-      <p:grpSpPr>
+      <p:grpSpPr bwMode="auto">
         <a:xfrm>
           <a:off x="0" y="0"/>
           <a:ext cx="0" cy="0"/>
@@ -3350,34 +3643,34 @@
             <p:ph type="title"/>
           </p:nvPr>
         </p:nvSpPr>
-        <p:spPr/>
-        <p:txBody>
-          <a:bodyPr/>
-          <a:lstStyle/>
-          <a:p>
-            <a:pPr lvl="0" indent="0" marL="0">
-              <a:buNone/>
+        <p:spPr bwMode="auto"/>
+        <p:txBody>
+          <a:bodyPr/>
+          <a:lstStyle/>
+          <a:p>
+            <a:pPr marL="0" lvl="0" indent="0">
+              <a:buNone/>
+              <a:defRPr/>
             </a:pPr>
             <a:r>
               <a:rPr/>
               <a:t>The need for such training regularly</a:t>
             </a:r>
+            <a:endParaRPr/>
           </a:p>
         </p:txBody>
       </p:sp>
       <p:pic>
         <p:nvPicPr>
-          <p:cNvPr descr="data_report_files/figure-pptx/dream5-1.png" id="0" name="Picture 1"/>
+          <p:cNvPr id="0" name="Picture 1" descr="data_report_files/figure-pptx/dream5-1.png"/>
           <p:cNvPicPr>
-            <a:picLocks noGrp="1" noChangeAspect="1"/>
+            <a:picLocks noChangeAspect="1" noGrp="1"/>
           </p:cNvPicPr>
           <p:nvPr/>
         </p:nvPicPr>
         <p:blipFill>
           <a:blip r:embed="rId2"/>
-          <a:stretch>
-            <a:fillRect/>
-          </a:stretch>
+          <a:stretch/>
         </p:blipFill>
         <p:spPr bwMode="auto">
           <a:xfrm>
@@ -3397,19 +3690,30 @@
       </p:pic>
     </p:spTree>
   </p:cSld>
+  <p:clrMapOvr>
+    <a:masterClrMapping/>
+  </p:clrMapOvr>
+  <mc:AlternateContent xmlns:mc="http://schemas.openxmlformats.org/markup-compatibility/2006">
+    <mc:Choice xmlns:p14="http://schemas.microsoft.com/office/powerpoint/2010/main" Requires="p14">
+      <p:transition p14:dur="2000" advClick="1"/>
+    </mc:Choice>
+    <mc:Fallback>
+      <p:transition advClick="1"/>
+    </mc:Fallback>
+  </mc:AlternateContent>
 </p:sld>
 </file>
 
 <file path=ppt/slides/slide13.xml><?xml version="1.0" encoding="utf-8"?>
-<p:sld xmlns:a="http://schemas.openxmlformats.org/drawingml/2006/main" xmlns:r="http://schemas.openxmlformats.org/officeDocument/2006/relationships" xmlns:p="http://schemas.openxmlformats.org/presentationml/2006/main">
-  <p:cSld>
+<p:sld xmlns:a="http://schemas.openxmlformats.org/drawingml/2006/main" xmlns:r="http://schemas.openxmlformats.org/officeDocument/2006/relationships" xmlns:p="http://schemas.openxmlformats.org/presentationml/2006/main" xmlns:m="http://schemas.openxmlformats.org/officeDocument/2006/math" xmlns:w="http://schemas.openxmlformats.org/wordprocessingml/2006/main" showMasterPhAnim="0" show="1">
+  <p:cSld name="">
     <p:spTree>
       <p:nvGrpSpPr>
         <p:cNvPr id="1" name=""/>
         <p:cNvGrpSpPr/>
         <p:nvPr/>
       </p:nvGrpSpPr>
-      <p:grpSpPr>
+      <p:grpSpPr bwMode="auto">
         <a:xfrm>
           <a:off x="0" y="0"/>
           <a:ext cx="0" cy="0"/>
@@ -3427,34 +3731,34 @@
             <p:ph type="title"/>
           </p:nvPr>
         </p:nvSpPr>
-        <p:spPr/>
-        <p:txBody>
-          <a:bodyPr/>
-          <a:lstStyle/>
-          <a:p>
-            <a:pPr lvl="0" indent="0" marL="0">
-              <a:buNone/>
+        <p:spPr bwMode="auto"/>
+        <p:txBody>
+          <a:bodyPr/>
+          <a:lstStyle/>
+          <a:p>
+            <a:pPr marL="0" lvl="0" indent="0">
+              <a:buNone/>
+              <a:defRPr/>
             </a:pPr>
             <a:r>
               <a:rPr/>
               <a:t>The need for such training regularly</a:t>
             </a:r>
+            <a:endParaRPr/>
           </a:p>
         </p:txBody>
       </p:sp>
       <p:pic>
         <p:nvPicPr>
-          <p:cNvPr descr="data_report_files/figure-pptx/dreams6-1.png" id="0" name="Picture 1"/>
+          <p:cNvPr id="0" name="Picture 1" descr="data_report_files/figure-pptx/dreams6-1.png"/>
           <p:cNvPicPr>
-            <a:picLocks noGrp="1" noChangeAspect="1"/>
+            <a:picLocks noChangeAspect="1" noGrp="1"/>
           </p:cNvPicPr>
           <p:nvPr/>
         </p:nvPicPr>
         <p:blipFill>
           <a:blip r:embed="rId2"/>
-          <a:stretch>
-            <a:fillRect/>
-          </a:stretch>
+          <a:stretch/>
         </p:blipFill>
         <p:spPr bwMode="auto">
           <a:xfrm>
@@ -3474,19 +3778,30 @@
       </p:pic>
     </p:spTree>
   </p:cSld>
+  <p:clrMapOvr>
+    <a:masterClrMapping/>
+  </p:clrMapOvr>
+  <mc:AlternateContent xmlns:mc="http://schemas.openxmlformats.org/markup-compatibility/2006">
+    <mc:Choice xmlns:p14="http://schemas.microsoft.com/office/powerpoint/2010/main" Requires="p14">
+      <p:transition p14:dur="2000" advClick="1"/>
+    </mc:Choice>
+    <mc:Fallback>
+      <p:transition advClick="1"/>
+    </mc:Fallback>
+  </mc:AlternateContent>
 </p:sld>
 </file>
 
 <file path=ppt/slides/slide14.xml><?xml version="1.0" encoding="utf-8"?>
-<p:sld xmlns:a="http://schemas.openxmlformats.org/drawingml/2006/main" xmlns:r="http://schemas.openxmlformats.org/officeDocument/2006/relationships" xmlns:p="http://schemas.openxmlformats.org/presentationml/2006/main">
-  <p:cSld>
+<p:sld xmlns:a="http://schemas.openxmlformats.org/drawingml/2006/main" xmlns:r="http://schemas.openxmlformats.org/officeDocument/2006/relationships" xmlns:p="http://schemas.openxmlformats.org/presentationml/2006/main" xmlns:m="http://schemas.openxmlformats.org/officeDocument/2006/math" xmlns:w="http://schemas.openxmlformats.org/wordprocessingml/2006/main" showMasterPhAnim="0" show="1">
+  <p:cSld name="">
     <p:spTree>
       <p:nvGrpSpPr>
         <p:cNvPr id="1" name=""/>
         <p:cNvGrpSpPr/>
         <p:nvPr/>
       </p:nvGrpSpPr>
-      <p:grpSpPr>
+      <p:grpSpPr bwMode="auto">
         <a:xfrm>
           <a:off x="0" y="0"/>
           <a:ext cx="0" cy="0"/>
@@ -3504,34 +3819,34 @@
             <p:ph type="title"/>
           </p:nvPr>
         </p:nvSpPr>
-        <p:spPr/>
-        <p:txBody>
-          <a:bodyPr/>
-          <a:lstStyle/>
-          <a:p>
-            <a:pPr lvl="0" indent="0" marL="0">
-              <a:buNone/>
+        <p:spPr bwMode="auto"/>
+        <p:txBody>
+          <a:bodyPr/>
+          <a:lstStyle/>
+          <a:p>
+            <a:pPr marL="0" lvl="0" indent="0">
+              <a:buNone/>
+              <a:defRPr/>
             </a:pPr>
             <a:r>
               <a:rPr/>
-              <a:t>Comaparison</a:t>
-            </a:r>
+              <a:t>Comparison: I need such training regularly</a:t>
+            </a:r>
+            <a:endParaRPr/>
           </a:p>
         </p:txBody>
       </p:sp>
       <p:pic>
         <p:nvPicPr>
-          <p:cNvPr descr="data_report_files/figure-pptx/unnamed-chunk-1-1.png" id="0" name="Picture 1"/>
+          <p:cNvPr id="0" name="Picture 1" descr="data_report_files/figure-pptx/unnamed-chunk-1-1.png"/>
           <p:cNvPicPr>
-            <a:picLocks noGrp="1" noChangeAspect="1"/>
+            <a:picLocks noChangeAspect="1" noGrp="1"/>
           </p:cNvPicPr>
           <p:nvPr/>
         </p:nvPicPr>
         <p:blipFill>
           <a:blip r:embed="rId2"/>
-          <a:stretch>
-            <a:fillRect/>
-          </a:stretch>
+          <a:stretch/>
         </p:blipFill>
         <p:spPr bwMode="auto">
           <a:xfrm>
@@ -3551,19 +3866,30 @@
       </p:pic>
     </p:spTree>
   </p:cSld>
+  <p:clrMapOvr>
+    <a:masterClrMapping/>
+  </p:clrMapOvr>
+  <mc:AlternateContent xmlns:mc="http://schemas.openxmlformats.org/markup-compatibility/2006">
+    <mc:Choice xmlns:p14="http://schemas.microsoft.com/office/powerpoint/2010/main" Requires="p14">
+      <p:transition p14:dur="2000" advClick="1"/>
+    </mc:Choice>
+    <mc:Fallback>
+      <p:transition advClick="1"/>
+    </mc:Fallback>
+  </mc:AlternateContent>
 </p:sld>
 </file>
 
 <file path=ppt/slides/slide15.xml><?xml version="1.0" encoding="utf-8"?>
-<p:sld xmlns:a="http://schemas.openxmlformats.org/drawingml/2006/main" xmlns:r="http://schemas.openxmlformats.org/officeDocument/2006/relationships" xmlns:p="http://schemas.openxmlformats.org/presentationml/2006/main">
-  <p:cSld>
+<p:sld xmlns:a="http://schemas.openxmlformats.org/drawingml/2006/main" xmlns:r="http://schemas.openxmlformats.org/officeDocument/2006/relationships" xmlns:p="http://schemas.openxmlformats.org/presentationml/2006/main" xmlns:m="http://schemas.openxmlformats.org/officeDocument/2006/math" xmlns:w="http://schemas.openxmlformats.org/wordprocessingml/2006/main" showMasterPhAnim="0" show="1">
+  <p:cSld name="">
     <p:spTree>
       <p:nvGrpSpPr>
         <p:cNvPr id="1" name=""/>
         <p:cNvGrpSpPr/>
         <p:nvPr/>
       </p:nvGrpSpPr>
-      <p:grpSpPr>
+      <p:grpSpPr bwMode="auto">
         <a:xfrm>
           <a:off x="0" y="0"/>
           <a:ext cx="0" cy="0"/>
@@ -3581,36 +3907,54 @@
             <p:ph type="title"/>
           </p:nvPr>
         </p:nvSpPr>
-        <p:spPr/>
-        <p:txBody>
-          <a:bodyPr/>
-          <a:lstStyle/>
-          <a:p>
-            <a:pPr lvl="0" indent="0" marL="0">
-              <a:buNone/>
+        <p:spPr bwMode="auto">
+          <a:xfrm>
+            <a:off x="457200" y="2412402"/>
+            <a:ext cx="8229600" cy="857250"/>
+          </a:xfrm>
+        </p:spPr>
+        <p:txBody>
+          <a:bodyPr/>
+          <a:lstStyle/>
+          <a:p>
+            <a:pPr marL="0" lvl="0" indent="0">
+              <a:buNone/>
+              <a:defRPr/>
             </a:pPr>
             <a:r>
               <a:rPr/>
               <a:t>Question : I have acquired the basic knowledge necessary to use the UCCOSIS</a:t>
             </a:r>
+            <a:endParaRPr/>
           </a:p>
         </p:txBody>
       </p:sp>
     </p:spTree>
   </p:cSld>
+  <p:clrMapOvr>
+    <a:masterClrMapping/>
+  </p:clrMapOvr>
+  <mc:AlternateContent xmlns:mc="http://schemas.openxmlformats.org/markup-compatibility/2006">
+    <mc:Choice xmlns:p14="http://schemas.microsoft.com/office/powerpoint/2010/main" Requires="p14">
+      <p:transition p14:dur="2000" advClick="1"/>
+    </mc:Choice>
+    <mc:Fallback>
+      <p:transition advClick="1"/>
+    </mc:Fallback>
+  </mc:AlternateContent>
 </p:sld>
 </file>
 
 <file path=ppt/slides/slide16.xml><?xml version="1.0" encoding="utf-8"?>
-<p:sld xmlns:a="http://schemas.openxmlformats.org/drawingml/2006/main" xmlns:r="http://schemas.openxmlformats.org/officeDocument/2006/relationships" xmlns:p="http://schemas.openxmlformats.org/presentationml/2006/main">
-  <p:cSld>
+<p:sld xmlns:a="http://schemas.openxmlformats.org/drawingml/2006/main" xmlns:r="http://schemas.openxmlformats.org/officeDocument/2006/relationships" xmlns:p="http://schemas.openxmlformats.org/presentationml/2006/main" xmlns:m="http://schemas.openxmlformats.org/officeDocument/2006/math" xmlns:w="http://schemas.openxmlformats.org/wordprocessingml/2006/main" showMasterPhAnim="0" show="1">
+  <p:cSld name="">
     <p:spTree>
       <p:nvGrpSpPr>
         <p:cNvPr id="1" name=""/>
         <p:cNvGrpSpPr/>
         <p:nvPr/>
       </p:nvGrpSpPr>
-      <p:grpSpPr>
+      <p:grpSpPr bwMode="auto">
         <a:xfrm>
           <a:off x="0" y="0"/>
           <a:ext cx="0" cy="0"/>
@@ -3628,34 +3972,34 @@
             <p:ph type="title"/>
           </p:nvPr>
         </p:nvSpPr>
-        <p:spPr/>
-        <p:txBody>
-          <a:bodyPr/>
-          <a:lstStyle/>
-          <a:p>
-            <a:pPr lvl="0" indent="0" marL="0">
-              <a:buNone/>
+        <p:spPr bwMode="auto"/>
+        <p:txBody>
+          <a:bodyPr/>
+          <a:lstStyle/>
+          <a:p>
+            <a:pPr marL="0" lvl="0" indent="0">
+              <a:buNone/>
+              <a:defRPr/>
             </a:pPr>
             <a:r>
               <a:rPr/>
               <a:t>Acquired basic Knowledge on UCCOSIS usage</a:t>
             </a:r>
+            <a:endParaRPr/>
           </a:p>
         </p:txBody>
       </p:sp>
       <p:pic>
         <p:nvPicPr>
-          <p:cNvPr descr="data_report_files/figure-pptx/unnamed-chunk-2-1.png" id="0" name="Picture 1"/>
+          <p:cNvPr id="0" name="Picture 1" descr="data_report_files/figure-pptx/unnamed-chunk-2-1.png"/>
           <p:cNvPicPr>
-            <a:picLocks noGrp="1" noChangeAspect="1"/>
+            <a:picLocks noChangeAspect="1" noGrp="1"/>
           </p:cNvPicPr>
           <p:nvPr/>
         </p:nvPicPr>
         <p:blipFill>
           <a:blip r:embed="rId2"/>
-          <a:stretch>
-            <a:fillRect/>
-          </a:stretch>
+          <a:stretch/>
         </p:blipFill>
         <p:spPr bwMode="auto">
           <a:xfrm>
@@ -3675,19 +4019,30 @@
       </p:pic>
     </p:spTree>
   </p:cSld>
+  <p:clrMapOvr>
+    <a:masterClrMapping/>
+  </p:clrMapOvr>
+  <mc:AlternateContent xmlns:mc="http://schemas.openxmlformats.org/markup-compatibility/2006">
+    <mc:Choice xmlns:p14="http://schemas.microsoft.com/office/powerpoint/2010/main" Requires="p14">
+      <p:transition p14:dur="2000" advClick="1"/>
+    </mc:Choice>
+    <mc:Fallback>
+      <p:transition advClick="1"/>
+    </mc:Fallback>
+  </mc:AlternateContent>
 </p:sld>
 </file>
 
 <file path=ppt/slides/slide17.xml><?xml version="1.0" encoding="utf-8"?>
-<p:sld xmlns:a="http://schemas.openxmlformats.org/drawingml/2006/main" xmlns:r="http://schemas.openxmlformats.org/officeDocument/2006/relationships" xmlns:p="http://schemas.openxmlformats.org/presentationml/2006/main">
-  <p:cSld>
+<p:sld xmlns:a="http://schemas.openxmlformats.org/drawingml/2006/main" xmlns:r="http://schemas.openxmlformats.org/officeDocument/2006/relationships" xmlns:p="http://schemas.openxmlformats.org/presentationml/2006/main" xmlns:m="http://schemas.openxmlformats.org/officeDocument/2006/math" xmlns:w="http://schemas.openxmlformats.org/wordprocessingml/2006/main" showMasterPhAnim="0" show="1">
+  <p:cSld name="">
     <p:spTree>
       <p:nvGrpSpPr>
         <p:cNvPr id="1" name=""/>
         <p:cNvGrpSpPr/>
         <p:nvPr/>
       </p:nvGrpSpPr>
-      <p:grpSpPr>
+      <p:grpSpPr bwMode="auto">
         <a:xfrm>
           <a:off x="0" y="0"/>
           <a:ext cx="0" cy="0"/>
@@ -3705,34 +4060,34 @@
             <p:ph type="title"/>
           </p:nvPr>
         </p:nvSpPr>
-        <p:spPr/>
-        <p:txBody>
-          <a:bodyPr/>
-          <a:lstStyle/>
-          <a:p>
-            <a:pPr lvl="0" indent="0" marL="0">
-              <a:buNone/>
+        <p:spPr bwMode="auto"/>
+        <p:txBody>
+          <a:bodyPr/>
+          <a:lstStyle/>
+          <a:p>
+            <a:pPr marL="0" lvl="0" indent="0">
+              <a:buNone/>
+              <a:defRPr/>
             </a:pPr>
             <a:r>
               <a:rPr/>
               <a:t>Acquired basic Knowledge on UCCOSIS usage</a:t>
             </a:r>
+            <a:endParaRPr/>
           </a:p>
         </p:txBody>
       </p:sp>
       <p:pic>
         <p:nvPicPr>
-          <p:cNvPr descr="data_report_files/figure-pptx/unnamed-chunk-3-1.png" id="0" name="Picture 1"/>
+          <p:cNvPr id="0" name="Picture 1" descr="data_report_files/figure-pptx/unnamed-chunk-3-1.png"/>
           <p:cNvPicPr>
-            <a:picLocks noGrp="1" noChangeAspect="1"/>
+            <a:picLocks noChangeAspect="1" noGrp="1"/>
           </p:cNvPicPr>
           <p:nvPr/>
         </p:nvPicPr>
         <p:blipFill>
           <a:blip r:embed="rId2"/>
-          <a:stretch>
-            <a:fillRect/>
-          </a:stretch>
+          <a:stretch/>
         </p:blipFill>
         <p:spPr bwMode="auto">
           <a:xfrm>
@@ -3752,19 +4107,30 @@
       </p:pic>
     </p:spTree>
   </p:cSld>
+  <p:clrMapOvr>
+    <a:masterClrMapping/>
+  </p:clrMapOvr>
+  <mc:AlternateContent xmlns:mc="http://schemas.openxmlformats.org/markup-compatibility/2006">
+    <mc:Choice xmlns:p14="http://schemas.microsoft.com/office/powerpoint/2010/main" Requires="p14">
+      <p:transition p14:dur="2000" advClick="1"/>
+    </mc:Choice>
+    <mc:Fallback>
+      <p:transition advClick="1"/>
+    </mc:Fallback>
+  </mc:AlternateContent>
 </p:sld>
 </file>
 
 <file path=ppt/slides/slide18.xml><?xml version="1.0" encoding="utf-8"?>
-<p:sld xmlns:a="http://schemas.openxmlformats.org/drawingml/2006/main" xmlns:r="http://schemas.openxmlformats.org/officeDocument/2006/relationships" xmlns:p="http://schemas.openxmlformats.org/presentationml/2006/main">
-  <p:cSld>
+<p:sld xmlns:a="http://schemas.openxmlformats.org/drawingml/2006/main" xmlns:r="http://schemas.openxmlformats.org/officeDocument/2006/relationships" xmlns:p="http://schemas.openxmlformats.org/presentationml/2006/main" xmlns:m="http://schemas.openxmlformats.org/officeDocument/2006/math" xmlns:w="http://schemas.openxmlformats.org/wordprocessingml/2006/main" showMasterPhAnim="0" show="1">
+  <p:cSld name="">
     <p:spTree>
       <p:nvGrpSpPr>
         <p:cNvPr id="1" name=""/>
         <p:cNvGrpSpPr/>
         <p:nvPr/>
       </p:nvGrpSpPr>
-      <p:grpSpPr>
+      <p:grpSpPr bwMode="auto">
         <a:xfrm>
           <a:off x="0" y="0"/>
           <a:ext cx="0" cy="0"/>
@@ -3782,34 +4148,34 @@
             <p:ph type="title"/>
           </p:nvPr>
         </p:nvSpPr>
-        <p:spPr/>
-        <p:txBody>
-          <a:bodyPr/>
-          <a:lstStyle/>
-          <a:p>
-            <a:pPr lvl="0" indent="0" marL="0">
-              <a:buNone/>
+        <p:spPr bwMode="auto"/>
+        <p:txBody>
+          <a:bodyPr/>
+          <a:lstStyle/>
+          <a:p>
+            <a:pPr marL="0" lvl="0" indent="0">
+              <a:buNone/>
+              <a:defRPr/>
             </a:pPr>
             <a:r>
               <a:rPr/>
-              <a:t>Comparison</a:t>
-            </a:r>
+              <a:t>Comparison: I have acquired the basic knowledge necessary to use the UCCOSIS</a:t>
+            </a:r>
+            <a:endParaRPr/>
           </a:p>
         </p:txBody>
       </p:sp>
       <p:pic>
         <p:nvPicPr>
-          <p:cNvPr descr="data_report_files/figure-pptx/unnamed-chunk-4-1.png" id="0" name="Picture 1"/>
+          <p:cNvPr id="0" name="Picture 1" descr="data_report_files/figure-pptx/unnamed-chunk-4-1.png"/>
           <p:cNvPicPr>
-            <a:picLocks noGrp="1" noChangeAspect="1"/>
+            <a:picLocks noChangeAspect="1" noGrp="1"/>
           </p:cNvPicPr>
           <p:nvPr/>
         </p:nvPicPr>
         <p:blipFill>
           <a:blip r:embed="rId2"/>
-          <a:stretch>
-            <a:fillRect/>
-          </a:stretch>
+          <a:stretch/>
         </p:blipFill>
         <p:spPr bwMode="auto">
           <a:xfrm>
@@ -3829,19 +4195,30 @@
       </p:pic>
     </p:spTree>
   </p:cSld>
+  <p:clrMapOvr>
+    <a:masterClrMapping/>
+  </p:clrMapOvr>
+  <mc:AlternateContent xmlns:mc="http://schemas.openxmlformats.org/markup-compatibility/2006">
+    <mc:Choice xmlns:p14="http://schemas.microsoft.com/office/powerpoint/2010/main" Requires="p14">
+      <p:transition p14:dur="2000" advClick="1"/>
+    </mc:Choice>
+    <mc:Fallback>
+      <p:transition advClick="1"/>
+    </mc:Fallback>
+  </mc:AlternateContent>
 </p:sld>
 </file>
 
-<file path=ppt/slides/slide2.xml><?xml version="1.0" encoding="utf-8"?>
-<p:sld xmlns:a="http://schemas.openxmlformats.org/drawingml/2006/main" xmlns:r="http://schemas.openxmlformats.org/officeDocument/2006/relationships" xmlns:p="http://schemas.openxmlformats.org/presentationml/2006/main">
-  <p:cSld>
+<file path=ppt/slides/slide19.xml><?xml version="1.0" encoding="utf-8"?>
+<p:sld xmlns:a="http://schemas.openxmlformats.org/drawingml/2006/main" xmlns:r="http://schemas.openxmlformats.org/officeDocument/2006/relationships" xmlns:p="http://schemas.openxmlformats.org/presentationml/2006/main" xmlns:m="http://schemas.openxmlformats.org/officeDocument/2006/math" xmlns:w="http://schemas.openxmlformats.org/wordprocessingml/2006/main" showMasterPhAnim="0" show="1">
+  <p:cSld name="">
     <p:spTree>
       <p:nvGrpSpPr>
         <p:cNvPr id="1" name=""/>
         <p:cNvGrpSpPr/>
         <p:nvPr/>
       </p:nvGrpSpPr>
-      <p:grpSpPr>
+      <p:grpSpPr bwMode="auto">
         <a:xfrm>
           <a:off x="0" y="0"/>
           <a:ext cx="0" cy="0"/>
@@ -3859,196 +4236,54 @@
             <p:ph type="title"/>
           </p:nvPr>
         </p:nvSpPr>
-        <p:spPr/>
-        <p:txBody>
-          <a:bodyPr/>
-          <a:lstStyle/>
-          <a:p>
-            <a:pPr lvl="0" indent="0" marL="0">
-              <a:buNone/>
+        <p:spPr bwMode="auto">
+          <a:xfrm>
+            <a:off x="457200" y="1942181"/>
+            <a:ext cx="8229600" cy="857250"/>
+          </a:xfrm>
+        </p:spPr>
+        <p:txBody>
+          <a:bodyPr/>
+          <a:lstStyle/>
+          <a:p>
+            <a:pPr marL="0" lvl="0" indent="0">
+              <a:buNone/>
+              <a:defRPr/>
             </a:pPr>
             <a:r>
               <a:rPr/>
-              <a:t>Table of Contents</a:t>
-            </a:r>
-          </a:p>
-        </p:txBody>
-      </p:sp>
-      <p:sp>
-        <p:nvSpPr>
-          <p:cNvPr id="3" name="Content Placeholder 2"/>
-          <p:cNvSpPr>
-            <a:spLocks noGrp="1"/>
-          </p:cNvSpPr>
-          <p:nvPr>
-            <p:ph idx="1"/>
-          </p:nvPr>
-        </p:nvSpPr>
-        <p:spPr/>
-        <p:txBody>
-          <a:bodyPr/>
-          <a:lstStyle/>
-          <a:p>
-            <a:pPr lvl="0"/>
-            <a:r>
-              <a:rPr>
-                <a:hlinkClick r:id="rId2" action="ppaction://hlinksldjump"/>
-              </a:rPr>
-              <a:t>Have you attended any training of this sort before? Vs The training session was useful to my work</a:t>
-            </a:r>
-          </a:p>
-          <a:p>
-            <a:pPr lvl="0"/>
-            <a:r>
-              <a:rPr>
-                <a:hlinkClick r:id="rId3" action="ppaction://hlinksldjump"/>
-              </a:rPr>
-              <a:t>The training session was useful to my work</a:t>
-            </a:r>
-          </a:p>
-          <a:p>
-            <a:pPr lvl="0"/>
-            <a:r>
-              <a:rPr>
-                <a:hlinkClick r:id="rId4" action="ppaction://hlinksldjump"/>
-              </a:rPr>
-              <a:t>The training session was useful to my work</a:t>
-            </a:r>
-          </a:p>
-          <a:p>
-            <a:pPr lvl="0"/>
-            <a:r>
-              <a:rPr>
-                <a:hlinkClick r:id="rId5" action="ppaction://hlinksldjump"/>
-              </a:rPr>
-              <a:t>Conversely</a:t>
-            </a:r>
-          </a:p>
-          <a:p>
-            <a:pPr lvl="0"/>
-            <a:r>
-              <a:rPr>
-                <a:hlinkClick r:id="rId6" action="ppaction://hlinksldjump"/>
-              </a:rPr>
-              <a:t>The training will impact positively on my work</a:t>
-            </a:r>
-          </a:p>
-          <a:p>
-            <a:pPr lvl="0"/>
-            <a:r>
-              <a:rPr>
-                <a:hlinkClick r:id="rId7" action="ppaction://hlinksldjump"/>
-              </a:rPr>
-              <a:t>Positive Impact On Work</a:t>
-            </a:r>
-          </a:p>
-          <a:p>
-            <a:pPr lvl="0"/>
-            <a:r>
-              <a:rPr>
-                <a:hlinkClick r:id="rId8" action="ppaction://hlinksldjump"/>
-              </a:rPr>
-              <a:t>Positive Impact On Work</a:t>
-            </a:r>
-          </a:p>
-          <a:p>
-            <a:pPr lvl="0"/>
-            <a:r>
-              <a:rPr>
-                <a:hlinkClick r:id="rId9" action="ppaction://hlinksldjump"/>
-              </a:rPr>
-              <a:t>Comparison</a:t>
-            </a:r>
-          </a:p>
-          <a:p>
-            <a:pPr lvl="0"/>
-            <a:r>
-              <a:rPr>
-                <a:hlinkClick r:id="rId10" action="ppaction://hlinksldjump"/>
-              </a:rPr>
-              <a:t>Question: I need such training regularly</a:t>
-            </a:r>
-          </a:p>
-          <a:p>
-            <a:pPr lvl="0"/>
-            <a:r>
-              <a:rPr>
-                <a:hlinkClick r:id="rId11" action="ppaction://hlinksldjump"/>
-              </a:rPr>
-              <a:t>The need for such training regularly</a:t>
-            </a:r>
-          </a:p>
-          <a:p>
-            <a:pPr lvl="0"/>
-            <a:r>
-              <a:rPr>
-                <a:hlinkClick r:id="rId12" action="ppaction://hlinksldjump"/>
-              </a:rPr>
-              <a:t>The need for such training regularly</a:t>
-            </a:r>
-          </a:p>
-          <a:p>
-            <a:pPr lvl="0"/>
-            <a:r>
-              <a:rPr>
-                <a:hlinkClick r:id="rId13" action="ppaction://hlinksldjump"/>
-              </a:rPr>
-              <a:t>Comaparison</a:t>
-            </a:r>
-          </a:p>
-          <a:p>
-            <a:pPr lvl="0"/>
-            <a:r>
-              <a:rPr>
-                <a:hlinkClick r:id="rId14" action="ppaction://hlinksldjump"/>
-              </a:rPr>
-              <a:t>Question : I have acquired the basic knowledge necessary to use the UCCOSIS</a:t>
-            </a:r>
-          </a:p>
-          <a:p>
-            <a:pPr lvl="0"/>
-            <a:r>
-              <a:rPr>
-                <a:hlinkClick r:id="rId15" action="ppaction://hlinksldjump"/>
-              </a:rPr>
-              <a:t>Acquired basic Knowledge on UCCOSIS usage</a:t>
-            </a:r>
-          </a:p>
-          <a:p>
-            <a:pPr lvl="0"/>
-            <a:r>
-              <a:rPr>
-                <a:hlinkClick r:id="rId16" action="ppaction://hlinksldjump"/>
-              </a:rPr>
-              <a:t>Acquired basic Knowledge on UCCOSIS usage</a:t>
-            </a:r>
-          </a:p>
-          <a:p>
-            <a:pPr lvl="0"/>
-            <a:r>
-              <a:rPr>
-                <a:hlinkClick r:id="rId17" action="ppaction://hlinksldjump"/>
-              </a:rPr>
-              <a:t>Comparison</a:t>
-            </a:r>
+              <a:t>Question: I need a user manual for the UCCOSIS</a:t>
+            </a:r>
+            <a:endParaRPr/>
           </a:p>
         </p:txBody>
       </p:sp>
     </p:spTree>
   </p:cSld>
+  <p:clrMapOvr>
+    <a:masterClrMapping/>
+  </p:clrMapOvr>
+  <mc:AlternateContent xmlns:mc="http://schemas.openxmlformats.org/markup-compatibility/2006">
+    <mc:Choice xmlns:p14="http://schemas.microsoft.com/office/powerpoint/2010/main" Requires="p14">
+      <p:transition p14:dur="2000" advClick="1"/>
+    </mc:Choice>
+    <mc:Fallback>
+      <p:transition advClick="1"/>
+    </mc:Fallback>
+  </mc:AlternateContent>
 </p:sld>
 </file>
 
-<file path=ppt/slides/slide3.xml><?xml version="1.0" encoding="utf-8"?>
-<p:sld xmlns:a="http://schemas.openxmlformats.org/drawingml/2006/main" xmlns:r="http://schemas.openxmlformats.org/officeDocument/2006/relationships" xmlns:p="http://schemas.openxmlformats.org/presentationml/2006/main">
-  <p:cSld>
+<file path=ppt/slides/slide2.xml><?xml version="1.0" encoding="utf-8"?>
+<p:sld xmlns:a="http://schemas.openxmlformats.org/drawingml/2006/main" xmlns:r="http://schemas.openxmlformats.org/officeDocument/2006/relationships" xmlns:p="http://schemas.openxmlformats.org/presentationml/2006/main" xmlns:m="http://schemas.openxmlformats.org/officeDocument/2006/math" xmlns:w="http://schemas.openxmlformats.org/wordprocessingml/2006/main" showMasterPhAnim="0" show="1">
+  <p:cSld name="">
     <p:spTree>
       <p:nvGrpSpPr>
         <p:cNvPr id="1" name=""/>
         <p:cNvGrpSpPr/>
         <p:nvPr/>
       </p:nvGrpSpPr>
-      <p:grpSpPr>
+      <p:grpSpPr bwMode="auto">
         <a:xfrm>
           <a:off x="0" y="0"/>
           <a:ext cx="0" cy="0"/>
@@ -4066,36 +4301,444 @@
             <p:ph type="title"/>
           </p:nvPr>
         </p:nvSpPr>
-        <p:spPr/>
-        <p:txBody>
-          <a:bodyPr/>
-          <a:lstStyle/>
-          <a:p>
-            <a:pPr lvl="0" indent="0" marL="0">
-              <a:buNone/>
+        <p:spPr bwMode="auto"/>
+        <p:txBody>
+          <a:bodyPr/>
+          <a:lstStyle/>
+          <a:p>
+            <a:pPr marL="0" lvl="0" indent="0">
+              <a:buNone/>
+              <a:defRPr/>
             </a:pPr>
             <a:r>
               <a:rPr/>
-              <a:t>Have you attended any training of this sort before? Vs The training session was useful to my work</a:t>
-            </a:r>
+              <a:t>Table of Contents</a:t>
+            </a:r>
+            <a:endParaRPr/>
+          </a:p>
+        </p:txBody>
+      </p:sp>
+      <p:sp>
+        <p:nvSpPr>
+          <p:cNvPr id="3" name="Content Placeholder 2"/>
+          <p:cNvSpPr>
+            <a:spLocks noGrp="1"/>
+          </p:cNvSpPr>
+          <p:nvPr>
+            <p:ph idx="1"/>
+          </p:nvPr>
+        </p:nvSpPr>
+        <p:spPr bwMode="auto">
+          <a:xfrm flipH="0" flipV="0">
+            <a:off x="457200" y="952499"/>
+            <a:ext cx="8229600" cy="3834113"/>
+          </a:xfrm>
+        </p:spPr>
+        <p:txBody>
+          <a:bodyPr vertOverflow="overflow" horzOverflow="overflow" vert="horz" wrap="square" lIns="91440" tIns="45720" rIns="91440" bIns="45720" numCol="1" spcCol="0" rtlCol="0" fromWordArt="0" anchor="t" anchorCtr="0" forceAA="0" upright="0" compatLnSpc="0">
+            <a:normAutofit fontScale="35000" lnSpcReduction="13000"/>
+          </a:bodyPr>
+          <a:lstStyle/>
+          <a:p>
+            <a:pPr lvl="0">
+              <a:defRPr/>
+            </a:pPr>
+            <a:r>
+              <a:rPr u="sng">
+                <a:hlinkClick r:id="rId2" action="ppaction://hlinksldjump" tooltip="ppaction://hlinksldjumpslide2"/>
+              </a:rPr>
+              <a:t>Question: The training session was useful to my work</a:t>
+            </a:r>
+            <a:endParaRPr/>
+          </a:p>
+          <a:p>
+            <a:pPr lvl="0">
+              <a:defRPr/>
+            </a:pPr>
+            <a:r>
+              <a:rPr u="sng">
+                <a:hlinkClick r:id="rId3" action="ppaction://hlinksldjump" tooltip="ppaction://hlinksldjumpslide3"/>
+              </a:rPr>
+              <a:t>The training session was useful to my work</a:t>
+            </a:r>
+            <a:endParaRPr/>
+          </a:p>
+          <a:p>
+            <a:pPr lvl="0">
+              <a:defRPr/>
+            </a:pPr>
+            <a:r>
+              <a:rPr u="sng">
+                <a:hlinkClick r:id="rId4" action="ppaction://hlinksldjump" tooltip="ppaction://hlinksldjumpslide4"/>
+              </a:rPr>
+              <a:t>The training session was useful to my work</a:t>
+            </a:r>
+            <a:endParaRPr/>
+          </a:p>
+          <a:p>
+            <a:pPr lvl="0">
+              <a:defRPr/>
+            </a:pPr>
+            <a:r>
+              <a:rPr u="sng">
+                <a:hlinkClick r:id="rId5" action="ppaction://hlinksldjump" tooltip="ppaction://hlinksldjumpslide5"/>
+              </a:rPr>
+              <a:t>Comparison: The training session was useful to my work</a:t>
+            </a:r>
+            <a:endParaRPr/>
+          </a:p>
+          <a:p>
+            <a:pPr lvl="0">
+              <a:defRPr/>
+            </a:pPr>
+            <a:r>
+              <a:rPr u="sng">
+                <a:hlinkClick r:id="rId6" action="ppaction://hlinksldjump" tooltip="ppaction://hlinksldjumpslide6"/>
+              </a:rPr>
+              <a:t>Question: The training will impact positively on my work</a:t>
+            </a:r>
+            <a:endParaRPr/>
+          </a:p>
+          <a:p>
+            <a:pPr lvl="0">
+              <a:defRPr/>
+            </a:pPr>
+            <a:r>
+              <a:rPr u="sng">
+                <a:hlinkClick r:id="rId7" action="ppaction://hlinksldjump" tooltip="ppaction://hlinksldjumpslide7"/>
+              </a:rPr>
+              <a:t>Positive Impact On Work</a:t>
+            </a:r>
+            <a:endParaRPr/>
+          </a:p>
+          <a:p>
+            <a:pPr lvl="0">
+              <a:defRPr/>
+            </a:pPr>
+            <a:r>
+              <a:rPr u="sng">
+                <a:hlinkClick r:id="rId8" action="ppaction://hlinksldjump" tooltip="ppaction://hlinksldjumpslide8"/>
+              </a:rPr>
+              <a:t>Positive Impact On Work</a:t>
+            </a:r>
+            <a:endParaRPr/>
+          </a:p>
+          <a:p>
+            <a:pPr lvl="0">
+              <a:defRPr/>
+            </a:pPr>
+            <a:r>
+              <a:rPr u="sng">
+                <a:hlinkClick r:id="rId9" action="ppaction://hlinksldjump" tooltip="ppaction://hlinksldjumpslide9"/>
+              </a:rPr>
+              <a:t>Comparison: The training will impact positively on my work</a:t>
+            </a:r>
+            <a:endParaRPr/>
+          </a:p>
+          <a:p>
+            <a:pPr lvl="0">
+              <a:defRPr/>
+            </a:pPr>
+            <a:r>
+              <a:rPr u="sng">
+                <a:hlinkClick r:id="rId10" action="ppaction://hlinksldjump" tooltip="ppaction://hlinksldjumpslide10"/>
+              </a:rPr>
+              <a:t>Question: I need such training regularly</a:t>
+            </a:r>
+            <a:endParaRPr/>
+          </a:p>
+          <a:p>
+            <a:pPr lvl="0">
+              <a:defRPr/>
+            </a:pPr>
+            <a:r>
+              <a:rPr u="sng">
+                <a:hlinkClick r:id="rId11" action="ppaction://hlinksldjump" tooltip="ppaction://hlinksldjumpslide11"/>
+              </a:rPr>
+              <a:t>The need for such training regularly</a:t>
+            </a:r>
+            <a:endParaRPr/>
+          </a:p>
+          <a:p>
+            <a:pPr lvl="0">
+              <a:defRPr/>
+            </a:pPr>
+            <a:r>
+              <a:rPr u="sng">
+                <a:hlinkClick r:id="rId12" action="ppaction://hlinksldjump" tooltip="ppaction://hlinksldjumpslide12"/>
+              </a:rPr>
+              <a:t>The need for such training regularly</a:t>
+            </a:r>
+            <a:endParaRPr/>
+          </a:p>
+          <a:p>
+            <a:pPr lvl="0">
+              <a:defRPr/>
+            </a:pPr>
+            <a:r>
+              <a:rPr u="sng">
+                <a:hlinkClick r:id="rId13" action="ppaction://hlinksldjump" tooltip="ppaction://hlinksldjumpslide13"/>
+              </a:rPr>
+              <a:t>Comaparison: I need such training regularly</a:t>
+            </a:r>
+            <a:endParaRPr/>
+          </a:p>
+          <a:p>
+            <a:pPr lvl="0">
+              <a:defRPr/>
+            </a:pPr>
+            <a:r>
+              <a:rPr u="sng">
+                <a:hlinkClick r:id="rId14" action="ppaction://hlinksldjump" tooltip="ppaction://hlinksldjumpslide14"/>
+              </a:rPr>
+              <a:t>Question : I have acquired the basic knowledge necessary to use the UCCOSIS</a:t>
+            </a:r>
+            <a:endParaRPr/>
+          </a:p>
+          <a:p>
+            <a:pPr lvl="0">
+              <a:defRPr/>
+            </a:pPr>
+            <a:r>
+              <a:rPr u="sng">
+                <a:hlinkClick r:id="rId15" action="ppaction://hlinksldjump" tooltip="ppaction://hlinksldjumpslide15"/>
+              </a:rPr>
+              <a:t>Acquired basic Knowledge on UCCOSIS usage</a:t>
+            </a:r>
+            <a:endParaRPr/>
+          </a:p>
+          <a:p>
+            <a:pPr lvl="0">
+              <a:defRPr/>
+            </a:pPr>
+            <a:r>
+              <a:rPr u="sng">
+                <a:hlinkClick r:id="rId16" action="ppaction://hlinksldjump" tooltip="ppaction://hlinksldjumpslide16"/>
+              </a:rPr>
+              <a:t>Acquired basic Knowledge on UCCOSIS usage</a:t>
+            </a:r>
+            <a:endParaRPr/>
+          </a:p>
+          <a:p>
+            <a:pPr lvl="0">
+              <a:defRPr/>
+            </a:pPr>
+            <a:r>
+              <a:rPr u="sng">
+                <a:hlinkClick r:id="rId17" action="ppaction://hlinksldjump" tooltip="ppaction://hlinksldjumpslide17"/>
+              </a:rPr>
+              <a:t>Comparison: I have acquired the basic knowledge necessary to use the UCCOSIS</a:t>
+            </a:r>
+            <a:endParaRPr/>
+          </a:p>
+          <a:p>
+            <a:pPr lvl="0">
+              <a:defRPr/>
+            </a:pPr>
+            <a:r>
+              <a:rPr u="sng">
+                <a:hlinkClick r:id="rId18" action="ppaction://hlinksldjump" tooltip="ppaction://hlinksldjumpslide18"/>
+              </a:rPr>
+              <a:t>Question: I need a user manual for the UCCOSIS</a:t>
+            </a:r>
+            <a:endParaRPr/>
+          </a:p>
+          <a:p>
+            <a:pPr lvl="0">
+              <a:defRPr/>
+            </a:pPr>
+            <a:r>
+              <a:rPr u="sng">
+                <a:hlinkClick r:id="rId19" action="ppaction://hlinksldjump" tooltip="ppaction://hlinksldjumpslide19"/>
+              </a:rPr>
+              <a:t>The Need For A User Manual</a:t>
+            </a:r>
+            <a:endParaRPr/>
+          </a:p>
+          <a:p>
+            <a:pPr lvl="0">
+              <a:defRPr/>
+            </a:pPr>
+            <a:r>
+              <a:rPr u="sng">
+                <a:hlinkClick r:id="rId20" action="ppaction://hlinksldjump" tooltip="ppaction://hlinksldjumpslide20"/>
+              </a:rPr>
+              <a:t>The Need For A User Manual</a:t>
+            </a:r>
+            <a:endParaRPr/>
+          </a:p>
+          <a:p>
+            <a:pPr lvl="0">
+              <a:defRPr/>
+            </a:pPr>
+            <a:r>
+              <a:rPr u="sng">
+                <a:hlinkClick r:id="rId21" action="ppaction://hlinksldjump" tooltip="ppaction://hlinksldjumpslide21"/>
+              </a:rPr>
+              <a:t>Comparison: I need a user manual for the UCCOSIS</a:t>
+            </a:r>
+            <a:endParaRPr/>
+          </a:p>
+          <a:p>
+            <a:pPr lvl="0">
+              <a:defRPr/>
+            </a:pPr>
+            <a:r>
+              <a:rPr u="sng">
+                <a:hlinkClick r:id="rId22" action="ppaction://hlinksldjump" tooltip="ppaction://hlinksldjumpslide22"/>
+              </a:rPr>
+              <a:t>Respondents on acquiring knowledge and capability of making data entries after training</a:t>
+            </a:r>
+            <a:endParaRPr/>
+          </a:p>
+          <a:p>
+            <a:pPr lvl="0">
+              <a:defRPr/>
+            </a:pPr>
+            <a:r>
+              <a:rPr u="sng">
+                <a:hlinkClick r:id="rId23" action="ppaction://hlinksldjump" tooltip="ppaction://hlinksldjumpslide23"/>
+              </a:rPr>
+              <a:t>I have acquired the basic knowledge on UCCOSIS usuage &amp; I can make data entry using the UCCOSIS software</a:t>
+            </a:r>
+            <a:endParaRPr/>
+          </a:p>
+          <a:p>
+            <a:pPr lvl="0">
+              <a:defRPr/>
+            </a:pPr>
+            <a:r>
+              <a:rPr u="sng">
+                <a:hlinkClick r:id="rId24" action="ppaction://hlinksldjump" tooltip="ppaction://hlinksldjumpslide24"/>
+              </a:rPr>
+              <a:t>Organisational Analysis And Other Relevant Questions</a:t>
+            </a:r>
+            <a:endParaRPr/>
+          </a:p>
+          <a:p>
+            <a:pPr lvl="0">
+              <a:defRPr/>
+            </a:pPr>
+            <a:r>
+              <a:rPr u="sng">
+                <a:hlinkClick r:id="rId25" action="ppaction://hlinksldjump" tooltip="ppaction://hlinksldjumpslide25"/>
+              </a:rPr>
+              <a:t>Was the venue suitable</a:t>
+            </a:r>
+            <a:endParaRPr/>
+          </a:p>
+          <a:p>
+            <a:pPr lvl="0">
+              <a:defRPr/>
+            </a:pPr>
+            <a:r>
+              <a:rPr u="sng">
+                <a:hlinkClick r:id="rId26" action="ppaction://hlinksldjump" tooltip="ppaction://hlinksldjumpslide26"/>
+              </a:rPr>
+              <a:t>Presentations</a:t>
+            </a:r>
+            <a:endParaRPr/>
+          </a:p>
+          <a:p>
+            <a:pPr lvl="0">
+              <a:defRPr/>
+            </a:pPr>
+            <a:r>
+              <a:rPr u="sng">
+                <a:hlinkClick r:id="rId27" action="ppaction://hlinksldjump" tooltip="ppaction://hlinksldjumpslide27"/>
+              </a:rPr>
+              <a:t>Presenation 1</a:t>
+            </a:r>
+            <a:endParaRPr/>
+          </a:p>
+          <a:p>
+            <a:pPr lvl="0">
+              <a:defRPr/>
+            </a:pPr>
+            <a:r>
+              <a:rPr u="sng">
+                <a:hlinkClick r:id="rId28" action="ppaction://hlinksldjump" tooltip="ppaction://hlinksldjumpslide28"/>
+              </a:rPr>
+              <a:t>Presentation 2</a:t>
+            </a:r>
+            <a:endParaRPr/>
+          </a:p>
+          <a:p>
+            <a:pPr lvl="0">
+              <a:defRPr/>
+            </a:pPr>
+            <a:r>
+              <a:rPr u="sng">
+                <a:hlinkClick r:id="rId29" action="ppaction://hlinksldjump" tooltip="ppaction://hlinksldjumpslide29"/>
+              </a:rPr>
+              <a:t>Presentation 3</a:t>
+            </a:r>
+            <a:endParaRPr/>
+          </a:p>
+          <a:p>
+            <a:pPr lvl="0">
+              <a:defRPr/>
+            </a:pPr>
+            <a:r>
+              <a:rPr u="sng">
+                <a:hlinkClick r:id="rId30" action="ppaction://hlinksldjump" tooltip="ppaction://hlinksldjumpslide30"/>
+              </a:rPr>
+              <a:t>Presentation 4</a:t>
+            </a:r>
+            <a:endParaRPr/>
+          </a:p>
+          <a:p>
+            <a:pPr lvl="0">
+              <a:defRPr/>
+            </a:pPr>
+            <a:r>
+              <a:rPr u="sng">
+                <a:hlinkClick r:id="rId31" action="ppaction://hlinksldjump" tooltip="ppaction://hlinksldjumpslide31"/>
+              </a:rPr>
+              <a:t>Overall, how satisfied were you with the presentation/training?</a:t>
+            </a:r>
+            <a:endParaRPr/>
+          </a:p>
+          <a:p>
+            <a:pPr lvl="0">
+              <a:defRPr/>
+            </a:pPr>
+            <a:r>
+              <a:rPr u="sng">
+                <a:hlinkClick r:id="rId32" action="ppaction://hlinksldjump" tooltip="ppaction://hlinksldjumpslide32"/>
+              </a:rPr>
+              <a:t>THANK YOU!!</a:t>
+            </a:r>
+            <a:endParaRPr/>
           </a:p>
         </p:txBody>
       </p:sp>
     </p:spTree>
   </p:cSld>
+  <p:clrMapOvr>
+    <a:masterClrMapping/>
+  </p:clrMapOvr>
+  <mc:AlternateContent xmlns:mc="http://schemas.openxmlformats.org/markup-compatibility/2006">
+    <mc:Choice xmlns:p14="http://schemas.microsoft.com/office/powerpoint/2010/main" Requires="p14">
+      <p:transition p14:dur="2000" advClick="1"/>
+    </mc:Choice>
+    <mc:Fallback>
+      <p:transition advClick="1"/>
+    </mc:Fallback>
+  </mc:AlternateContent>
 </p:sld>
 </file>
 
-<file path=ppt/slides/slide4.xml><?xml version="1.0" encoding="utf-8"?>
-<p:sld xmlns:a="http://schemas.openxmlformats.org/drawingml/2006/main" xmlns:r="http://schemas.openxmlformats.org/officeDocument/2006/relationships" xmlns:p="http://schemas.openxmlformats.org/presentationml/2006/main">
-  <p:cSld>
+<file path=ppt/slides/slide20.xml><?xml version="1.0" encoding="utf-8"?>
+<p:sld xmlns:a="http://schemas.openxmlformats.org/drawingml/2006/main" xmlns:r="http://schemas.openxmlformats.org/officeDocument/2006/relationships" xmlns:p="http://schemas.openxmlformats.org/presentationml/2006/main" xmlns:m="http://schemas.openxmlformats.org/officeDocument/2006/math" xmlns:w="http://schemas.openxmlformats.org/wordprocessingml/2006/main" showMasterPhAnim="0" show="1">
+  <p:cSld name="">
     <p:spTree>
       <p:nvGrpSpPr>
         <p:cNvPr id="1" name=""/>
         <p:cNvGrpSpPr/>
         <p:nvPr/>
       </p:nvGrpSpPr>
-      <p:grpSpPr>
+      <p:grpSpPr bwMode="auto">
         <a:xfrm>
           <a:off x="0" y="0"/>
           <a:ext cx="0" cy="0"/>
@@ -4113,34 +4756,34 @@
             <p:ph type="title"/>
           </p:nvPr>
         </p:nvSpPr>
-        <p:spPr/>
-        <p:txBody>
-          <a:bodyPr/>
-          <a:lstStyle/>
-          <a:p>
-            <a:pPr lvl="0" indent="0" marL="0">
-              <a:buNone/>
+        <p:spPr bwMode="auto"/>
+        <p:txBody>
+          <a:bodyPr/>
+          <a:lstStyle/>
+          <a:p>
+            <a:pPr marL="0" lvl="0" indent="0">
+              <a:buNone/>
+              <a:defRPr/>
             </a:pPr>
             <a:r>
               <a:rPr/>
-              <a:t>The training session was useful to my work</a:t>
-            </a:r>
+              <a:t>The Need For A User Manual</a:t>
+            </a:r>
+            <a:endParaRPr/>
           </a:p>
         </p:txBody>
       </p:sp>
       <p:pic>
         <p:nvPicPr>
-          <p:cNvPr descr="data_report_files/figure-pptx/cars-1.png" id="0" name="Picture 1"/>
+          <p:cNvPr id="0" name="Picture 1" descr="data_report_files/figure-pptx/unnamed-chunk-5-1.png"/>
           <p:cNvPicPr>
-            <a:picLocks noGrp="1" noChangeAspect="1"/>
+            <a:picLocks noChangeAspect="1" noGrp="1"/>
           </p:cNvPicPr>
           <p:nvPr/>
         </p:nvPicPr>
         <p:blipFill>
           <a:blip r:embed="rId2"/>
-          <a:stretch>
-            <a:fillRect/>
-          </a:stretch>
+          <a:stretch/>
         </p:blipFill>
         <p:spPr bwMode="auto">
           <a:xfrm>
@@ -4160,19 +4803,30 @@
       </p:pic>
     </p:spTree>
   </p:cSld>
+  <p:clrMapOvr>
+    <a:masterClrMapping/>
+  </p:clrMapOvr>
+  <mc:AlternateContent xmlns:mc="http://schemas.openxmlformats.org/markup-compatibility/2006">
+    <mc:Choice xmlns:p14="http://schemas.microsoft.com/office/powerpoint/2010/main" Requires="p14">
+      <p:transition p14:dur="2000" advClick="1"/>
+    </mc:Choice>
+    <mc:Fallback>
+      <p:transition advClick="1"/>
+    </mc:Fallback>
+  </mc:AlternateContent>
 </p:sld>
 </file>
 
-<file path=ppt/slides/slide5.xml><?xml version="1.0" encoding="utf-8"?>
-<p:sld xmlns:a="http://schemas.openxmlformats.org/drawingml/2006/main" xmlns:r="http://schemas.openxmlformats.org/officeDocument/2006/relationships" xmlns:p="http://schemas.openxmlformats.org/presentationml/2006/main">
-  <p:cSld>
+<file path=ppt/slides/slide21.xml><?xml version="1.0" encoding="utf-8"?>
+<p:sld xmlns:a="http://schemas.openxmlformats.org/drawingml/2006/main" xmlns:r="http://schemas.openxmlformats.org/officeDocument/2006/relationships" xmlns:p="http://schemas.openxmlformats.org/presentationml/2006/main" xmlns:m="http://schemas.openxmlformats.org/officeDocument/2006/math" xmlns:w="http://schemas.openxmlformats.org/wordprocessingml/2006/main" showMasterPhAnim="0" show="1">
+  <p:cSld name="">
     <p:spTree>
       <p:nvGrpSpPr>
         <p:cNvPr id="1" name=""/>
         <p:cNvGrpSpPr/>
         <p:nvPr/>
       </p:nvGrpSpPr>
-      <p:grpSpPr>
+      <p:grpSpPr bwMode="auto">
         <a:xfrm>
           <a:off x="0" y="0"/>
           <a:ext cx="0" cy="0"/>
@@ -4190,34 +4844,34 @@
             <p:ph type="title"/>
           </p:nvPr>
         </p:nvSpPr>
-        <p:spPr/>
-        <p:txBody>
-          <a:bodyPr/>
-          <a:lstStyle/>
-          <a:p>
-            <a:pPr lvl="0" indent="0" marL="0">
-              <a:buNone/>
+        <p:spPr bwMode="auto"/>
+        <p:txBody>
+          <a:bodyPr/>
+          <a:lstStyle/>
+          <a:p>
+            <a:pPr marL="0" lvl="0" indent="0">
+              <a:buNone/>
+              <a:defRPr/>
             </a:pPr>
             <a:r>
               <a:rPr/>
-              <a:t>The training session was useful to my work</a:t>
-            </a:r>
+              <a:t>The Need For A User Manual</a:t>
+            </a:r>
+            <a:endParaRPr/>
           </a:p>
         </p:txBody>
       </p:sp>
       <p:pic>
         <p:nvPicPr>
-          <p:cNvPr descr="data_report_files/figure-pptx/pressure-1.png" id="0" name="Picture 1"/>
+          <p:cNvPr id="0" name="Picture 1" descr="data_report_files/figure-pptx/unnamed-chunk-6-1.png"/>
           <p:cNvPicPr>
-            <a:picLocks noGrp="1" noChangeAspect="1"/>
+            <a:picLocks noChangeAspect="1" noGrp="1"/>
           </p:cNvPicPr>
           <p:nvPr/>
         </p:nvPicPr>
         <p:blipFill>
           <a:blip r:embed="rId2"/>
-          <a:stretch>
-            <a:fillRect/>
-          </a:stretch>
+          <a:stretch/>
         </p:blipFill>
         <p:spPr bwMode="auto">
           <a:xfrm>
@@ -4237,19 +4891,30 @@
       </p:pic>
     </p:spTree>
   </p:cSld>
+  <p:clrMapOvr>
+    <a:masterClrMapping/>
+  </p:clrMapOvr>
+  <mc:AlternateContent xmlns:mc="http://schemas.openxmlformats.org/markup-compatibility/2006">
+    <mc:Choice xmlns:p14="http://schemas.microsoft.com/office/powerpoint/2010/main" Requires="p14">
+      <p:transition p14:dur="2000" advClick="1"/>
+    </mc:Choice>
+    <mc:Fallback>
+      <p:transition advClick="1"/>
+    </mc:Fallback>
+  </mc:AlternateContent>
 </p:sld>
 </file>
 
-<file path=ppt/slides/slide6.xml><?xml version="1.0" encoding="utf-8"?>
-<p:sld xmlns:a="http://schemas.openxmlformats.org/drawingml/2006/main" xmlns:r="http://schemas.openxmlformats.org/officeDocument/2006/relationships" xmlns:p="http://schemas.openxmlformats.org/presentationml/2006/main">
-  <p:cSld>
+<file path=ppt/slides/slide22.xml><?xml version="1.0" encoding="utf-8"?>
+<p:sld xmlns:a="http://schemas.openxmlformats.org/drawingml/2006/main" xmlns:r="http://schemas.openxmlformats.org/officeDocument/2006/relationships" xmlns:p="http://schemas.openxmlformats.org/presentationml/2006/main" xmlns:m="http://schemas.openxmlformats.org/officeDocument/2006/math" xmlns:w="http://schemas.openxmlformats.org/wordprocessingml/2006/main" showMasterPhAnim="0" show="1">
+  <p:cSld name="">
     <p:spTree>
       <p:nvGrpSpPr>
         <p:cNvPr id="1" name=""/>
         <p:cNvGrpSpPr/>
         <p:nvPr/>
       </p:nvGrpSpPr>
-      <p:grpSpPr>
+      <p:grpSpPr bwMode="auto">
         <a:xfrm>
           <a:off x="0" y="0"/>
           <a:ext cx="0" cy="0"/>
@@ -4267,34 +4932,34 @@
             <p:ph type="title"/>
           </p:nvPr>
         </p:nvSpPr>
-        <p:spPr/>
-        <p:txBody>
-          <a:bodyPr/>
-          <a:lstStyle/>
-          <a:p>
-            <a:pPr lvl="0" indent="0" marL="0">
-              <a:buNone/>
+        <p:spPr bwMode="auto"/>
+        <p:txBody>
+          <a:bodyPr/>
+          <a:lstStyle/>
+          <a:p>
+            <a:pPr marL="0" lvl="0" indent="0">
+              <a:buNone/>
+              <a:defRPr/>
             </a:pPr>
             <a:r>
               <a:rPr/>
-              <a:t>Conversely</a:t>
-            </a:r>
+              <a:t>Comparison: I need a user manual for the UCCOSIS</a:t>
+            </a:r>
+            <a:endParaRPr/>
           </a:p>
         </p:txBody>
       </p:sp>
       <p:pic>
         <p:nvPicPr>
-          <p:cNvPr descr="data_report_files/figure-pptx/dream-1.png" id="0" name="Picture 1"/>
+          <p:cNvPr id="0" name="Picture 1" descr="data_report_files/figure-pptx/unnamed-chunk-7-1.png"/>
           <p:cNvPicPr>
-            <a:picLocks noGrp="1" noChangeAspect="1"/>
+            <a:picLocks noChangeAspect="1" noGrp="1"/>
           </p:cNvPicPr>
           <p:nvPr/>
         </p:nvPicPr>
         <p:blipFill>
           <a:blip r:embed="rId2"/>
-          <a:stretch>
-            <a:fillRect/>
-          </a:stretch>
+          <a:stretch/>
         </p:blipFill>
         <p:spPr bwMode="auto">
           <a:xfrm>
@@ -4314,19 +4979,30 @@
       </p:pic>
     </p:spTree>
   </p:cSld>
+  <p:clrMapOvr>
+    <a:masterClrMapping/>
+  </p:clrMapOvr>
+  <mc:AlternateContent xmlns:mc="http://schemas.openxmlformats.org/markup-compatibility/2006">
+    <mc:Choice xmlns:p14="http://schemas.microsoft.com/office/powerpoint/2010/main" Requires="p14">
+      <p:transition p14:dur="2000" advClick="1"/>
+    </mc:Choice>
+    <mc:Fallback>
+      <p:transition advClick="1"/>
+    </mc:Fallback>
+  </mc:AlternateContent>
 </p:sld>
 </file>
 
-<file path=ppt/slides/slide7.xml><?xml version="1.0" encoding="utf-8"?>
-<p:sld xmlns:a="http://schemas.openxmlformats.org/drawingml/2006/main" xmlns:r="http://schemas.openxmlformats.org/officeDocument/2006/relationships" xmlns:p="http://schemas.openxmlformats.org/presentationml/2006/main">
-  <p:cSld>
+<file path=ppt/slides/slide23.xml><?xml version="1.0" encoding="utf-8"?>
+<p:sld xmlns:a="http://schemas.openxmlformats.org/drawingml/2006/main" xmlns:r="http://schemas.openxmlformats.org/officeDocument/2006/relationships" xmlns:p="http://schemas.openxmlformats.org/presentationml/2006/main" xmlns:m="http://schemas.openxmlformats.org/officeDocument/2006/math" xmlns:w="http://schemas.openxmlformats.org/wordprocessingml/2006/main" showMasterPhAnim="0" show="1">
+  <p:cSld name="">
     <p:spTree>
       <p:nvGrpSpPr>
         <p:cNvPr id="1" name=""/>
         <p:cNvGrpSpPr/>
         <p:nvPr/>
       </p:nvGrpSpPr>
-      <p:grpSpPr>
+      <p:grpSpPr bwMode="auto">
         <a:xfrm>
           <a:off x="0" y="0"/>
           <a:ext cx="0" cy="0"/>
@@ -4344,36 +5020,54 @@
             <p:ph type="title"/>
           </p:nvPr>
         </p:nvSpPr>
-        <p:spPr/>
-        <p:txBody>
-          <a:bodyPr/>
-          <a:lstStyle/>
-          <a:p>
-            <a:pPr lvl="0" indent="0" marL="0">
-              <a:buNone/>
+        <p:spPr bwMode="auto">
+          <a:xfrm>
+            <a:off x="505427" y="1918067"/>
+            <a:ext cx="8229600" cy="857250"/>
+          </a:xfrm>
+        </p:spPr>
+        <p:txBody>
+          <a:bodyPr/>
+          <a:lstStyle/>
+          <a:p>
+            <a:pPr marL="0" lvl="0" indent="0">
+              <a:buNone/>
+              <a:defRPr/>
             </a:pPr>
             <a:r>
               <a:rPr/>
-              <a:t>The training will impact positively on my work</a:t>
-            </a:r>
+              <a:t>Respondents on acquiring knowledge and capability of making data entries after training</a:t>
+            </a:r>
+            <a:endParaRPr/>
           </a:p>
         </p:txBody>
       </p:sp>
     </p:spTree>
   </p:cSld>
+  <p:clrMapOvr>
+    <a:masterClrMapping/>
+  </p:clrMapOvr>
+  <mc:AlternateContent xmlns:mc="http://schemas.openxmlformats.org/markup-compatibility/2006">
+    <mc:Choice xmlns:p14="http://schemas.microsoft.com/office/powerpoint/2010/main" Requires="p14">
+      <p:transition p14:dur="2000" advClick="1"/>
+    </mc:Choice>
+    <mc:Fallback>
+      <p:transition advClick="1"/>
+    </mc:Fallback>
+  </mc:AlternateContent>
 </p:sld>
 </file>
 
-<file path=ppt/slides/slide8.xml><?xml version="1.0" encoding="utf-8"?>
-<p:sld xmlns:a="http://schemas.openxmlformats.org/drawingml/2006/main" xmlns:r="http://schemas.openxmlformats.org/officeDocument/2006/relationships" xmlns:p="http://schemas.openxmlformats.org/presentationml/2006/main">
-  <p:cSld>
+<file path=ppt/slides/slide24.xml><?xml version="1.0" encoding="utf-8"?>
+<p:sld xmlns:a="http://schemas.openxmlformats.org/drawingml/2006/main" xmlns:r="http://schemas.openxmlformats.org/officeDocument/2006/relationships" xmlns:p="http://schemas.openxmlformats.org/presentationml/2006/main" xmlns:m="http://schemas.openxmlformats.org/officeDocument/2006/math" xmlns:w="http://schemas.openxmlformats.org/wordprocessingml/2006/main" showMasterPhAnim="0" show="1">
+  <p:cSld name="">
     <p:spTree>
       <p:nvGrpSpPr>
         <p:cNvPr id="1" name=""/>
         <p:cNvGrpSpPr/>
         <p:nvPr/>
       </p:nvGrpSpPr>
-      <p:grpSpPr>
+      <p:grpSpPr bwMode="auto">
         <a:xfrm>
           <a:off x="0" y="0"/>
           <a:ext cx="0" cy="0"/>
@@ -4391,34 +5085,34 @@
             <p:ph type="title"/>
           </p:nvPr>
         </p:nvSpPr>
-        <p:spPr/>
-        <p:txBody>
-          <a:bodyPr/>
-          <a:lstStyle/>
-          <a:p>
-            <a:pPr lvl="0" indent="0" marL="0">
-              <a:buNone/>
+        <p:spPr bwMode="auto"/>
+        <p:txBody>
+          <a:bodyPr/>
+          <a:lstStyle/>
+          <a:p>
+            <a:pPr marL="0" lvl="0" indent="0">
+              <a:buNone/>
+              <a:defRPr/>
             </a:pPr>
             <a:r>
               <a:rPr/>
-              <a:t>Positive Impact On Work</a:t>
-            </a:r>
+              <a:t>I have acquired the basic knowledge on UCCOSIS usuage &amp; I can make data entry using the UCCOSIS software</a:t>
+            </a:r>
+            <a:endParaRPr/>
           </a:p>
         </p:txBody>
       </p:sp>
       <p:pic>
         <p:nvPicPr>
-          <p:cNvPr descr="data_report_files/figure-pptx/dream2-1.png" id="0" name="Picture 1"/>
+          <p:cNvPr id="0" name="Picture 1" descr="data_report_files/figure-pptx/unnamed-chunk-8-1.png"/>
           <p:cNvPicPr>
-            <a:picLocks noGrp="1" noChangeAspect="1"/>
+            <a:picLocks noChangeAspect="1" noGrp="1"/>
           </p:cNvPicPr>
           <p:nvPr/>
         </p:nvPicPr>
         <p:blipFill>
           <a:blip r:embed="rId2"/>
-          <a:stretch>
-            <a:fillRect/>
-          </a:stretch>
+          <a:stretch/>
         </p:blipFill>
         <p:spPr bwMode="auto">
           <a:xfrm>
@@ -4438,19 +5132,30 @@
       </p:pic>
     </p:spTree>
   </p:cSld>
+  <p:clrMapOvr>
+    <a:masterClrMapping/>
+  </p:clrMapOvr>
+  <mc:AlternateContent xmlns:mc="http://schemas.openxmlformats.org/markup-compatibility/2006">
+    <mc:Choice xmlns:p14="http://schemas.microsoft.com/office/powerpoint/2010/main" Requires="p14">
+      <p:transition p14:dur="2000" advClick="1"/>
+    </mc:Choice>
+    <mc:Fallback>
+      <p:transition advClick="1"/>
+    </mc:Fallback>
+  </mc:AlternateContent>
 </p:sld>
 </file>
 
-<file path=ppt/slides/slide9.xml><?xml version="1.0" encoding="utf-8"?>
-<p:sld xmlns:a="http://schemas.openxmlformats.org/drawingml/2006/main" xmlns:r="http://schemas.openxmlformats.org/officeDocument/2006/relationships" xmlns:p="http://schemas.openxmlformats.org/presentationml/2006/main">
-  <p:cSld>
+<file path=ppt/slides/slide25.xml><?xml version="1.0" encoding="utf-8"?>
+<p:sld xmlns:a="http://schemas.openxmlformats.org/drawingml/2006/main" xmlns:r="http://schemas.openxmlformats.org/officeDocument/2006/relationships" xmlns:p="http://schemas.openxmlformats.org/presentationml/2006/main" xmlns:m="http://schemas.openxmlformats.org/officeDocument/2006/math" xmlns:w="http://schemas.openxmlformats.org/wordprocessingml/2006/main" showMasterPhAnim="0" show="1">
+  <p:cSld name="">
     <p:spTree>
       <p:nvGrpSpPr>
         <p:cNvPr id="1" name=""/>
         <p:cNvGrpSpPr/>
         <p:nvPr/>
       </p:nvGrpSpPr>
-      <p:grpSpPr>
+      <p:grpSpPr bwMode="auto">
         <a:xfrm>
           <a:off x="0" y="0"/>
           <a:ext cx="0" cy="0"/>
@@ -4468,34 +5173,99 @@
             <p:ph type="title"/>
           </p:nvPr>
         </p:nvSpPr>
-        <p:spPr/>
-        <p:txBody>
-          <a:bodyPr/>
-          <a:lstStyle/>
-          <a:p>
-            <a:pPr lvl="0" indent="0" marL="0">
-              <a:buNone/>
+        <p:spPr bwMode="auto">
+          <a:xfrm>
+            <a:off x="457200" y="1966295"/>
+            <a:ext cx="8229600" cy="857250"/>
+          </a:xfrm>
+        </p:spPr>
+        <p:txBody>
+          <a:bodyPr/>
+          <a:lstStyle/>
+          <a:p>
+            <a:pPr marL="0" lvl="0" indent="0">
+              <a:buNone/>
+              <a:defRPr/>
             </a:pPr>
             <a:r>
               <a:rPr/>
-              <a:t>Positive Impact On Work</a:t>
-            </a:r>
+              <a:t>Organisational Analysis And Other Relevant Questions</a:t>
+            </a:r>
+            <a:endParaRPr/>
+          </a:p>
+        </p:txBody>
+      </p:sp>
+    </p:spTree>
+  </p:cSld>
+  <p:clrMapOvr>
+    <a:masterClrMapping/>
+  </p:clrMapOvr>
+  <mc:AlternateContent xmlns:mc="http://schemas.openxmlformats.org/markup-compatibility/2006">
+    <mc:Choice xmlns:p14="http://schemas.microsoft.com/office/powerpoint/2010/main" Requires="p14">
+      <p:transition p14:dur="2000" advClick="1"/>
+    </mc:Choice>
+    <mc:Fallback>
+      <p:transition advClick="1"/>
+    </mc:Fallback>
+  </mc:AlternateContent>
+</p:sld>
+</file>
+
+<file path=ppt/slides/slide26.xml><?xml version="1.0" encoding="utf-8"?>
+<p:sld xmlns:a="http://schemas.openxmlformats.org/drawingml/2006/main" xmlns:r="http://schemas.openxmlformats.org/officeDocument/2006/relationships" xmlns:p="http://schemas.openxmlformats.org/presentationml/2006/main" xmlns:m="http://schemas.openxmlformats.org/officeDocument/2006/math" xmlns:w="http://schemas.openxmlformats.org/wordprocessingml/2006/main" showMasterPhAnim="0" show="1">
+  <p:cSld name="">
+    <p:spTree>
+      <p:nvGrpSpPr>
+        <p:cNvPr id="1" name=""/>
+        <p:cNvGrpSpPr/>
+        <p:nvPr/>
+      </p:nvGrpSpPr>
+      <p:grpSpPr bwMode="auto">
+        <a:xfrm>
+          <a:off x="0" y="0"/>
+          <a:ext cx="0" cy="0"/>
+          <a:chOff x="0" y="0"/>
+          <a:chExt cx="0" cy="0"/>
+        </a:xfrm>
+      </p:grpSpPr>
+      <p:sp>
+        <p:nvSpPr>
+          <p:cNvPr id="2" name="Title 1"/>
+          <p:cNvSpPr>
+            <a:spLocks noGrp="1"/>
+          </p:cNvSpPr>
+          <p:nvPr>
+            <p:ph type="title"/>
+          </p:nvPr>
+        </p:nvSpPr>
+        <p:spPr bwMode="auto"/>
+        <p:txBody>
+          <a:bodyPr/>
+          <a:lstStyle/>
+          <a:p>
+            <a:pPr marL="0" lvl="0" indent="0">
+              <a:buNone/>
+              <a:defRPr/>
+            </a:pPr>
+            <a:r>
+              <a:rPr/>
+              <a:t>Was the venue suitable</a:t>
+            </a:r>
+            <a:endParaRPr/>
           </a:p>
         </p:txBody>
       </p:sp>
       <p:pic>
         <p:nvPicPr>
-          <p:cNvPr descr="data_report_files/figure-pptx/dream3-1.png" id="0" name="Picture 1"/>
+          <p:cNvPr id="0" name="Picture 1" descr="data_report_files/figure-pptx/unnamed-chunk-9-1.png"/>
           <p:cNvPicPr>
-            <a:picLocks noGrp="1" noChangeAspect="1"/>
+            <a:picLocks noChangeAspect="1" noGrp="1"/>
           </p:cNvPicPr>
           <p:nvPr/>
         </p:nvPicPr>
         <p:blipFill>
           <a:blip r:embed="rId2"/>
-          <a:stretch>
-            <a:fillRect/>
-          </a:stretch>
+          <a:stretch/>
         </p:blipFill>
         <p:spPr bwMode="auto">
           <a:xfrm>
@@ -4515,11 +5285,1167 @@
       </p:pic>
     </p:spTree>
   </p:cSld>
+  <p:clrMapOvr>
+    <a:masterClrMapping/>
+  </p:clrMapOvr>
+  <mc:AlternateContent xmlns:mc="http://schemas.openxmlformats.org/markup-compatibility/2006">
+    <mc:Choice xmlns:p14="http://schemas.microsoft.com/office/powerpoint/2010/main" Requires="p14">
+      <p:transition p14:dur="2000" advClick="1"/>
+    </mc:Choice>
+    <mc:Fallback>
+      <p:transition advClick="1"/>
+    </mc:Fallback>
+  </mc:AlternateContent>
+</p:sld>
+</file>
+
+<file path=ppt/slides/slide27.xml><?xml version="1.0" encoding="utf-8"?>
+<p:sld xmlns:a="http://schemas.openxmlformats.org/drawingml/2006/main" xmlns:r="http://schemas.openxmlformats.org/officeDocument/2006/relationships" xmlns:p="http://schemas.openxmlformats.org/presentationml/2006/main" xmlns:m="http://schemas.openxmlformats.org/officeDocument/2006/math" xmlns:w="http://schemas.openxmlformats.org/wordprocessingml/2006/main" showMasterPhAnim="0" show="1">
+  <p:cSld name="">
+    <p:spTree>
+      <p:nvGrpSpPr>
+        <p:cNvPr id="1" name=""/>
+        <p:cNvGrpSpPr/>
+        <p:nvPr/>
+      </p:nvGrpSpPr>
+      <p:grpSpPr bwMode="auto">
+        <a:xfrm>
+          <a:off x="0" y="0"/>
+          <a:ext cx="0" cy="0"/>
+          <a:chOff x="0" y="0"/>
+          <a:chExt cx="0" cy="0"/>
+        </a:xfrm>
+      </p:grpSpPr>
+      <p:sp>
+        <p:nvSpPr>
+          <p:cNvPr id="2" name="Title 1"/>
+          <p:cNvSpPr>
+            <a:spLocks noGrp="1"/>
+          </p:cNvSpPr>
+          <p:nvPr>
+            <p:ph type="title"/>
+          </p:nvPr>
+        </p:nvSpPr>
+        <p:spPr bwMode="auto">
+          <a:xfrm>
+            <a:off x="457200" y="2195377"/>
+            <a:ext cx="8229600" cy="857250"/>
+          </a:xfrm>
+        </p:spPr>
+        <p:txBody>
+          <a:bodyPr/>
+          <a:lstStyle/>
+          <a:p>
+            <a:pPr marL="0" lvl="0" indent="0">
+              <a:buNone/>
+              <a:defRPr/>
+            </a:pPr>
+            <a:r>
+              <a:rPr/>
+              <a:t>Presentations</a:t>
+            </a:r>
+            <a:endParaRPr/>
+          </a:p>
+        </p:txBody>
+      </p:sp>
+    </p:spTree>
+  </p:cSld>
+  <p:clrMapOvr>
+    <a:masterClrMapping/>
+  </p:clrMapOvr>
+  <mc:AlternateContent xmlns:mc="http://schemas.openxmlformats.org/markup-compatibility/2006">
+    <mc:Choice xmlns:p14="http://schemas.microsoft.com/office/powerpoint/2010/main" Requires="p14">
+      <p:transition p14:dur="2000" advClick="1"/>
+    </mc:Choice>
+    <mc:Fallback>
+      <p:transition advClick="1"/>
+    </mc:Fallback>
+  </mc:AlternateContent>
+</p:sld>
+</file>
+
+<file path=ppt/slides/slide28.xml><?xml version="1.0" encoding="utf-8"?>
+<p:sld xmlns:a="http://schemas.openxmlformats.org/drawingml/2006/main" xmlns:r="http://schemas.openxmlformats.org/officeDocument/2006/relationships" xmlns:p="http://schemas.openxmlformats.org/presentationml/2006/main" xmlns:m="http://schemas.openxmlformats.org/officeDocument/2006/math" xmlns:w="http://schemas.openxmlformats.org/wordprocessingml/2006/main" showMasterPhAnim="0" show="1">
+  <p:cSld name="">
+    <p:spTree>
+      <p:nvGrpSpPr>
+        <p:cNvPr id="1" name=""/>
+        <p:cNvGrpSpPr/>
+        <p:nvPr/>
+      </p:nvGrpSpPr>
+      <p:grpSpPr bwMode="auto">
+        <a:xfrm>
+          <a:off x="0" y="0"/>
+          <a:ext cx="0" cy="0"/>
+          <a:chOff x="0" y="0"/>
+          <a:chExt cx="0" cy="0"/>
+        </a:xfrm>
+      </p:grpSpPr>
+      <p:sp>
+        <p:nvSpPr>
+          <p:cNvPr id="2" name="Title 1"/>
+          <p:cNvSpPr>
+            <a:spLocks noGrp="1"/>
+          </p:cNvSpPr>
+          <p:nvPr>
+            <p:ph type="title"/>
+          </p:nvPr>
+        </p:nvSpPr>
+        <p:spPr bwMode="auto"/>
+        <p:txBody>
+          <a:bodyPr/>
+          <a:lstStyle/>
+          <a:p>
+            <a:pPr marL="0" lvl="0" indent="0">
+              <a:buNone/>
+              <a:defRPr/>
+            </a:pPr>
+            <a:r>
+              <a:rPr/>
+              <a:t>Presenation 1</a:t>
+            </a:r>
+            <a:endParaRPr/>
+          </a:p>
+        </p:txBody>
+      </p:sp>
+      <p:pic>
+        <p:nvPicPr>
+          <p:cNvPr id="0" name="Picture 1" descr="data_report_files/figure-pptx/unnamed-chunk-10-1.png"/>
+          <p:cNvPicPr>
+            <a:picLocks noChangeAspect="1" noGrp="1"/>
+          </p:cNvPicPr>
+          <p:nvPr/>
+        </p:nvPicPr>
+        <p:blipFill>
+          <a:blip r:embed="rId2"/>
+          <a:stretch/>
+        </p:blipFill>
+        <p:spPr bwMode="auto">
+          <a:xfrm>
+            <a:off x="457200" y="1244600"/>
+            <a:ext cx="8229600" cy="3289300"/>
+          </a:xfrm>
+          <a:prstGeom prst="rect">
+            <a:avLst/>
+          </a:prstGeom>
+          <a:noFill/>
+          <a:ln w="9525">
+            <a:noFill/>
+            <a:headEnd/>
+            <a:tailEnd/>
+          </a:ln>
+        </p:spPr>
+      </p:pic>
+    </p:spTree>
+  </p:cSld>
+  <p:clrMapOvr>
+    <a:masterClrMapping/>
+  </p:clrMapOvr>
+  <mc:AlternateContent xmlns:mc="http://schemas.openxmlformats.org/markup-compatibility/2006">
+    <mc:Choice xmlns:p14="http://schemas.microsoft.com/office/powerpoint/2010/main" Requires="p14">
+      <p:transition p14:dur="2000" advClick="1"/>
+    </mc:Choice>
+    <mc:Fallback>
+      <p:transition advClick="1"/>
+    </mc:Fallback>
+  </mc:AlternateContent>
+</p:sld>
+</file>
+
+<file path=ppt/slides/slide29.xml><?xml version="1.0" encoding="utf-8"?>
+<p:sld xmlns:a="http://schemas.openxmlformats.org/drawingml/2006/main" xmlns:r="http://schemas.openxmlformats.org/officeDocument/2006/relationships" xmlns:p="http://schemas.openxmlformats.org/presentationml/2006/main" xmlns:m="http://schemas.openxmlformats.org/officeDocument/2006/math" xmlns:w="http://schemas.openxmlformats.org/wordprocessingml/2006/main" showMasterPhAnim="0" show="1">
+  <p:cSld name="">
+    <p:spTree>
+      <p:nvGrpSpPr>
+        <p:cNvPr id="1" name=""/>
+        <p:cNvGrpSpPr/>
+        <p:nvPr/>
+      </p:nvGrpSpPr>
+      <p:grpSpPr bwMode="auto">
+        <a:xfrm>
+          <a:off x="0" y="0"/>
+          <a:ext cx="0" cy="0"/>
+          <a:chOff x="0" y="0"/>
+          <a:chExt cx="0" cy="0"/>
+        </a:xfrm>
+      </p:grpSpPr>
+      <p:sp>
+        <p:nvSpPr>
+          <p:cNvPr id="2" name="Title 1"/>
+          <p:cNvSpPr>
+            <a:spLocks noGrp="1"/>
+          </p:cNvSpPr>
+          <p:nvPr>
+            <p:ph type="title"/>
+          </p:nvPr>
+        </p:nvSpPr>
+        <p:spPr bwMode="auto"/>
+        <p:txBody>
+          <a:bodyPr/>
+          <a:lstStyle/>
+          <a:p>
+            <a:pPr marL="0" lvl="0" indent="0">
+              <a:buNone/>
+              <a:defRPr/>
+            </a:pPr>
+            <a:r>
+              <a:rPr/>
+              <a:t>Presentation 2</a:t>
+            </a:r>
+            <a:endParaRPr/>
+          </a:p>
+        </p:txBody>
+      </p:sp>
+      <p:pic>
+        <p:nvPicPr>
+          <p:cNvPr id="0" name="Picture 1" descr="data_report_files/figure-pptx/unnamed-chunk-11-1.png"/>
+          <p:cNvPicPr>
+            <a:picLocks noChangeAspect="1" noGrp="1"/>
+          </p:cNvPicPr>
+          <p:nvPr/>
+        </p:nvPicPr>
+        <p:blipFill>
+          <a:blip r:embed="rId2"/>
+          <a:stretch/>
+        </p:blipFill>
+        <p:spPr bwMode="auto">
+          <a:xfrm>
+            <a:off x="457200" y="1244600"/>
+            <a:ext cx="8229600" cy="3289300"/>
+          </a:xfrm>
+          <a:prstGeom prst="rect">
+            <a:avLst/>
+          </a:prstGeom>
+          <a:noFill/>
+          <a:ln w="9525">
+            <a:noFill/>
+            <a:headEnd/>
+            <a:tailEnd/>
+          </a:ln>
+        </p:spPr>
+      </p:pic>
+    </p:spTree>
+  </p:cSld>
+  <p:clrMapOvr>
+    <a:masterClrMapping/>
+  </p:clrMapOvr>
+  <mc:AlternateContent xmlns:mc="http://schemas.openxmlformats.org/markup-compatibility/2006">
+    <mc:Choice xmlns:p14="http://schemas.microsoft.com/office/powerpoint/2010/main" Requires="p14">
+      <p:transition p14:dur="2000" advClick="1"/>
+    </mc:Choice>
+    <mc:Fallback>
+      <p:transition advClick="1"/>
+    </mc:Fallback>
+  </mc:AlternateContent>
+</p:sld>
+</file>
+
+<file path=ppt/slides/slide3.xml><?xml version="1.0" encoding="utf-8"?>
+<p:sld xmlns:a="http://schemas.openxmlformats.org/drawingml/2006/main" xmlns:r="http://schemas.openxmlformats.org/officeDocument/2006/relationships" xmlns:p="http://schemas.openxmlformats.org/presentationml/2006/main" xmlns:m="http://schemas.openxmlformats.org/officeDocument/2006/math" xmlns:w="http://schemas.openxmlformats.org/wordprocessingml/2006/main" showMasterPhAnim="0" show="1">
+  <p:cSld name="">
+    <p:spTree>
+      <p:nvGrpSpPr>
+        <p:cNvPr id="1" name=""/>
+        <p:cNvGrpSpPr/>
+        <p:nvPr/>
+      </p:nvGrpSpPr>
+      <p:grpSpPr bwMode="auto">
+        <a:xfrm>
+          <a:off x="0" y="0"/>
+          <a:ext cx="0" cy="0"/>
+          <a:chOff x="0" y="0"/>
+          <a:chExt cx="0" cy="0"/>
+        </a:xfrm>
+      </p:grpSpPr>
+      <p:sp>
+        <p:nvSpPr>
+          <p:cNvPr id="2" name="Title 1"/>
+          <p:cNvSpPr>
+            <a:spLocks noGrp="1"/>
+          </p:cNvSpPr>
+          <p:nvPr>
+            <p:ph type="title"/>
+          </p:nvPr>
+        </p:nvSpPr>
+        <p:spPr bwMode="auto">
+          <a:xfrm>
+            <a:off x="457200" y="1604586"/>
+            <a:ext cx="8229600" cy="857250"/>
+          </a:xfrm>
+        </p:spPr>
+        <p:txBody>
+          <a:bodyPr/>
+          <a:lstStyle/>
+          <a:p>
+            <a:pPr marL="0" lvl="0" indent="0">
+              <a:buNone/>
+              <a:defRPr/>
+            </a:pPr>
+            <a:r>
+              <a:rPr/>
+              <a:t>Question: The training session was useful to my work</a:t>
+            </a:r>
+            <a:endParaRPr/>
+          </a:p>
+        </p:txBody>
+      </p:sp>
+    </p:spTree>
+  </p:cSld>
+  <p:clrMapOvr>
+    <a:masterClrMapping/>
+  </p:clrMapOvr>
+  <mc:AlternateContent xmlns:mc="http://schemas.openxmlformats.org/markup-compatibility/2006">
+    <mc:Choice xmlns:p14="http://schemas.microsoft.com/office/powerpoint/2010/main" Requires="p14">
+      <p:transition p14:dur="2000" advClick="1"/>
+    </mc:Choice>
+    <mc:Fallback>
+      <p:transition advClick="1"/>
+    </mc:Fallback>
+  </mc:AlternateContent>
+</p:sld>
+</file>
+
+<file path=ppt/slides/slide30.xml><?xml version="1.0" encoding="utf-8"?>
+<p:sld xmlns:a="http://schemas.openxmlformats.org/drawingml/2006/main" xmlns:r="http://schemas.openxmlformats.org/officeDocument/2006/relationships" xmlns:p="http://schemas.openxmlformats.org/presentationml/2006/main" xmlns:m="http://schemas.openxmlformats.org/officeDocument/2006/math" xmlns:w="http://schemas.openxmlformats.org/wordprocessingml/2006/main" showMasterPhAnim="0" show="1">
+  <p:cSld name="">
+    <p:spTree>
+      <p:nvGrpSpPr>
+        <p:cNvPr id="1" name=""/>
+        <p:cNvGrpSpPr/>
+        <p:nvPr/>
+      </p:nvGrpSpPr>
+      <p:grpSpPr bwMode="auto">
+        <a:xfrm>
+          <a:off x="0" y="0"/>
+          <a:ext cx="0" cy="0"/>
+          <a:chOff x="0" y="0"/>
+          <a:chExt cx="0" cy="0"/>
+        </a:xfrm>
+      </p:grpSpPr>
+      <p:sp>
+        <p:nvSpPr>
+          <p:cNvPr id="2" name="Title 1"/>
+          <p:cNvSpPr>
+            <a:spLocks noGrp="1"/>
+          </p:cNvSpPr>
+          <p:nvPr>
+            <p:ph type="title"/>
+          </p:nvPr>
+        </p:nvSpPr>
+        <p:spPr bwMode="auto"/>
+        <p:txBody>
+          <a:bodyPr/>
+          <a:lstStyle/>
+          <a:p>
+            <a:pPr marL="0" lvl="0" indent="0">
+              <a:buNone/>
+              <a:defRPr/>
+            </a:pPr>
+            <a:r>
+              <a:rPr/>
+              <a:t>Presentation 3</a:t>
+            </a:r>
+            <a:endParaRPr/>
+          </a:p>
+        </p:txBody>
+      </p:sp>
+      <p:pic>
+        <p:nvPicPr>
+          <p:cNvPr id="0" name="Picture 1" descr="data_report_files/figure-pptx/unnamed-chunk-12-1.png"/>
+          <p:cNvPicPr>
+            <a:picLocks noChangeAspect="1" noGrp="1"/>
+          </p:cNvPicPr>
+          <p:nvPr/>
+        </p:nvPicPr>
+        <p:blipFill>
+          <a:blip r:embed="rId2"/>
+          <a:stretch/>
+        </p:blipFill>
+        <p:spPr bwMode="auto">
+          <a:xfrm>
+            <a:off x="457200" y="1244600"/>
+            <a:ext cx="8229600" cy="3289300"/>
+          </a:xfrm>
+          <a:prstGeom prst="rect">
+            <a:avLst/>
+          </a:prstGeom>
+          <a:noFill/>
+          <a:ln w="9525">
+            <a:noFill/>
+            <a:headEnd/>
+            <a:tailEnd/>
+          </a:ln>
+        </p:spPr>
+      </p:pic>
+    </p:spTree>
+  </p:cSld>
+  <p:clrMapOvr>
+    <a:masterClrMapping/>
+  </p:clrMapOvr>
+  <mc:AlternateContent xmlns:mc="http://schemas.openxmlformats.org/markup-compatibility/2006">
+    <mc:Choice xmlns:p14="http://schemas.microsoft.com/office/powerpoint/2010/main" Requires="p14">
+      <p:transition p14:dur="2000" advClick="1"/>
+    </mc:Choice>
+    <mc:Fallback>
+      <p:transition advClick="1"/>
+    </mc:Fallback>
+  </mc:AlternateContent>
+</p:sld>
+</file>
+
+<file path=ppt/slides/slide31.xml><?xml version="1.0" encoding="utf-8"?>
+<p:sld xmlns:a="http://schemas.openxmlformats.org/drawingml/2006/main" xmlns:r="http://schemas.openxmlformats.org/officeDocument/2006/relationships" xmlns:p="http://schemas.openxmlformats.org/presentationml/2006/main" xmlns:m="http://schemas.openxmlformats.org/officeDocument/2006/math" xmlns:w="http://schemas.openxmlformats.org/wordprocessingml/2006/main" showMasterPhAnim="0" show="1">
+  <p:cSld name="">
+    <p:spTree>
+      <p:nvGrpSpPr>
+        <p:cNvPr id="1" name=""/>
+        <p:cNvGrpSpPr/>
+        <p:nvPr/>
+      </p:nvGrpSpPr>
+      <p:grpSpPr bwMode="auto">
+        <a:xfrm>
+          <a:off x="0" y="0"/>
+          <a:ext cx="0" cy="0"/>
+          <a:chOff x="0" y="0"/>
+          <a:chExt cx="0" cy="0"/>
+        </a:xfrm>
+      </p:grpSpPr>
+      <p:sp>
+        <p:nvSpPr>
+          <p:cNvPr id="2" name="Title 1"/>
+          <p:cNvSpPr>
+            <a:spLocks noGrp="1"/>
+          </p:cNvSpPr>
+          <p:nvPr>
+            <p:ph type="title"/>
+          </p:nvPr>
+        </p:nvSpPr>
+        <p:spPr bwMode="auto"/>
+        <p:txBody>
+          <a:bodyPr/>
+          <a:lstStyle/>
+          <a:p>
+            <a:pPr marL="0" lvl="0" indent="0">
+              <a:buNone/>
+              <a:defRPr/>
+            </a:pPr>
+            <a:r>
+              <a:rPr/>
+              <a:t>Presentation 4</a:t>
+            </a:r>
+            <a:endParaRPr/>
+          </a:p>
+        </p:txBody>
+      </p:sp>
+      <p:pic>
+        <p:nvPicPr>
+          <p:cNvPr id="0" name="Picture 1" descr="data_report_files/figure-pptx/unnamed-chunk-13-1.png"/>
+          <p:cNvPicPr>
+            <a:picLocks noChangeAspect="1" noGrp="1"/>
+          </p:cNvPicPr>
+          <p:nvPr/>
+        </p:nvPicPr>
+        <p:blipFill>
+          <a:blip r:embed="rId2"/>
+          <a:stretch/>
+        </p:blipFill>
+        <p:spPr bwMode="auto">
+          <a:xfrm>
+            <a:off x="457200" y="1244600"/>
+            <a:ext cx="8229600" cy="3289300"/>
+          </a:xfrm>
+          <a:prstGeom prst="rect">
+            <a:avLst/>
+          </a:prstGeom>
+          <a:noFill/>
+          <a:ln w="9525">
+            <a:noFill/>
+            <a:headEnd/>
+            <a:tailEnd/>
+          </a:ln>
+        </p:spPr>
+      </p:pic>
+    </p:spTree>
+  </p:cSld>
+  <p:clrMapOvr>
+    <a:masterClrMapping/>
+  </p:clrMapOvr>
+  <mc:AlternateContent xmlns:mc="http://schemas.openxmlformats.org/markup-compatibility/2006">
+    <mc:Choice xmlns:p14="http://schemas.microsoft.com/office/powerpoint/2010/main" Requires="p14">
+      <p:transition p14:dur="2000" advClick="1"/>
+    </mc:Choice>
+    <mc:Fallback>
+      <p:transition advClick="1"/>
+    </mc:Fallback>
+  </mc:AlternateContent>
+</p:sld>
+</file>
+
+<file path=ppt/slides/slide32.xml><?xml version="1.0" encoding="utf-8"?>
+<p:sld xmlns:a="http://schemas.openxmlformats.org/drawingml/2006/main" xmlns:r="http://schemas.openxmlformats.org/officeDocument/2006/relationships" xmlns:p="http://schemas.openxmlformats.org/presentationml/2006/main" xmlns:m="http://schemas.openxmlformats.org/officeDocument/2006/math" xmlns:w="http://schemas.openxmlformats.org/wordprocessingml/2006/main" showMasterPhAnim="0" show="1">
+  <p:cSld name="">
+    <p:spTree>
+      <p:nvGrpSpPr>
+        <p:cNvPr id="1" name=""/>
+        <p:cNvGrpSpPr/>
+        <p:nvPr/>
+      </p:nvGrpSpPr>
+      <p:grpSpPr bwMode="auto">
+        <a:xfrm>
+          <a:off x="0" y="0"/>
+          <a:ext cx="0" cy="0"/>
+          <a:chOff x="0" y="0"/>
+          <a:chExt cx="0" cy="0"/>
+        </a:xfrm>
+      </p:grpSpPr>
+      <p:sp>
+        <p:nvSpPr>
+          <p:cNvPr id="2" name="Title 1"/>
+          <p:cNvSpPr>
+            <a:spLocks noGrp="1"/>
+          </p:cNvSpPr>
+          <p:nvPr>
+            <p:ph type="title"/>
+          </p:nvPr>
+        </p:nvSpPr>
+        <p:spPr bwMode="auto">
+          <a:xfrm flipH="0" flipV="0">
+            <a:off x="457200" y="204786"/>
+            <a:ext cx="6766153" cy="871537"/>
+          </a:xfrm>
+        </p:spPr>
+        <p:txBody>
+          <a:bodyPr/>
+          <a:lstStyle/>
+          <a:p>
+            <a:pPr marL="0" lvl="0" indent="0">
+              <a:buNone/>
+              <a:defRPr/>
+            </a:pPr>
+            <a:r>
+              <a:rPr/>
+              <a:t>Overall, how satisfied were you with the presentation/training?</a:t>
+            </a:r>
+            <a:endParaRPr/>
+          </a:p>
+        </p:txBody>
+      </p:sp>
+      <p:pic>
+        <p:nvPicPr>
+          <p:cNvPr id="0" name="Picture 1" descr="data_report_files/figure-pptx/unnamed-chunk-14-1.png"/>
+          <p:cNvPicPr>
+            <a:picLocks noChangeAspect="1" noGrp="1"/>
+          </p:cNvPicPr>
+          <p:nvPr/>
+        </p:nvPicPr>
+        <p:blipFill>
+          <a:blip r:embed="rId2"/>
+          <a:stretch/>
+        </p:blipFill>
+        <p:spPr bwMode="auto">
+          <a:xfrm flipH="0" flipV="0">
+            <a:off x="857278" y="1371600"/>
+            <a:ext cx="7816821" cy="3005076"/>
+          </a:xfrm>
+          <a:prstGeom prst="rect">
+            <a:avLst/>
+          </a:prstGeom>
+          <a:noFill/>
+          <a:ln w="9525">
+            <a:noFill/>
+            <a:headEnd/>
+            <a:tailEnd/>
+          </a:ln>
+        </p:spPr>
+      </p:pic>
+    </p:spTree>
+  </p:cSld>
+  <p:clrMapOvr>
+    <a:masterClrMapping/>
+  </p:clrMapOvr>
+  <mc:AlternateContent xmlns:mc="http://schemas.openxmlformats.org/markup-compatibility/2006">
+    <mc:Choice xmlns:p14="http://schemas.microsoft.com/office/powerpoint/2010/main" Requires="p14">
+      <p:transition p14:dur="2000" advClick="1"/>
+    </mc:Choice>
+    <mc:Fallback>
+      <p:transition advClick="1"/>
+    </mc:Fallback>
+  </mc:AlternateContent>
+</p:sld>
+</file>
+
+<file path=ppt/slides/slide33.xml><?xml version="1.0" encoding="utf-8"?>
+<p:sld xmlns:a="http://schemas.openxmlformats.org/drawingml/2006/main" xmlns:r="http://schemas.openxmlformats.org/officeDocument/2006/relationships" xmlns:p="http://schemas.openxmlformats.org/presentationml/2006/main" xmlns:m="http://schemas.openxmlformats.org/officeDocument/2006/math" xmlns:w="http://schemas.openxmlformats.org/wordprocessingml/2006/main" showMasterPhAnim="0" show="1">
+  <p:cSld name="">
+    <p:spTree>
+      <p:nvGrpSpPr>
+        <p:cNvPr id="1" name=""/>
+        <p:cNvGrpSpPr/>
+        <p:nvPr/>
+      </p:nvGrpSpPr>
+      <p:grpSpPr bwMode="auto">
+        <a:xfrm>
+          <a:off x="0" y="0"/>
+          <a:ext cx="0" cy="0"/>
+          <a:chOff x="0" y="0"/>
+          <a:chExt cx="0" cy="0"/>
+        </a:xfrm>
+      </p:grpSpPr>
+      <p:sp>
+        <p:nvSpPr>
+          <p:cNvPr id="2" name="Title 1"/>
+          <p:cNvSpPr>
+            <a:spLocks noGrp="1"/>
+          </p:cNvSpPr>
+          <p:nvPr>
+            <p:ph type="title"/>
+          </p:nvPr>
+        </p:nvSpPr>
+        <p:spPr bwMode="auto">
+          <a:xfrm>
+            <a:off x="505427" y="2098921"/>
+            <a:ext cx="8229600" cy="857250"/>
+          </a:xfrm>
+        </p:spPr>
+        <p:txBody>
+          <a:bodyPr/>
+          <a:lstStyle/>
+          <a:p>
+            <a:pPr marL="0" lvl="0" indent="0">
+              <a:buNone/>
+              <a:defRPr/>
+            </a:pPr>
+            <a:r>
+              <a:rPr/>
+              <a:t>THANK YOU!!</a:t>
+            </a:r>
+            <a:endParaRPr/>
+          </a:p>
+        </p:txBody>
+      </p:sp>
+    </p:spTree>
+  </p:cSld>
+  <p:clrMapOvr>
+    <a:masterClrMapping/>
+  </p:clrMapOvr>
+  <mc:AlternateContent xmlns:mc="http://schemas.openxmlformats.org/markup-compatibility/2006">
+    <mc:Choice xmlns:p14="http://schemas.microsoft.com/office/powerpoint/2010/main" Requires="p14">
+      <p:transition p14:dur="2000" advClick="1"/>
+    </mc:Choice>
+    <mc:Fallback>
+      <p:transition advClick="1"/>
+    </mc:Fallback>
+  </mc:AlternateContent>
+</p:sld>
+</file>
+
+<file path=ppt/slides/slide4.xml><?xml version="1.0" encoding="utf-8"?>
+<p:sld xmlns:a="http://schemas.openxmlformats.org/drawingml/2006/main" xmlns:r="http://schemas.openxmlformats.org/officeDocument/2006/relationships" xmlns:p="http://schemas.openxmlformats.org/presentationml/2006/main" xmlns:m="http://schemas.openxmlformats.org/officeDocument/2006/math" xmlns:w="http://schemas.openxmlformats.org/wordprocessingml/2006/main" showMasterPhAnim="0" show="1">
+  <p:cSld name="">
+    <p:spTree>
+      <p:nvGrpSpPr>
+        <p:cNvPr id="1" name=""/>
+        <p:cNvGrpSpPr/>
+        <p:nvPr/>
+      </p:nvGrpSpPr>
+      <p:grpSpPr bwMode="auto">
+        <a:xfrm>
+          <a:off x="0" y="0"/>
+          <a:ext cx="0" cy="0"/>
+          <a:chOff x="0" y="0"/>
+          <a:chExt cx="0" cy="0"/>
+        </a:xfrm>
+      </p:grpSpPr>
+      <p:sp>
+        <p:nvSpPr>
+          <p:cNvPr id="2" name="Title 1"/>
+          <p:cNvSpPr>
+            <a:spLocks noGrp="1"/>
+          </p:cNvSpPr>
+          <p:nvPr>
+            <p:ph type="title"/>
+          </p:nvPr>
+        </p:nvSpPr>
+        <p:spPr bwMode="auto"/>
+        <p:txBody>
+          <a:bodyPr/>
+          <a:lstStyle/>
+          <a:p>
+            <a:pPr marL="0" lvl="0" indent="0">
+              <a:buNone/>
+              <a:defRPr/>
+            </a:pPr>
+            <a:r>
+              <a:rPr/>
+              <a:t>The training session was useful to my work</a:t>
+            </a:r>
+            <a:endParaRPr/>
+          </a:p>
+        </p:txBody>
+      </p:sp>
+      <p:pic>
+        <p:nvPicPr>
+          <p:cNvPr id="0" name="Picture 1" descr="data_report_files/figure-pptx/cars-1.png"/>
+          <p:cNvPicPr>
+            <a:picLocks noChangeAspect="1" noGrp="1"/>
+          </p:cNvPicPr>
+          <p:nvPr/>
+        </p:nvPicPr>
+        <p:blipFill>
+          <a:blip r:embed="rId2"/>
+          <a:stretch/>
+        </p:blipFill>
+        <p:spPr bwMode="auto">
+          <a:xfrm>
+            <a:off x="457200" y="1244600"/>
+            <a:ext cx="8229600" cy="3289300"/>
+          </a:xfrm>
+          <a:prstGeom prst="rect">
+            <a:avLst/>
+          </a:prstGeom>
+          <a:noFill/>
+          <a:ln w="9525">
+            <a:noFill/>
+            <a:headEnd/>
+            <a:tailEnd/>
+          </a:ln>
+        </p:spPr>
+      </p:pic>
+    </p:spTree>
+  </p:cSld>
+  <p:clrMapOvr>
+    <a:masterClrMapping/>
+  </p:clrMapOvr>
+  <mc:AlternateContent xmlns:mc="http://schemas.openxmlformats.org/markup-compatibility/2006">
+    <mc:Choice xmlns:p14="http://schemas.microsoft.com/office/powerpoint/2010/main" Requires="p14">
+      <p:transition p14:dur="2000" advClick="1"/>
+    </mc:Choice>
+    <mc:Fallback>
+      <p:transition advClick="1"/>
+    </mc:Fallback>
+  </mc:AlternateContent>
+</p:sld>
+</file>
+
+<file path=ppt/slides/slide5.xml><?xml version="1.0" encoding="utf-8"?>
+<p:sld xmlns:a="http://schemas.openxmlformats.org/drawingml/2006/main" xmlns:r="http://schemas.openxmlformats.org/officeDocument/2006/relationships" xmlns:p="http://schemas.openxmlformats.org/presentationml/2006/main" xmlns:m="http://schemas.openxmlformats.org/officeDocument/2006/math" xmlns:w="http://schemas.openxmlformats.org/wordprocessingml/2006/main" showMasterPhAnim="0" show="1">
+  <p:cSld name="">
+    <p:spTree>
+      <p:nvGrpSpPr>
+        <p:cNvPr id="1" name=""/>
+        <p:cNvGrpSpPr/>
+        <p:nvPr/>
+      </p:nvGrpSpPr>
+      <p:grpSpPr bwMode="auto">
+        <a:xfrm>
+          <a:off x="0" y="0"/>
+          <a:ext cx="0" cy="0"/>
+          <a:chOff x="0" y="0"/>
+          <a:chExt cx="0" cy="0"/>
+        </a:xfrm>
+      </p:grpSpPr>
+      <p:sp>
+        <p:nvSpPr>
+          <p:cNvPr id="2" name="Title 1"/>
+          <p:cNvSpPr>
+            <a:spLocks noGrp="1"/>
+          </p:cNvSpPr>
+          <p:nvPr>
+            <p:ph type="title"/>
+          </p:nvPr>
+        </p:nvSpPr>
+        <p:spPr bwMode="auto"/>
+        <p:txBody>
+          <a:bodyPr/>
+          <a:lstStyle/>
+          <a:p>
+            <a:pPr marL="0" lvl="0" indent="0">
+              <a:buNone/>
+              <a:defRPr/>
+            </a:pPr>
+            <a:r>
+              <a:rPr/>
+              <a:t>The training session was useful to my work</a:t>
+            </a:r>
+            <a:endParaRPr/>
+          </a:p>
+        </p:txBody>
+      </p:sp>
+      <p:pic>
+        <p:nvPicPr>
+          <p:cNvPr id="0" name="Picture 1" descr="data_report_files/figure-pptx/pressure-1.png"/>
+          <p:cNvPicPr>
+            <a:picLocks noChangeAspect="1" noGrp="1"/>
+          </p:cNvPicPr>
+          <p:nvPr/>
+        </p:nvPicPr>
+        <p:blipFill>
+          <a:blip r:embed="rId2"/>
+          <a:stretch/>
+        </p:blipFill>
+        <p:spPr bwMode="auto">
+          <a:xfrm>
+            <a:off x="457200" y="1244600"/>
+            <a:ext cx="8229600" cy="3289300"/>
+          </a:xfrm>
+          <a:prstGeom prst="rect">
+            <a:avLst/>
+          </a:prstGeom>
+          <a:noFill/>
+          <a:ln w="9525">
+            <a:noFill/>
+            <a:headEnd/>
+            <a:tailEnd/>
+          </a:ln>
+        </p:spPr>
+      </p:pic>
+    </p:spTree>
+  </p:cSld>
+  <p:clrMapOvr>
+    <a:masterClrMapping/>
+  </p:clrMapOvr>
+  <mc:AlternateContent xmlns:mc="http://schemas.openxmlformats.org/markup-compatibility/2006">
+    <mc:Choice xmlns:p14="http://schemas.microsoft.com/office/powerpoint/2010/main" Requires="p14">
+      <p:transition p14:dur="2000" advClick="1"/>
+    </mc:Choice>
+    <mc:Fallback>
+      <p:transition advClick="1"/>
+    </mc:Fallback>
+  </mc:AlternateContent>
+</p:sld>
+</file>
+
+<file path=ppt/slides/slide6.xml><?xml version="1.0" encoding="utf-8"?>
+<p:sld xmlns:a="http://schemas.openxmlformats.org/drawingml/2006/main" xmlns:r="http://schemas.openxmlformats.org/officeDocument/2006/relationships" xmlns:p="http://schemas.openxmlformats.org/presentationml/2006/main" xmlns:m="http://schemas.openxmlformats.org/officeDocument/2006/math" xmlns:w="http://schemas.openxmlformats.org/wordprocessingml/2006/main" showMasterPhAnim="0" show="1">
+  <p:cSld name="">
+    <p:spTree>
+      <p:nvGrpSpPr>
+        <p:cNvPr id="1" name=""/>
+        <p:cNvGrpSpPr/>
+        <p:nvPr/>
+      </p:nvGrpSpPr>
+      <p:grpSpPr bwMode="auto">
+        <a:xfrm>
+          <a:off x="0" y="0"/>
+          <a:ext cx="0" cy="0"/>
+          <a:chOff x="0" y="0"/>
+          <a:chExt cx="0" cy="0"/>
+        </a:xfrm>
+      </p:grpSpPr>
+      <p:sp>
+        <p:nvSpPr>
+          <p:cNvPr id="2" name="Title 1"/>
+          <p:cNvSpPr>
+            <a:spLocks noGrp="1"/>
+          </p:cNvSpPr>
+          <p:nvPr>
+            <p:ph type="title"/>
+          </p:nvPr>
+        </p:nvSpPr>
+        <p:spPr bwMode="auto"/>
+        <p:txBody>
+          <a:bodyPr/>
+          <a:lstStyle/>
+          <a:p>
+            <a:pPr marL="0" lvl="0" indent="0">
+              <a:buNone/>
+              <a:defRPr/>
+            </a:pPr>
+            <a:r>
+              <a:rPr/>
+              <a:t>Comparison: The training session was useful to my work</a:t>
+            </a:r>
+            <a:endParaRPr/>
+          </a:p>
+        </p:txBody>
+      </p:sp>
+      <p:pic>
+        <p:nvPicPr>
+          <p:cNvPr id="0" name="Picture 1" descr="data_report_files/figure-pptx/dream-1.png"/>
+          <p:cNvPicPr>
+            <a:picLocks noChangeAspect="1" noGrp="1"/>
+          </p:cNvPicPr>
+          <p:nvPr/>
+        </p:nvPicPr>
+        <p:blipFill>
+          <a:blip r:embed="rId2"/>
+          <a:stretch/>
+        </p:blipFill>
+        <p:spPr bwMode="auto">
+          <a:xfrm>
+            <a:off x="457200" y="1244600"/>
+            <a:ext cx="8229600" cy="3289300"/>
+          </a:xfrm>
+          <a:prstGeom prst="rect">
+            <a:avLst/>
+          </a:prstGeom>
+          <a:noFill/>
+          <a:ln w="9525">
+            <a:noFill/>
+            <a:headEnd/>
+            <a:tailEnd/>
+          </a:ln>
+        </p:spPr>
+      </p:pic>
+    </p:spTree>
+  </p:cSld>
+  <p:clrMapOvr>
+    <a:masterClrMapping/>
+  </p:clrMapOvr>
+  <mc:AlternateContent xmlns:mc="http://schemas.openxmlformats.org/markup-compatibility/2006">
+    <mc:Choice xmlns:p14="http://schemas.microsoft.com/office/powerpoint/2010/main" Requires="p14">
+      <p:transition p14:dur="2000" advClick="1"/>
+    </mc:Choice>
+    <mc:Fallback>
+      <p:transition advClick="1"/>
+    </mc:Fallback>
+  </mc:AlternateContent>
+</p:sld>
+</file>
+
+<file path=ppt/slides/slide7.xml><?xml version="1.0" encoding="utf-8"?>
+<p:sld xmlns:a="http://schemas.openxmlformats.org/drawingml/2006/main" xmlns:r="http://schemas.openxmlformats.org/officeDocument/2006/relationships" xmlns:p="http://schemas.openxmlformats.org/presentationml/2006/main" xmlns:m="http://schemas.openxmlformats.org/officeDocument/2006/math" xmlns:w="http://schemas.openxmlformats.org/wordprocessingml/2006/main" showMasterPhAnim="0" show="1">
+  <p:cSld name="">
+    <p:spTree>
+      <p:nvGrpSpPr>
+        <p:cNvPr id="1" name=""/>
+        <p:cNvGrpSpPr/>
+        <p:nvPr/>
+      </p:nvGrpSpPr>
+      <p:grpSpPr bwMode="auto">
+        <a:xfrm>
+          <a:off x="0" y="0"/>
+          <a:ext cx="0" cy="0"/>
+          <a:chOff x="0" y="0"/>
+          <a:chExt cx="0" cy="0"/>
+        </a:xfrm>
+      </p:grpSpPr>
+      <p:sp>
+        <p:nvSpPr>
+          <p:cNvPr id="2" name="Title 1"/>
+          <p:cNvSpPr>
+            <a:spLocks noGrp="1"/>
+          </p:cNvSpPr>
+          <p:nvPr>
+            <p:ph type="title"/>
+          </p:nvPr>
+        </p:nvSpPr>
+        <p:spPr bwMode="auto">
+          <a:xfrm>
+            <a:off x="457200" y="1893953"/>
+            <a:ext cx="8229600" cy="857250"/>
+          </a:xfrm>
+        </p:spPr>
+        <p:txBody>
+          <a:bodyPr/>
+          <a:lstStyle/>
+          <a:p>
+            <a:pPr marL="0" lvl="0" indent="0">
+              <a:buNone/>
+              <a:defRPr/>
+            </a:pPr>
+            <a:r>
+              <a:rPr/>
+              <a:t>Question: The training will impact positively on my work</a:t>
+            </a:r>
+            <a:endParaRPr/>
+          </a:p>
+        </p:txBody>
+      </p:sp>
+    </p:spTree>
+  </p:cSld>
+  <p:clrMapOvr>
+    <a:masterClrMapping/>
+  </p:clrMapOvr>
+  <mc:AlternateContent xmlns:mc="http://schemas.openxmlformats.org/markup-compatibility/2006">
+    <mc:Choice xmlns:p14="http://schemas.microsoft.com/office/powerpoint/2010/main" Requires="p14">
+      <p:transition p14:dur="2000" advClick="1"/>
+    </mc:Choice>
+    <mc:Fallback>
+      <p:transition advClick="1"/>
+    </mc:Fallback>
+  </mc:AlternateContent>
+</p:sld>
+</file>
+
+<file path=ppt/slides/slide8.xml><?xml version="1.0" encoding="utf-8"?>
+<p:sld xmlns:a="http://schemas.openxmlformats.org/drawingml/2006/main" xmlns:r="http://schemas.openxmlformats.org/officeDocument/2006/relationships" xmlns:p="http://schemas.openxmlformats.org/presentationml/2006/main" xmlns:m="http://schemas.openxmlformats.org/officeDocument/2006/math" xmlns:w="http://schemas.openxmlformats.org/wordprocessingml/2006/main" showMasterPhAnim="0" show="1">
+  <p:cSld name="">
+    <p:spTree>
+      <p:nvGrpSpPr>
+        <p:cNvPr id="1" name=""/>
+        <p:cNvGrpSpPr/>
+        <p:nvPr/>
+      </p:nvGrpSpPr>
+      <p:grpSpPr bwMode="auto">
+        <a:xfrm>
+          <a:off x="0" y="0"/>
+          <a:ext cx="0" cy="0"/>
+          <a:chOff x="0" y="0"/>
+          <a:chExt cx="0" cy="0"/>
+        </a:xfrm>
+      </p:grpSpPr>
+      <p:sp>
+        <p:nvSpPr>
+          <p:cNvPr id="2" name="Title 1"/>
+          <p:cNvSpPr>
+            <a:spLocks noGrp="1"/>
+          </p:cNvSpPr>
+          <p:nvPr>
+            <p:ph type="title"/>
+          </p:nvPr>
+        </p:nvSpPr>
+        <p:spPr bwMode="auto"/>
+        <p:txBody>
+          <a:bodyPr/>
+          <a:lstStyle/>
+          <a:p>
+            <a:pPr marL="0" lvl="0" indent="0">
+              <a:buNone/>
+              <a:defRPr/>
+            </a:pPr>
+            <a:r>
+              <a:rPr/>
+              <a:t>Positive Impact On Work</a:t>
+            </a:r>
+            <a:endParaRPr/>
+          </a:p>
+        </p:txBody>
+      </p:sp>
+      <p:pic>
+        <p:nvPicPr>
+          <p:cNvPr id="0" name="Picture 1" descr="data_report_files/figure-pptx/dream2-1.png"/>
+          <p:cNvPicPr>
+            <a:picLocks noChangeAspect="1" noGrp="1"/>
+          </p:cNvPicPr>
+          <p:nvPr/>
+        </p:nvPicPr>
+        <p:blipFill>
+          <a:blip r:embed="rId2"/>
+          <a:stretch/>
+        </p:blipFill>
+        <p:spPr bwMode="auto">
+          <a:xfrm>
+            <a:off x="457200" y="1244600"/>
+            <a:ext cx="8229600" cy="3289300"/>
+          </a:xfrm>
+          <a:prstGeom prst="rect">
+            <a:avLst/>
+          </a:prstGeom>
+          <a:noFill/>
+          <a:ln w="9525">
+            <a:noFill/>
+            <a:headEnd/>
+            <a:tailEnd/>
+          </a:ln>
+        </p:spPr>
+      </p:pic>
+    </p:spTree>
+  </p:cSld>
+  <p:clrMapOvr>
+    <a:masterClrMapping/>
+  </p:clrMapOvr>
+  <mc:AlternateContent xmlns:mc="http://schemas.openxmlformats.org/markup-compatibility/2006">
+    <mc:Choice xmlns:p14="http://schemas.microsoft.com/office/powerpoint/2010/main" Requires="p14">
+      <p:transition p14:dur="2000" advClick="1"/>
+    </mc:Choice>
+    <mc:Fallback>
+      <p:transition advClick="1"/>
+    </mc:Fallback>
+  </mc:AlternateContent>
+</p:sld>
+</file>
+
+<file path=ppt/slides/slide9.xml><?xml version="1.0" encoding="utf-8"?>
+<p:sld xmlns:a="http://schemas.openxmlformats.org/drawingml/2006/main" xmlns:r="http://schemas.openxmlformats.org/officeDocument/2006/relationships" xmlns:p="http://schemas.openxmlformats.org/presentationml/2006/main" xmlns:m="http://schemas.openxmlformats.org/officeDocument/2006/math" xmlns:w="http://schemas.openxmlformats.org/wordprocessingml/2006/main" showMasterPhAnim="0" show="1">
+  <p:cSld name="">
+    <p:spTree>
+      <p:nvGrpSpPr>
+        <p:cNvPr id="1" name=""/>
+        <p:cNvGrpSpPr/>
+        <p:nvPr/>
+      </p:nvGrpSpPr>
+      <p:grpSpPr bwMode="auto">
+        <a:xfrm>
+          <a:off x="0" y="0"/>
+          <a:ext cx="0" cy="0"/>
+          <a:chOff x="0" y="0"/>
+          <a:chExt cx="0" cy="0"/>
+        </a:xfrm>
+      </p:grpSpPr>
+      <p:sp>
+        <p:nvSpPr>
+          <p:cNvPr id="2" name="Title 1"/>
+          <p:cNvSpPr>
+            <a:spLocks noGrp="1"/>
+          </p:cNvSpPr>
+          <p:nvPr>
+            <p:ph type="title"/>
+          </p:nvPr>
+        </p:nvSpPr>
+        <p:spPr bwMode="auto"/>
+        <p:txBody>
+          <a:bodyPr/>
+          <a:lstStyle/>
+          <a:p>
+            <a:pPr marL="0" lvl="0" indent="0">
+              <a:buNone/>
+              <a:defRPr/>
+            </a:pPr>
+            <a:r>
+              <a:rPr/>
+              <a:t>Positive Impact On Work</a:t>
+            </a:r>
+            <a:endParaRPr/>
+          </a:p>
+        </p:txBody>
+      </p:sp>
+      <p:pic>
+        <p:nvPicPr>
+          <p:cNvPr id="0" name="Picture 1" descr="data_report_files/figure-pptx/dream3-1.png"/>
+          <p:cNvPicPr>
+            <a:picLocks noChangeAspect="1" noGrp="1"/>
+          </p:cNvPicPr>
+          <p:nvPr/>
+        </p:nvPicPr>
+        <p:blipFill>
+          <a:blip r:embed="rId2"/>
+          <a:stretch/>
+        </p:blipFill>
+        <p:spPr bwMode="auto">
+          <a:xfrm>
+            <a:off x="457200" y="1244600"/>
+            <a:ext cx="8229600" cy="3289300"/>
+          </a:xfrm>
+          <a:prstGeom prst="rect">
+            <a:avLst/>
+          </a:prstGeom>
+          <a:noFill/>
+          <a:ln w="9525">
+            <a:noFill/>
+            <a:headEnd/>
+            <a:tailEnd/>
+          </a:ln>
+        </p:spPr>
+      </p:pic>
+    </p:spTree>
+  </p:cSld>
+  <p:clrMapOvr>
+    <a:masterClrMapping/>
+  </p:clrMapOvr>
+  <mc:AlternateContent xmlns:mc="http://schemas.openxmlformats.org/markup-compatibility/2006">
+    <mc:Choice xmlns:p14="http://schemas.microsoft.com/office/powerpoint/2010/main" Requires="p14">
+      <p:transition p14:dur="2000" advClick="1"/>
+    </mc:Choice>
+    <mc:Fallback>
+      <p:transition advClick="1"/>
+    </mc:Fallback>
+  </mc:AlternateContent>
 </p:sld>
 </file>
 
 <file path=ppt/theme/theme1.xml><?xml version="1.0" encoding="utf-8"?>
-<a:theme xmlns:a="http://schemas.openxmlformats.org/drawingml/2006/main" name="Office Theme">
+<a:theme xmlns:a="http://schemas.openxmlformats.org/drawingml/2006/main" xmlns:r="http://schemas.openxmlformats.org/officeDocument/2006/relationships" xmlns:p="http://schemas.openxmlformats.org/presentationml/2006/main" name="Office Theme">
   <a:themeElements>
     <a:clrScheme name="Office">
       <a:dk1>
@@ -4562,73 +6488,13 @@
     <a:fontScheme name="Office">
       <a:majorFont>
         <a:latin typeface="Calibri"/>
-        <a:ea typeface=""/>
-        <a:cs typeface=""/>
-        <a:font script="Jpan" typeface="ＭＳ Ｐゴシック"/>
-        <a:font script="Hang" typeface="맑은 고딕"/>
-        <a:font script="Hans" typeface="宋体"/>
-        <a:font script="Hant" typeface="新細明體"/>
-        <a:font script="Arab" typeface="Times New Roman"/>
-        <a:font script="Hebr" typeface="Times New Roman"/>
-        <a:font script="Thai" typeface="Angsana New"/>
-        <a:font script="Ethi" typeface="Nyala"/>
-        <a:font script="Beng" typeface="Vrinda"/>
-        <a:font script="Gujr" typeface="Shruti"/>
-        <a:font script="Khmr" typeface="MoolBoran"/>
-        <a:font script="Knda" typeface="Tunga"/>
-        <a:font script="Guru" typeface="Raavi"/>
-        <a:font script="Cans" typeface="Euphemia"/>
-        <a:font script="Cher" typeface="Plantagenet Cherokee"/>
-        <a:font script="Yiii" typeface="Microsoft Yi Baiti"/>
-        <a:font script="Tibt" typeface="Microsoft Himalaya"/>
-        <a:font script="Thaa" typeface="MV Boli"/>
-        <a:font script="Deva" typeface="Mangal"/>
-        <a:font script="Telu" typeface="Gautami"/>
-        <a:font script="Taml" typeface="Latha"/>
-        <a:font script="Syrc" typeface="Estrangelo Edessa"/>
-        <a:font script="Orya" typeface="Kalinga"/>
-        <a:font script="Mlym" typeface="Kartika"/>
-        <a:font script="Laoo" typeface="DokChampa"/>
-        <a:font script="Sinh" typeface="Iskoola Pota"/>
-        <a:font script="Mong" typeface="Mongolian Baiti"/>
-        <a:font script="Viet" typeface="Times New Roman"/>
-        <a:font script="Uigh" typeface="Microsoft Uighur"/>
-        <a:font script="Geor" typeface="Sylfaen"/>
+        <a:ea typeface="Arial"/>
+        <a:cs typeface="Arial"/>
       </a:majorFont>
       <a:minorFont>
         <a:latin typeface="Calibri"/>
-        <a:ea typeface=""/>
-        <a:cs typeface=""/>
-        <a:font script="Jpan" typeface="ＭＳ Ｐゴシック"/>
-        <a:font script="Hang" typeface="맑은 고딕"/>
-        <a:font script="Hans" typeface="宋体"/>
-        <a:font script="Hant" typeface="新細明體"/>
-        <a:font script="Arab" typeface="Arial"/>
-        <a:font script="Hebr" typeface="Arial"/>
-        <a:font script="Thai" typeface="Cordia New"/>
-        <a:font script="Ethi" typeface="Nyala"/>
-        <a:font script="Beng" typeface="Vrinda"/>
-        <a:font script="Gujr" typeface="Shruti"/>
-        <a:font script="Khmr" typeface="DaunPenh"/>
-        <a:font script="Knda" typeface="Tunga"/>
-        <a:font script="Guru" typeface="Raavi"/>
-        <a:font script="Cans" typeface="Euphemia"/>
-        <a:font script="Cher" typeface="Plantagenet Cherokee"/>
-        <a:font script="Yiii" typeface="Microsoft Yi Baiti"/>
-        <a:font script="Tibt" typeface="Microsoft Himalaya"/>
-        <a:font script="Thaa" typeface="MV Boli"/>
-        <a:font script="Deva" typeface="Mangal"/>
-        <a:font script="Telu" typeface="Gautami"/>
-        <a:font script="Taml" typeface="Latha"/>
-        <a:font script="Syrc" typeface="Estrangelo Edessa"/>
-        <a:font script="Orya" typeface="Kalinga"/>
-        <a:font script="Mlym" typeface="Kartika"/>
-        <a:font script="Laoo" typeface="DokChampa"/>
-        <a:font script="Sinh" typeface="Iskoola Pota"/>
-        <a:font script="Mong" typeface="Mongolian Baiti"/>
-        <a:font script="Viet" typeface="Arial"/>
-        <a:font script="Uigh" typeface="Microsoft Uighur"/>
-        <a:font script="Geor" typeface="Sylfaen"/>
+        <a:ea typeface="Arial"/>
+        <a:cs typeface="Arial"/>
       </a:minorFont>
     </a:fontScheme>
     <a:fmtScheme name="Office">
@@ -4636,7 +6502,7 @@
         <a:solidFill>
           <a:schemeClr val="phClr"/>
         </a:solidFill>
-        <a:gradFill rotWithShape="1">
+        <a:gradFill>
           <a:gsLst>
             <a:gs pos="0">
               <a:schemeClr val="phClr">
@@ -4659,7 +6525,7 @@
           </a:gsLst>
           <a:lin ang="16200000" scaled="1"/>
         </a:gradFill>
-        <a:gradFill rotWithShape="1">
+        <a:gradFill>
           <a:gsLst>
             <a:gs pos="0">
               <a:schemeClr val="phClr">
@@ -4729,24 +6595,13 @@
               </a:srgbClr>
             </a:outerShdw>
           </a:effectLst>
-          <a:scene3d>
-            <a:camera prst="orthographicFront">
-              <a:rot lat="0" lon="0" rev="0"/>
-            </a:camera>
-            <a:lightRig rig="threePt" dir="t">
-              <a:rot lat="0" lon="0" rev="1200000"/>
-            </a:lightRig>
-          </a:scene3d>
-          <a:sp3d>
-            <a:bevelT w="63500" h="25400"/>
-          </a:sp3d>
         </a:effectStyle>
       </a:effectStyleLst>
       <a:bgFillStyleLst>
         <a:solidFill>
           <a:schemeClr val="phClr"/>
         </a:solidFill>
-        <a:gradFill rotWithShape="1">
+        <a:gradFill>
           <a:gsLst>
             <a:gs pos="0">
               <a:schemeClr val="phClr">
@@ -4768,11 +6623,9 @@
               </a:schemeClr>
             </a:gs>
           </a:gsLst>
-          <a:path path="circle">
-            <a:fillToRect l="50000" t="-80000" r="50000" b="180000"/>
-          </a:path>
+          <a:path path="circle"/>
         </a:gradFill>
-        <a:gradFill rotWithShape="1">
+        <a:gradFill>
           <a:gsLst>
             <a:gs pos="0">
               <a:schemeClr val="phClr">
@@ -4787,16 +6640,14 @@
               </a:schemeClr>
             </a:gs>
           </a:gsLst>
-          <a:path path="circle">
-            <a:fillToRect l="50000" t="50000" r="50000" b="50000"/>
-          </a:path>
+          <a:path path="circle"/>
         </a:gradFill>
       </a:bgFillStyleLst>
     </a:fmtScheme>
   </a:themeElements>
   <a:objectDefaults>
     <a:spDef>
-      <a:spPr/>
+      <a:spPr bwMode="auto"/>
       <a:bodyPr/>
       <a:lstStyle/>
       <a:style>
@@ -4815,7 +6666,7 @@
       </a:style>
     </a:spDef>
     <a:lnDef>
-      <a:spPr/>
+      <a:spPr bwMode="auto"/>
       <a:bodyPr/>
       <a:lstStyle/>
       <a:style>
@@ -4834,267 +6685,5 @@
       </a:style>
     </a:lnDef>
   </a:objectDefaults>
-  <a:extraClrSchemeLst/>
-</a:theme>
-</file>
-
-<file path=ppt/theme/theme2.xml><?xml version="1.0" encoding="utf-8"?>
-<a:theme xmlns:a="http://schemas.openxmlformats.org/drawingml/2006/main" name="Office Theme">
-  <a:themeElements>
-    <a:clrScheme name="Office">
-      <a:dk1>
-        <a:sysClr val="windowText" lastClr="000000"/>
-      </a:dk1>
-      <a:lt1>
-        <a:sysClr val="window" lastClr="FFFFFF"/>
-      </a:lt1>
-      <a:dk2>
-        <a:srgbClr val="44546A"/>
-      </a:dk2>
-      <a:lt2>
-        <a:srgbClr val="E7E6E6"/>
-      </a:lt2>
-      <a:accent1>
-        <a:srgbClr val="5B9BD5"/>
-      </a:accent1>
-      <a:accent2>
-        <a:srgbClr val="ED7D31"/>
-      </a:accent2>
-      <a:accent3>
-        <a:srgbClr val="A5A5A5"/>
-      </a:accent3>
-      <a:accent4>
-        <a:srgbClr val="FFC000"/>
-      </a:accent4>
-      <a:accent5>
-        <a:srgbClr val="4472C4"/>
-      </a:accent5>
-      <a:accent6>
-        <a:srgbClr val="70AD47"/>
-      </a:accent6>
-      <a:hlink>
-        <a:srgbClr val="0563C1"/>
-      </a:hlink>
-      <a:folHlink>
-        <a:srgbClr val="954F72"/>
-      </a:folHlink>
-    </a:clrScheme>
-    <a:fontScheme name="Office">
-      <a:majorFont>
-        <a:latin typeface="Calibri Light" panose="020F0302020204030204"/>
-        <a:ea typeface=""/>
-        <a:cs typeface=""/>
-        <a:font script="Jpan" typeface="ＭＳ Ｐゴシック"/>
-        <a:font script="Hang" typeface="맑은 고딕"/>
-        <a:font script="Hans" typeface="宋体"/>
-        <a:font script="Hant" typeface="新細明體"/>
-        <a:font script="Arab" typeface="Times New Roman"/>
-        <a:font script="Hebr" typeface="Times New Roman"/>
-        <a:font script="Thai" typeface="Angsana New"/>
-        <a:font script="Ethi" typeface="Nyala"/>
-        <a:font script="Beng" typeface="Vrinda"/>
-        <a:font script="Gujr" typeface="Shruti"/>
-        <a:font script="Khmr" typeface="MoolBoran"/>
-        <a:font script="Knda" typeface="Tunga"/>
-        <a:font script="Guru" typeface="Raavi"/>
-        <a:font script="Cans" typeface="Euphemia"/>
-        <a:font script="Cher" typeface="Plantagenet Cherokee"/>
-        <a:font script="Yiii" typeface="Microsoft Yi Baiti"/>
-        <a:font script="Tibt" typeface="Microsoft Himalaya"/>
-        <a:font script="Thaa" typeface="MV Boli"/>
-        <a:font script="Deva" typeface="Mangal"/>
-        <a:font script="Telu" typeface="Gautami"/>
-        <a:font script="Taml" typeface="Latha"/>
-        <a:font script="Syrc" typeface="Estrangelo Edessa"/>
-        <a:font script="Orya" typeface="Kalinga"/>
-        <a:font script="Mlym" typeface="Kartika"/>
-        <a:font script="Laoo" typeface="DokChampa"/>
-        <a:font script="Sinh" typeface="Iskoola Pota"/>
-        <a:font script="Mong" typeface="Mongolian Baiti"/>
-        <a:font script="Viet" typeface="Times New Roman"/>
-        <a:font script="Uigh" typeface="Microsoft Uighur"/>
-        <a:font script="Geor" typeface="Sylfaen"/>
-      </a:majorFont>
-      <a:minorFont>
-        <a:latin typeface="Calibri" panose="020F0502020204030204"/>
-        <a:ea typeface=""/>
-        <a:cs typeface=""/>
-        <a:font script="Jpan" typeface="ＭＳ Ｐゴシック"/>
-        <a:font script="Hang" typeface="맑은 고딕"/>
-        <a:font script="Hans" typeface="宋体"/>
-        <a:font script="Hant" typeface="新細明體"/>
-        <a:font script="Arab" typeface="Arial"/>
-        <a:font script="Hebr" typeface="Arial"/>
-        <a:font script="Thai" typeface="Cordia New"/>
-        <a:font script="Ethi" typeface="Nyala"/>
-        <a:font script="Beng" typeface="Vrinda"/>
-        <a:font script="Gujr" typeface="Shruti"/>
-        <a:font script="Khmr" typeface="DaunPenh"/>
-        <a:font script="Knda" typeface="Tunga"/>
-        <a:font script="Guru" typeface="Raavi"/>
-        <a:font script="Cans" typeface="Euphemia"/>
-        <a:font script="Cher" typeface="Plantagenet Cherokee"/>
-        <a:font script="Yiii" typeface="Microsoft Yi Baiti"/>
-        <a:font script="Tibt" typeface="Microsoft Himalaya"/>
-        <a:font script="Thaa" typeface="MV Boli"/>
-        <a:font script="Deva" typeface="Mangal"/>
-        <a:font script="Telu" typeface="Gautami"/>
-        <a:font script="Taml" typeface="Latha"/>
-        <a:font script="Syrc" typeface="Estrangelo Edessa"/>
-        <a:font script="Orya" typeface="Kalinga"/>
-        <a:font script="Mlym" typeface="Kartika"/>
-        <a:font script="Laoo" typeface="DokChampa"/>
-        <a:font script="Sinh" typeface="Iskoola Pota"/>
-        <a:font script="Mong" typeface="Mongolian Baiti"/>
-        <a:font script="Viet" typeface="Arial"/>
-        <a:font script="Uigh" typeface="Microsoft Uighur"/>
-        <a:font script="Geor" typeface="Sylfaen"/>
-      </a:minorFont>
-    </a:fontScheme>
-    <a:fmtScheme name="Office">
-      <a:fillStyleLst>
-        <a:solidFill>
-          <a:schemeClr val="phClr"/>
-        </a:solidFill>
-        <a:gradFill rotWithShape="1">
-          <a:gsLst>
-            <a:gs pos="0">
-              <a:schemeClr val="phClr">
-                <a:lumMod val="110000"/>
-                <a:satMod val="105000"/>
-                <a:tint val="67000"/>
-              </a:schemeClr>
-            </a:gs>
-            <a:gs pos="50000">
-              <a:schemeClr val="phClr">
-                <a:lumMod val="105000"/>
-                <a:satMod val="103000"/>
-                <a:tint val="73000"/>
-              </a:schemeClr>
-            </a:gs>
-            <a:gs pos="100000">
-              <a:schemeClr val="phClr">
-                <a:lumMod val="105000"/>
-                <a:satMod val="109000"/>
-                <a:tint val="81000"/>
-              </a:schemeClr>
-            </a:gs>
-          </a:gsLst>
-          <a:lin ang="5400000" scaled="0"/>
-        </a:gradFill>
-        <a:gradFill rotWithShape="1">
-          <a:gsLst>
-            <a:gs pos="0">
-              <a:schemeClr val="phClr">
-                <a:satMod val="103000"/>
-                <a:lumMod val="102000"/>
-                <a:tint val="94000"/>
-              </a:schemeClr>
-            </a:gs>
-            <a:gs pos="50000">
-              <a:schemeClr val="phClr">
-                <a:satMod val="110000"/>
-                <a:lumMod val="100000"/>
-                <a:shade val="100000"/>
-              </a:schemeClr>
-            </a:gs>
-            <a:gs pos="100000">
-              <a:schemeClr val="phClr">
-                <a:lumMod val="99000"/>
-                <a:satMod val="120000"/>
-                <a:shade val="78000"/>
-              </a:schemeClr>
-            </a:gs>
-          </a:gsLst>
-          <a:lin ang="5400000" scaled="0"/>
-        </a:gradFill>
-      </a:fillStyleLst>
-      <a:lnStyleLst>
-        <a:ln w="6350" cap="flat" cmpd="sng" algn="ctr">
-          <a:solidFill>
-            <a:schemeClr val="phClr"/>
-          </a:solidFill>
-          <a:prstDash val="solid"/>
-          <a:miter lim="800000"/>
-        </a:ln>
-        <a:ln w="12700" cap="flat" cmpd="sng" algn="ctr">
-          <a:solidFill>
-            <a:schemeClr val="phClr"/>
-          </a:solidFill>
-          <a:prstDash val="solid"/>
-          <a:miter lim="800000"/>
-        </a:ln>
-        <a:ln w="19050" cap="flat" cmpd="sng" algn="ctr">
-          <a:solidFill>
-            <a:schemeClr val="phClr"/>
-          </a:solidFill>
-          <a:prstDash val="solid"/>
-          <a:miter lim="800000"/>
-        </a:ln>
-      </a:lnStyleLst>
-      <a:effectStyleLst>
-        <a:effectStyle>
-          <a:effectLst/>
-        </a:effectStyle>
-        <a:effectStyle>
-          <a:effectLst/>
-        </a:effectStyle>
-        <a:effectStyle>
-          <a:effectLst>
-            <a:outerShdw blurRad="57150" dist="19050" dir="5400000" algn="ctr" rotWithShape="0">
-              <a:srgbClr val="000000">
-                <a:alpha val="63000"/>
-              </a:srgbClr>
-            </a:outerShdw>
-          </a:effectLst>
-        </a:effectStyle>
-      </a:effectStyleLst>
-      <a:bgFillStyleLst>
-        <a:solidFill>
-          <a:schemeClr val="phClr"/>
-        </a:solidFill>
-        <a:solidFill>
-          <a:schemeClr val="phClr">
-            <a:tint val="95000"/>
-            <a:satMod val="170000"/>
-          </a:schemeClr>
-        </a:solidFill>
-        <a:gradFill rotWithShape="1">
-          <a:gsLst>
-            <a:gs pos="0">
-              <a:schemeClr val="phClr">
-                <a:tint val="93000"/>
-                <a:satMod val="150000"/>
-                <a:shade val="98000"/>
-                <a:lumMod val="102000"/>
-              </a:schemeClr>
-            </a:gs>
-            <a:gs pos="50000">
-              <a:schemeClr val="phClr">
-                <a:tint val="98000"/>
-                <a:satMod val="130000"/>
-                <a:shade val="90000"/>
-                <a:lumMod val="103000"/>
-              </a:schemeClr>
-            </a:gs>
-            <a:gs pos="100000">
-              <a:schemeClr val="phClr">
-                <a:shade val="63000"/>
-                <a:satMod val="120000"/>
-              </a:schemeClr>
-            </a:gs>
-          </a:gsLst>
-          <a:lin ang="5400000" scaled="0"/>
-        </a:gradFill>
-      </a:bgFillStyleLst>
-    </a:fmtScheme>
-  </a:themeElements>
-  <a:objectDefaults/>
-  <a:extraClrSchemeLst/>
-  <a:extLst>
-    <a:ext uri="{05A4C25C-085E-4340-85A3-A5531E510DB2}">
-      <thm15:themeFamily xmlns:thm15="http://schemas.microsoft.com/office/thememl/2012/main" name="Office Theme" id="{62F939B6-93AF-4DB8-9C6B-D6C7DFDC589F}" vid="{4A3C46E8-61CC-4603-A589-7422A47A8E4A}"/>
-    </a:ext>
-  </a:extLst>
 </a:theme>
 </file>